--- a/doc/vue-cli3.pptx
+++ b/doc/vue-cli3.pptx
@@ -4,6 +4,9 @@
   <p:sldMasterIdLst>
     <p:sldMasterId id="2147483648" r:id="rId1"/>
   </p:sldMasterIdLst>
+  <p:notesMasterIdLst>
+    <p:notesMasterId r:id="rId10"/>
+  </p:notesMasterIdLst>
   <p:sldIdLst>
     <p:sldId id="256" r:id="rId2"/>
     <p:sldId id="257" r:id="rId3"/>
@@ -119,6 +122,1149 @@
 </p:presentation>
 </file>
 
+<file path=ppt/notesMasters/notesMaster1.xml><?xml version="1.0" encoding="utf-8"?>
+<p:notesMaster xmlns:a="http://schemas.openxmlformats.org/drawingml/2006/main" xmlns:r="http://schemas.openxmlformats.org/officeDocument/2006/relationships" xmlns:p="http://schemas.openxmlformats.org/presentationml/2006/main">
+  <p:cSld>
+    <p:bg>
+      <p:bgRef idx="1001">
+        <a:schemeClr val="bg1"/>
+      </p:bgRef>
+    </p:bg>
+    <p:spTree>
+      <p:nvGrpSpPr>
+        <p:cNvPr id="1" name=""/>
+        <p:cNvGrpSpPr/>
+        <p:nvPr/>
+      </p:nvGrpSpPr>
+      <p:grpSpPr>
+        <a:xfrm>
+          <a:off x="0" y="0"/>
+          <a:ext cx="0" cy="0"/>
+          <a:chOff x="0" y="0"/>
+          <a:chExt cx="0" cy="0"/>
+        </a:xfrm>
+      </p:grpSpPr>
+      <p:sp>
+        <p:nvSpPr>
+          <p:cNvPr id="2" name="页眉占位符 1"/>
+          <p:cNvSpPr>
+            <a:spLocks noGrp="1"/>
+          </p:cNvSpPr>
+          <p:nvPr>
+            <p:ph type="hdr" sz="quarter"/>
+          </p:nvPr>
+        </p:nvSpPr>
+        <p:spPr>
+          <a:xfrm>
+            <a:off x="0" y="0"/>
+            <a:ext cx="2971800" cy="458788"/>
+          </a:xfrm>
+          <a:prstGeom prst="rect">
+            <a:avLst/>
+          </a:prstGeom>
+        </p:spPr>
+        <p:txBody>
+          <a:bodyPr vert="horz" lIns="91440" tIns="45720" rIns="91440" bIns="45720" rtlCol="0"/>
+          <a:lstStyle>
+            <a:lvl1pPr algn="l">
+              <a:defRPr sz="1200"/>
+            </a:lvl1pPr>
+          </a:lstStyle>
+          <a:p>
+            <a:endParaRPr lang="zh-CN" altLang="en-US"/>
+          </a:p>
+        </p:txBody>
+      </p:sp>
+      <p:sp>
+        <p:nvSpPr>
+          <p:cNvPr id="3" name="日期占位符 2"/>
+          <p:cNvSpPr>
+            <a:spLocks noGrp="1"/>
+          </p:cNvSpPr>
+          <p:nvPr>
+            <p:ph type="dt" idx="1"/>
+          </p:nvPr>
+        </p:nvSpPr>
+        <p:spPr>
+          <a:xfrm>
+            <a:off x="3884613" y="0"/>
+            <a:ext cx="2971800" cy="458788"/>
+          </a:xfrm>
+          <a:prstGeom prst="rect">
+            <a:avLst/>
+          </a:prstGeom>
+        </p:spPr>
+        <p:txBody>
+          <a:bodyPr vert="horz" lIns="91440" tIns="45720" rIns="91440" bIns="45720" rtlCol="0"/>
+          <a:lstStyle>
+            <a:lvl1pPr algn="r">
+              <a:defRPr sz="1200"/>
+            </a:lvl1pPr>
+          </a:lstStyle>
+          <a:p>
+            <a:fld id="{3A8FA370-709D-4F72-8E6C-0710CCA00D33}" type="datetimeFigureOut">
+              <a:rPr lang="zh-CN" altLang="en-US" smtClean="0"/>
+              <a:t>2019/7/9</a:t>
+            </a:fld>
+            <a:endParaRPr lang="zh-CN" altLang="en-US"/>
+          </a:p>
+        </p:txBody>
+      </p:sp>
+      <p:sp>
+        <p:nvSpPr>
+          <p:cNvPr id="4" name="幻灯片图像占位符 3"/>
+          <p:cNvSpPr>
+            <a:spLocks noGrp="1" noRot="1" noChangeAspect="1"/>
+          </p:cNvSpPr>
+          <p:nvPr>
+            <p:ph type="sldImg" idx="2"/>
+          </p:nvPr>
+        </p:nvSpPr>
+        <p:spPr>
+          <a:xfrm>
+            <a:off x="685800" y="1143000"/>
+            <a:ext cx="5486400" cy="3086100"/>
+          </a:xfrm>
+          <a:prstGeom prst="rect">
+            <a:avLst/>
+          </a:prstGeom>
+          <a:noFill/>
+          <a:ln w="12700">
+            <a:solidFill>
+              <a:prstClr val="black"/>
+            </a:solidFill>
+          </a:ln>
+        </p:spPr>
+        <p:txBody>
+          <a:bodyPr vert="horz" lIns="91440" tIns="45720" rIns="91440" bIns="45720" rtlCol="0" anchor="ctr"/>
+          <a:lstStyle/>
+          <a:p>
+            <a:endParaRPr lang="zh-CN" altLang="en-US"/>
+          </a:p>
+        </p:txBody>
+      </p:sp>
+      <p:sp>
+        <p:nvSpPr>
+          <p:cNvPr id="5" name="备注占位符 4"/>
+          <p:cNvSpPr>
+            <a:spLocks noGrp="1"/>
+          </p:cNvSpPr>
+          <p:nvPr>
+            <p:ph type="body" sz="quarter" idx="3"/>
+          </p:nvPr>
+        </p:nvSpPr>
+        <p:spPr>
+          <a:xfrm>
+            <a:off x="685800" y="4400550"/>
+            <a:ext cx="5486400" cy="3600450"/>
+          </a:xfrm>
+          <a:prstGeom prst="rect">
+            <a:avLst/>
+          </a:prstGeom>
+        </p:spPr>
+        <p:txBody>
+          <a:bodyPr vert="horz" lIns="91440" tIns="45720" rIns="91440" bIns="45720" rtlCol="0"/>
+          <a:lstStyle/>
+          <a:p>
+            <a:pPr lvl="0"/>
+            <a:r>
+              <a:rPr lang="zh-CN" altLang="en-US"/>
+              <a:t>编辑母版文本样式</a:t>
+            </a:r>
+          </a:p>
+          <a:p>
+            <a:pPr lvl="1"/>
+            <a:r>
+              <a:rPr lang="zh-CN" altLang="en-US"/>
+              <a:t>第二级</a:t>
+            </a:r>
+          </a:p>
+          <a:p>
+            <a:pPr lvl="2"/>
+            <a:r>
+              <a:rPr lang="zh-CN" altLang="en-US"/>
+              <a:t>第三级</a:t>
+            </a:r>
+          </a:p>
+          <a:p>
+            <a:pPr lvl="3"/>
+            <a:r>
+              <a:rPr lang="zh-CN" altLang="en-US"/>
+              <a:t>第四级</a:t>
+            </a:r>
+          </a:p>
+          <a:p>
+            <a:pPr lvl="4"/>
+            <a:r>
+              <a:rPr lang="zh-CN" altLang="en-US"/>
+              <a:t>第五级</a:t>
+            </a:r>
+          </a:p>
+        </p:txBody>
+      </p:sp>
+      <p:sp>
+        <p:nvSpPr>
+          <p:cNvPr id="6" name="页脚占位符 5"/>
+          <p:cNvSpPr>
+            <a:spLocks noGrp="1"/>
+          </p:cNvSpPr>
+          <p:nvPr>
+            <p:ph type="ftr" sz="quarter" idx="4"/>
+          </p:nvPr>
+        </p:nvSpPr>
+        <p:spPr>
+          <a:xfrm>
+            <a:off x="0" y="8685213"/>
+            <a:ext cx="2971800" cy="458787"/>
+          </a:xfrm>
+          <a:prstGeom prst="rect">
+            <a:avLst/>
+          </a:prstGeom>
+        </p:spPr>
+        <p:txBody>
+          <a:bodyPr vert="horz" lIns="91440" tIns="45720" rIns="91440" bIns="45720" rtlCol="0" anchor="b"/>
+          <a:lstStyle>
+            <a:lvl1pPr algn="l">
+              <a:defRPr sz="1200"/>
+            </a:lvl1pPr>
+          </a:lstStyle>
+          <a:p>
+            <a:endParaRPr lang="zh-CN" altLang="en-US"/>
+          </a:p>
+        </p:txBody>
+      </p:sp>
+      <p:sp>
+        <p:nvSpPr>
+          <p:cNvPr id="7" name="灯片编号占位符 6"/>
+          <p:cNvSpPr>
+            <a:spLocks noGrp="1"/>
+          </p:cNvSpPr>
+          <p:nvPr>
+            <p:ph type="sldNum" sz="quarter" idx="5"/>
+          </p:nvPr>
+        </p:nvSpPr>
+        <p:spPr>
+          <a:xfrm>
+            <a:off x="3884613" y="8685213"/>
+            <a:ext cx="2971800" cy="458787"/>
+          </a:xfrm>
+          <a:prstGeom prst="rect">
+            <a:avLst/>
+          </a:prstGeom>
+        </p:spPr>
+        <p:txBody>
+          <a:bodyPr vert="horz" lIns="91440" tIns="45720" rIns="91440" bIns="45720" rtlCol="0" anchor="b"/>
+          <a:lstStyle>
+            <a:lvl1pPr algn="r">
+              <a:defRPr sz="1200"/>
+            </a:lvl1pPr>
+          </a:lstStyle>
+          <a:p>
+            <a:fld id="{7B978FAE-FC0D-4A1C-A95D-8FF8EA3D1B3F}" type="slidenum">
+              <a:rPr lang="zh-CN" altLang="en-US" smtClean="0"/>
+              <a:t>‹#›</a:t>
+            </a:fld>
+            <a:endParaRPr lang="zh-CN" altLang="en-US"/>
+          </a:p>
+        </p:txBody>
+      </p:sp>
+    </p:spTree>
+    <p:extLst>
+      <p:ext uri="{BB962C8B-B14F-4D97-AF65-F5344CB8AC3E}">
+        <p14:creationId xmlns:p14="http://schemas.microsoft.com/office/powerpoint/2010/main" val="4267608087"/>
+      </p:ext>
+    </p:extLst>
+  </p:cSld>
+  <p:clrMap bg1="lt1" tx1="dk1" bg2="lt2" tx2="dk2" accent1="accent1" accent2="accent2" accent3="accent3" accent4="accent4" accent5="accent5" accent6="accent6" hlink="hlink" folHlink="folHlink"/>
+  <p:notesStyle>
+    <a:lvl1pPr marL="0" algn="l" defTabSz="914400" rtl="0" eaLnBrk="1" latinLnBrk="0" hangingPunct="1">
+      <a:defRPr sz="1200" kern="1200">
+        <a:solidFill>
+          <a:schemeClr val="tx1"/>
+        </a:solidFill>
+        <a:latin typeface="+mn-lt"/>
+        <a:ea typeface="+mn-ea"/>
+        <a:cs typeface="+mn-cs"/>
+      </a:defRPr>
+    </a:lvl1pPr>
+    <a:lvl2pPr marL="457200" algn="l" defTabSz="914400" rtl="0" eaLnBrk="1" latinLnBrk="0" hangingPunct="1">
+      <a:defRPr sz="1200" kern="1200">
+        <a:solidFill>
+          <a:schemeClr val="tx1"/>
+        </a:solidFill>
+        <a:latin typeface="+mn-lt"/>
+        <a:ea typeface="+mn-ea"/>
+        <a:cs typeface="+mn-cs"/>
+      </a:defRPr>
+    </a:lvl2pPr>
+    <a:lvl3pPr marL="914400" algn="l" defTabSz="914400" rtl="0" eaLnBrk="1" latinLnBrk="0" hangingPunct="1">
+      <a:defRPr sz="1200" kern="1200">
+        <a:solidFill>
+          <a:schemeClr val="tx1"/>
+        </a:solidFill>
+        <a:latin typeface="+mn-lt"/>
+        <a:ea typeface="+mn-ea"/>
+        <a:cs typeface="+mn-cs"/>
+      </a:defRPr>
+    </a:lvl3pPr>
+    <a:lvl4pPr marL="1371600" algn="l" defTabSz="914400" rtl="0" eaLnBrk="1" latinLnBrk="0" hangingPunct="1">
+      <a:defRPr sz="1200" kern="1200">
+        <a:solidFill>
+          <a:schemeClr val="tx1"/>
+        </a:solidFill>
+        <a:latin typeface="+mn-lt"/>
+        <a:ea typeface="+mn-ea"/>
+        <a:cs typeface="+mn-cs"/>
+      </a:defRPr>
+    </a:lvl4pPr>
+    <a:lvl5pPr marL="1828800" algn="l" defTabSz="914400" rtl="0" eaLnBrk="1" latinLnBrk="0" hangingPunct="1">
+      <a:defRPr sz="1200" kern="1200">
+        <a:solidFill>
+          <a:schemeClr val="tx1"/>
+        </a:solidFill>
+        <a:latin typeface="+mn-lt"/>
+        <a:ea typeface="+mn-ea"/>
+        <a:cs typeface="+mn-cs"/>
+      </a:defRPr>
+    </a:lvl5pPr>
+    <a:lvl6pPr marL="2286000" algn="l" defTabSz="914400" rtl="0" eaLnBrk="1" latinLnBrk="0" hangingPunct="1">
+      <a:defRPr sz="1200" kern="1200">
+        <a:solidFill>
+          <a:schemeClr val="tx1"/>
+        </a:solidFill>
+        <a:latin typeface="+mn-lt"/>
+        <a:ea typeface="+mn-ea"/>
+        <a:cs typeface="+mn-cs"/>
+      </a:defRPr>
+    </a:lvl6pPr>
+    <a:lvl7pPr marL="2743200" algn="l" defTabSz="914400" rtl="0" eaLnBrk="1" latinLnBrk="0" hangingPunct="1">
+      <a:defRPr sz="1200" kern="1200">
+        <a:solidFill>
+          <a:schemeClr val="tx1"/>
+        </a:solidFill>
+        <a:latin typeface="+mn-lt"/>
+        <a:ea typeface="+mn-ea"/>
+        <a:cs typeface="+mn-cs"/>
+      </a:defRPr>
+    </a:lvl7pPr>
+    <a:lvl8pPr marL="3200400" algn="l" defTabSz="914400" rtl="0" eaLnBrk="1" latinLnBrk="0" hangingPunct="1">
+      <a:defRPr sz="1200" kern="1200">
+        <a:solidFill>
+          <a:schemeClr val="tx1"/>
+        </a:solidFill>
+        <a:latin typeface="+mn-lt"/>
+        <a:ea typeface="+mn-ea"/>
+        <a:cs typeface="+mn-cs"/>
+      </a:defRPr>
+    </a:lvl8pPr>
+    <a:lvl9pPr marL="3657600" algn="l" defTabSz="914400" rtl="0" eaLnBrk="1" latinLnBrk="0" hangingPunct="1">
+      <a:defRPr sz="1200" kern="1200">
+        <a:solidFill>
+          <a:schemeClr val="tx1"/>
+        </a:solidFill>
+        <a:latin typeface="+mn-lt"/>
+        <a:ea typeface="+mn-ea"/>
+        <a:cs typeface="+mn-cs"/>
+      </a:defRPr>
+    </a:lvl9pPr>
+  </p:notesStyle>
+</p:notesMaster>
+</file>
+
+<file path=ppt/notesSlides/notesSlide1.xml><?xml version="1.0" encoding="utf-8"?>
+<p:notes xmlns:a="http://schemas.openxmlformats.org/drawingml/2006/main" xmlns:r="http://schemas.openxmlformats.org/officeDocument/2006/relationships" xmlns:p="http://schemas.openxmlformats.org/presentationml/2006/main">
+  <p:cSld>
+    <p:spTree>
+      <p:nvGrpSpPr>
+        <p:cNvPr id="1" name=""/>
+        <p:cNvGrpSpPr/>
+        <p:nvPr/>
+      </p:nvGrpSpPr>
+      <p:grpSpPr>
+        <a:xfrm>
+          <a:off x="0" y="0"/>
+          <a:ext cx="0" cy="0"/>
+          <a:chOff x="0" y="0"/>
+          <a:chExt cx="0" cy="0"/>
+        </a:xfrm>
+      </p:grpSpPr>
+      <p:sp>
+        <p:nvSpPr>
+          <p:cNvPr id="2" name="幻灯片图像占位符 1"/>
+          <p:cNvSpPr>
+            <a:spLocks noGrp="1" noRot="1" noChangeAspect="1"/>
+          </p:cNvSpPr>
+          <p:nvPr>
+            <p:ph type="sldImg"/>
+          </p:nvPr>
+        </p:nvSpPr>
+        <p:spPr/>
+      </p:sp>
+      <p:sp>
+        <p:nvSpPr>
+          <p:cNvPr id="3" name="备注占位符 2"/>
+          <p:cNvSpPr>
+            <a:spLocks noGrp="1"/>
+          </p:cNvSpPr>
+          <p:nvPr>
+            <p:ph type="body" idx="1"/>
+          </p:nvPr>
+        </p:nvSpPr>
+        <p:spPr/>
+        <p:txBody>
+          <a:bodyPr/>
+          <a:lstStyle/>
+          <a:p>
+            <a:r>
+              <a:rPr lang="en-US" altLang="zh-CN" sz="1200" b="0" i="0" kern="1200" dirty="0">
+                <a:solidFill>
+                  <a:schemeClr val="tx1"/>
+                </a:solidFill>
+                <a:effectLst/>
+                <a:latin typeface="+mn-lt"/>
+                <a:ea typeface="+mn-ea"/>
+                <a:cs typeface="+mn-cs"/>
+              </a:rPr>
+              <a:t>CSS </a:t>
+            </a:r>
+            <a:r>
+              <a:rPr lang="zh-CN" altLang="en-US" sz="1200" b="0" i="0" kern="1200" dirty="0">
+                <a:solidFill>
+                  <a:schemeClr val="tx1"/>
+                </a:solidFill>
+                <a:effectLst/>
+                <a:latin typeface="+mn-lt"/>
+                <a:ea typeface="+mn-ea"/>
+                <a:cs typeface="+mn-cs"/>
+              </a:rPr>
+              <a:t>预处理器（如：</a:t>
+            </a:r>
+            <a:r>
+              <a:rPr lang="en-US" altLang="zh-CN" sz="1200" b="0" i="0" kern="1200" dirty="0">
+                <a:solidFill>
+                  <a:schemeClr val="tx1"/>
+                </a:solidFill>
+                <a:effectLst/>
+                <a:latin typeface="+mn-lt"/>
+                <a:ea typeface="+mn-ea"/>
+                <a:cs typeface="+mn-cs"/>
+              </a:rPr>
+              <a:t>less</a:t>
+            </a:r>
+            <a:r>
+              <a:rPr lang="zh-CN" altLang="en-US" sz="1200" b="0" i="0" kern="1200" dirty="0">
+                <a:solidFill>
+                  <a:schemeClr val="tx1"/>
+                </a:solidFill>
+                <a:effectLst/>
+                <a:latin typeface="+mn-lt"/>
+                <a:ea typeface="+mn-ea"/>
+                <a:cs typeface="+mn-cs"/>
+              </a:rPr>
+              <a:t>、</a:t>
+            </a:r>
+            <a:r>
+              <a:rPr lang="en-US" altLang="zh-CN" sz="1200" b="0" i="0" kern="1200" dirty="0">
+                <a:solidFill>
+                  <a:schemeClr val="tx1"/>
+                </a:solidFill>
+                <a:effectLst/>
+                <a:latin typeface="+mn-lt"/>
+                <a:ea typeface="+mn-ea"/>
+                <a:cs typeface="+mn-cs"/>
+              </a:rPr>
+              <a:t>sass</a:t>
+            </a:r>
+            <a:r>
+              <a:rPr lang="zh-CN" altLang="en-US" sz="1200" b="0" i="0" kern="1200" dirty="0">
+                <a:solidFill>
+                  <a:schemeClr val="tx1"/>
+                </a:solidFill>
+                <a:effectLst/>
+                <a:latin typeface="+mn-lt"/>
+                <a:ea typeface="+mn-ea"/>
+                <a:cs typeface="+mn-cs"/>
+              </a:rPr>
+              <a:t>） 代码风格检查和格式化（如：</a:t>
+            </a:r>
+            <a:r>
+              <a:rPr lang="en-US" altLang="zh-CN" sz="1200" b="0" i="0" kern="1200" dirty="0" err="1">
+                <a:solidFill>
+                  <a:schemeClr val="tx1"/>
+                </a:solidFill>
+                <a:effectLst/>
+                <a:latin typeface="+mn-lt"/>
+                <a:ea typeface="+mn-ea"/>
+                <a:cs typeface="+mn-cs"/>
+              </a:rPr>
+              <a:t>ESlint</a:t>
+            </a:r>
+            <a:r>
+              <a:rPr lang="zh-CN" altLang="en-US" sz="1200" b="0" i="0" kern="1200" dirty="0">
+                <a:solidFill>
+                  <a:schemeClr val="tx1"/>
+                </a:solidFill>
+                <a:effectLst/>
+                <a:latin typeface="+mn-lt"/>
+                <a:ea typeface="+mn-ea"/>
+                <a:cs typeface="+mn-cs"/>
+              </a:rPr>
+              <a:t>） 单元测试（</a:t>
+            </a:r>
+            <a:r>
+              <a:rPr lang="en-US" altLang="zh-CN" sz="1200" b="0" i="0" kern="1200" dirty="0">
+                <a:solidFill>
+                  <a:schemeClr val="tx1"/>
+                </a:solidFill>
+                <a:effectLst/>
+                <a:latin typeface="+mn-lt"/>
+                <a:ea typeface="+mn-ea"/>
+                <a:cs typeface="+mn-cs"/>
+              </a:rPr>
+              <a:t>unit tests</a:t>
+            </a:r>
+            <a:r>
+              <a:rPr lang="zh-CN" altLang="en-US" sz="1200" b="0" i="0" kern="1200" dirty="0">
+                <a:solidFill>
+                  <a:schemeClr val="tx1"/>
+                </a:solidFill>
+                <a:effectLst/>
+                <a:latin typeface="+mn-lt"/>
+                <a:ea typeface="+mn-ea"/>
+                <a:cs typeface="+mn-cs"/>
+              </a:rPr>
+              <a:t>）逻辑驱动白盒测试 </a:t>
+            </a:r>
+            <a:r>
+              <a:rPr lang="en-US" altLang="zh-CN" sz="1200" b="0" i="0" kern="1200" dirty="0">
+                <a:solidFill>
+                  <a:schemeClr val="tx1"/>
+                </a:solidFill>
+                <a:effectLst/>
+                <a:latin typeface="+mn-lt"/>
+                <a:ea typeface="+mn-ea"/>
+                <a:cs typeface="+mn-cs"/>
+              </a:rPr>
+              <a:t>e2e</a:t>
+            </a:r>
+            <a:r>
+              <a:rPr lang="zh-CN" altLang="en-US" sz="1200" b="0" i="0" kern="1200" dirty="0">
+                <a:solidFill>
+                  <a:schemeClr val="tx1"/>
+                </a:solidFill>
+                <a:effectLst/>
+                <a:latin typeface="+mn-lt"/>
+                <a:ea typeface="+mn-ea"/>
+                <a:cs typeface="+mn-cs"/>
+              </a:rPr>
+              <a:t>（</a:t>
+            </a:r>
+            <a:r>
+              <a:rPr lang="en-US" altLang="zh-CN" sz="1200" b="0" i="0" kern="1200" dirty="0">
+                <a:solidFill>
+                  <a:schemeClr val="tx1"/>
+                </a:solidFill>
+                <a:effectLst/>
+                <a:latin typeface="+mn-lt"/>
+                <a:ea typeface="+mn-ea"/>
+                <a:cs typeface="+mn-cs"/>
+              </a:rPr>
+              <a:t>end to end</a:t>
+            </a:r>
+            <a:r>
+              <a:rPr lang="zh-CN" altLang="en-US" sz="1200" b="0" i="0" kern="1200" dirty="0">
+                <a:solidFill>
+                  <a:schemeClr val="tx1"/>
+                </a:solidFill>
+                <a:effectLst/>
+                <a:latin typeface="+mn-lt"/>
+                <a:ea typeface="+mn-ea"/>
+                <a:cs typeface="+mn-cs"/>
+              </a:rPr>
+              <a:t>）测试，</a:t>
+            </a:r>
+            <a:r>
+              <a:rPr lang="en-US" altLang="zh-CN" sz="1200" b="0" i="0" kern="1200" dirty="0">
+                <a:solidFill>
+                  <a:schemeClr val="tx1"/>
+                </a:solidFill>
+                <a:effectLst/>
+                <a:latin typeface="+mn-lt"/>
+                <a:ea typeface="+mn-ea"/>
+                <a:cs typeface="+mn-cs"/>
+              </a:rPr>
+              <a:t>UI</a:t>
+            </a:r>
+            <a:r>
+              <a:rPr lang="zh-CN" altLang="en-US" sz="1200" b="0" i="0" kern="1200" dirty="0">
+                <a:solidFill>
+                  <a:schemeClr val="tx1"/>
+                </a:solidFill>
+                <a:effectLst/>
+                <a:latin typeface="+mn-lt"/>
+                <a:ea typeface="+mn-ea"/>
+                <a:cs typeface="+mn-cs"/>
+              </a:rPr>
+              <a:t>测试流程设计黑盒测试</a:t>
+            </a:r>
+            <a:endParaRPr lang="en-US" altLang="zh-CN" sz="1200" b="0" i="0" kern="1200" dirty="0">
+              <a:solidFill>
+                <a:schemeClr val="tx1"/>
+              </a:solidFill>
+              <a:effectLst/>
+              <a:latin typeface="+mn-lt"/>
+              <a:ea typeface="+mn-ea"/>
+              <a:cs typeface="+mn-cs"/>
+            </a:endParaRPr>
+          </a:p>
+          <a:p>
+            <a:r>
+              <a:rPr lang="en-US" altLang="zh-CN" dirty="0"/>
+              <a:t>describe</a:t>
+            </a:r>
+            <a:r>
+              <a:rPr lang="zh-CN" altLang="en-US" sz="1200" b="0" i="0" kern="1200" dirty="0">
+                <a:solidFill>
+                  <a:schemeClr val="tx1"/>
+                </a:solidFill>
+                <a:effectLst/>
+                <a:latin typeface="+mn-lt"/>
+                <a:ea typeface="+mn-ea"/>
+                <a:cs typeface="+mn-cs"/>
+              </a:rPr>
+              <a:t>块称为</a:t>
+            </a:r>
+            <a:r>
+              <a:rPr lang="en-US" altLang="zh-CN" sz="1200" b="0" i="0" kern="1200" dirty="0">
+                <a:solidFill>
+                  <a:schemeClr val="tx1"/>
+                </a:solidFill>
+                <a:effectLst/>
+                <a:latin typeface="+mn-lt"/>
+                <a:ea typeface="+mn-ea"/>
+                <a:cs typeface="+mn-cs"/>
+              </a:rPr>
+              <a:t>“</a:t>
+            </a:r>
+            <a:r>
+              <a:rPr lang="zh-CN" altLang="en-US" sz="1200" b="0" i="0" kern="1200" dirty="0">
+                <a:solidFill>
+                  <a:schemeClr val="tx1"/>
+                </a:solidFill>
+                <a:effectLst/>
+                <a:latin typeface="+mn-lt"/>
+                <a:ea typeface="+mn-ea"/>
+                <a:cs typeface="+mn-cs"/>
+              </a:rPr>
+              <a:t>测试套件</a:t>
+            </a:r>
+            <a:r>
+              <a:rPr lang="en-US" altLang="zh-CN" sz="1200" b="0" i="0" kern="1200" dirty="0">
+                <a:solidFill>
+                  <a:schemeClr val="tx1"/>
+                </a:solidFill>
+                <a:effectLst/>
+                <a:latin typeface="+mn-lt"/>
+                <a:ea typeface="+mn-ea"/>
+                <a:cs typeface="+mn-cs"/>
+              </a:rPr>
+              <a:t>”</a:t>
+            </a:r>
+            <a:r>
+              <a:rPr lang="zh-CN" altLang="en-US" sz="1200" b="0" i="0" kern="1200" dirty="0">
+                <a:solidFill>
+                  <a:schemeClr val="tx1"/>
+                </a:solidFill>
+                <a:effectLst/>
+                <a:latin typeface="+mn-lt"/>
+                <a:ea typeface="+mn-ea"/>
+                <a:cs typeface="+mn-cs"/>
+              </a:rPr>
+              <a:t>（</a:t>
+            </a:r>
+            <a:r>
+              <a:rPr lang="en-US" altLang="zh-CN" sz="1200" b="0" i="0" kern="1200" dirty="0">
+                <a:solidFill>
+                  <a:schemeClr val="tx1"/>
+                </a:solidFill>
+                <a:effectLst/>
+                <a:latin typeface="+mn-lt"/>
+                <a:ea typeface="+mn-ea"/>
+                <a:cs typeface="+mn-cs"/>
+              </a:rPr>
+              <a:t>test suite</a:t>
+            </a:r>
+            <a:r>
+              <a:rPr lang="zh-CN" altLang="en-US" sz="1200" b="0" i="0" kern="1200" dirty="0">
+                <a:solidFill>
+                  <a:schemeClr val="tx1"/>
+                </a:solidFill>
+                <a:effectLst/>
+                <a:latin typeface="+mn-lt"/>
+                <a:ea typeface="+mn-ea"/>
+                <a:cs typeface="+mn-cs"/>
+              </a:rPr>
+              <a:t>）断言库（</a:t>
+            </a:r>
+            <a:r>
+              <a:rPr lang="en-US" altLang="zh-CN" sz="1200" b="0" i="0" kern="1200" dirty="0">
+                <a:solidFill>
+                  <a:schemeClr val="tx1"/>
+                </a:solidFill>
+                <a:effectLst/>
+                <a:latin typeface="+mn-lt"/>
+                <a:ea typeface="+mn-ea"/>
+                <a:cs typeface="+mn-cs"/>
+              </a:rPr>
+              <a:t>mocha chai</a:t>
+            </a:r>
+            <a:r>
+              <a:rPr lang="zh-CN" altLang="en-US" sz="1200" b="0" i="0" kern="1200" dirty="0">
+                <a:solidFill>
+                  <a:schemeClr val="tx1"/>
+                </a:solidFill>
+                <a:effectLst/>
+                <a:latin typeface="+mn-lt"/>
+                <a:ea typeface="+mn-ea"/>
+                <a:cs typeface="+mn-cs"/>
+              </a:rPr>
+              <a:t>）</a:t>
+            </a:r>
+            <a:endParaRPr lang="zh-CN" altLang="en-US" dirty="0"/>
+          </a:p>
+        </p:txBody>
+      </p:sp>
+      <p:sp>
+        <p:nvSpPr>
+          <p:cNvPr id="4" name="灯片编号占位符 3"/>
+          <p:cNvSpPr>
+            <a:spLocks noGrp="1"/>
+          </p:cNvSpPr>
+          <p:nvPr>
+            <p:ph type="sldNum" sz="quarter" idx="10"/>
+          </p:nvPr>
+        </p:nvSpPr>
+        <p:spPr/>
+        <p:txBody>
+          <a:bodyPr/>
+          <a:lstStyle/>
+          <a:p>
+            <a:fld id="{7B978FAE-FC0D-4A1C-A95D-8FF8EA3D1B3F}" type="slidenum">
+              <a:rPr lang="zh-CN" altLang="en-US" smtClean="0"/>
+              <a:t>2</a:t>
+            </a:fld>
+            <a:endParaRPr lang="zh-CN" altLang="en-US"/>
+          </a:p>
+        </p:txBody>
+      </p:sp>
+    </p:spTree>
+    <p:extLst>
+      <p:ext uri="{BB962C8B-B14F-4D97-AF65-F5344CB8AC3E}">
+        <p14:creationId xmlns:p14="http://schemas.microsoft.com/office/powerpoint/2010/main" val="2602525401"/>
+      </p:ext>
+    </p:extLst>
+  </p:cSld>
+  <p:clrMapOvr>
+    <a:masterClrMapping/>
+  </p:clrMapOvr>
+</p:notes>
+</file>
+
+<file path=ppt/notesSlides/notesSlide2.xml><?xml version="1.0" encoding="utf-8"?>
+<p:notes xmlns:a="http://schemas.openxmlformats.org/drawingml/2006/main" xmlns:r="http://schemas.openxmlformats.org/officeDocument/2006/relationships" xmlns:p="http://schemas.openxmlformats.org/presentationml/2006/main">
+  <p:cSld>
+    <p:spTree>
+      <p:nvGrpSpPr>
+        <p:cNvPr id="1" name=""/>
+        <p:cNvGrpSpPr/>
+        <p:nvPr/>
+      </p:nvGrpSpPr>
+      <p:grpSpPr>
+        <a:xfrm>
+          <a:off x="0" y="0"/>
+          <a:ext cx="0" cy="0"/>
+          <a:chOff x="0" y="0"/>
+          <a:chExt cx="0" cy="0"/>
+        </a:xfrm>
+      </p:grpSpPr>
+      <p:sp>
+        <p:nvSpPr>
+          <p:cNvPr id="2" name="幻灯片图像占位符 1"/>
+          <p:cNvSpPr>
+            <a:spLocks noGrp="1" noRot="1" noChangeAspect="1"/>
+          </p:cNvSpPr>
+          <p:nvPr>
+            <p:ph type="sldImg"/>
+          </p:nvPr>
+        </p:nvSpPr>
+        <p:spPr/>
+      </p:sp>
+      <p:sp>
+        <p:nvSpPr>
+          <p:cNvPr id="3" name="备注占位符 2"/>
+          <p:cNvSpPr>
+            <a:spLocks noGrp="1"/>
+          </p:cNvSpPr>
+          <p:nvPr>
+            <p:ph type="body" idx="1"/>
+          </p:nvPr>
+        </p:nvSpPr>
+        <p:spPr/>
+        <p:txBody>
+          <a:bodyPr/>
+          <a:lstStyle/>
+          <a:p>
+            <a:r>
+              <a:rPr lang="zh-CN" altLang="en-US" sz="1200" b="0" i="0" kern="1200" dirty="0">
+                <a:solidFill>
+                  <a:schemeClr val="tx1"/>
+                </a:solidFill>
+                <a:effectLst/>
+                <a:latin typeface="+mn-lt"/>
+                <a:ea typeface="+mn-ea"/>
+                <a:cs typeface="+mn-cs"/>
+              </a:rPr>
+              <a:t>默认 </a:t>
+            </a:r>
+            <a:r>
+              <a:rPr lang="en-US" altLang="zh-CN" sz="1200" b="0" i="0" kern="1200" dirty="0">
+                <a:solidFill>
+                  <a:schemeClr val="tx1"/>
+                </a:solidFill>
+                <a:effectLst/>
+                <a:latin typeface="+mn-lt"/>
+                <a:ea typeface="+mn-ea"/>
+                <a:cs typeface="+mn-cs"/>
+              </a:rPr>
+              <a:t>hash </a:t>
+            </a:r>
+            <a:r>
+              <a:rPr lang="zh-CN" altLang="en-US" sz="1200" b="0" i="0" kern="1200" dirty="0">
+                <a:solidFill>
+                  <a:schemeClr val="tx1"/>
+                </a:solidFill>
+                <a:effectLst/>
+                <a:latin typeface="+mn-lt"/>
+                <a:ea typeface="+mn-ea"/>
+                <a:cs typeface="+mn-cs"/>
+              </a:rPr>
+              <a:t>模式 </a:t>
+            </a:r>
+            <a:r>
+              <a:rPr lang="en-US" altLang="zh-CN" sz="1200" b="0" i="0" kern="1200" dirty="0">
+                <a:solidFill>
+                  <a:schemeClr val="tx1"/>
+                </a:solidFill>
+                <a:effectLst/>
+                <a:latin typeface="+mn-lt"/>
+                <a:ea typeface="+mn-ea"/>
+                <a:cs typeface="+mn-cs"/>
+              </a:rPr>
+              <a:t>h</a:t>
+            </a:r>
+            <a:r>
+              <a:rPr lang="en-US" altLang="zh-CN" dirty="0"/>
+              <a:t>istory </a:t>
+            </a:r>
+            <a:r>
+              <a:rPr lang="zh-CN" altLang="en-US" sz="1200" b="0" i="0" kern="1200" dirty="0">
+                <a:solidFill>
+                  <a:schemeClr val="tx1"/>
+                </a:solidFill>
+                <a:effectLst/>
+                <a:latin typeface="+mn-lt"/>
+                <a:ea typeface="+mn-ea"/>
+                <a:cs typeface="+mn-cs"/>
+              </a:rPr>
+              <a:t>使用</a:t>
+            </a:r>
+            <a:r>
+              <a:rPr lang="en-US" altLang="zh-CN" sz="1200" b="0" i="0" kern="1200" dirty="0">
+                <a:solidFill>
+                  <a:schemeClr val="tx1"/>
+                </a:solidFill>
+                <a:effectLst/>
+                <a:latin typeface="+mn-lt"/>
+                <a:ea typeface="+mn-ea"/>
+                <a:cs typeface="+mn-cs"/>
+              </a:rPr>
+              <a:t>Dart</a:t>
+            </a:r>
+            <a:r>
+              <a:rPr lang="zh-CN" altLang="en-US" sz="1200" b="0" i="0" kern="1200" dirty="0">
+                <a:solidFill>
+                  <a:schemeClr val="tx1"/>
+                </a:solidFill>
+                <a:effectLst/>
+                <a:latin typeface="+mn-lt"/>
+                <a:ea typeface="+mn-ea"/>
+                <a:cs typeface="+mn-cs"/>
+              </a:rPr>
+              <a:t>对</a:t>
+            </a:r>
+            <a:r>
+              <a:rPr lang="en-US" altLang="zh-CN" sz="1200" b="0" i="0" kern="1200" dirty="0">
+                <a:solidFill>
+                  <a:schemeClr val="tx1"/>
+                </a:solidFill>
+                <a:effectLst/>
+                <a:latin typeface="+mn-lt"/>
+                <a:ea typeface="+mn-ea"/>
+                <a:cs typeface="+mn-cs"/>
+              </a:rPr>
+              <a:t>Sass</a:t>
+            </a:r>
+            <a:r>
+              <a:rPr lang="zh-CN" altLang="en-US" sz="1200" b="0" i="0" kern="1200" dirty="0">
+                <a:solidFill>
+                  <a:schemeClr val="tx1"/>
+                </a:solidFill>
+                <a:effectLst/>
+                <a:latin typeface="+mn-lt"/>
+                <a:ea typeface="+mn-ea"/>
+                <a:cs typeface="+mn-cs"/>
+              </a:rPr>
+              <a:t>进行了重写，</a:t>
+            </a:r>
+            <a:r>
+              <a:rPr lang="en-US" altLang="zh-CN" sz="1200" b="0" i="0" kern="1200" dirty="0">
+                <a:solidFill>
+                  <a:schemeClr val="tx1"/>
+                </a:solidFill>
+                <a:effectLst/>
+                <a:latin typeface="+mn-lt"/>
+                <a:ea typeface="+mn-ea"/>
+                <a:cs typeface="+mn-cs"/>
+              </a:rPr>
+              <a:t>Sass</a:t>
+            </a:r>
+            <a:r>
+              <a:rPr lang="zh-CN" altLang="en-US" sz="1200" b="0" i="0" kern="1200" dirty="0">
+                <a:solidFill>
+                  <a:schemeClr val="tx1"/>
+                </a:solidFill>
+                <a:effectLst/>
+                <a:latin typeface="+mn-lt"/>
+                <a:ea typeface="+mn-ea"/>
+                <a:cs typeface="+mn-cs"/>
+              </a:rPr>
+              <a:t>的主要实现有</a:t>
+            </a:r>
+            <a:r>
+              <a:rPr lang="en-US" altLang="zh-CN" sz="1200" b="0" i="0" u="none" strike="noStrike" kern="1200" dirty="0">
+                <a:solidFill>
+                  <a:schemeClr val="tx1"/>
+                </a:solidFill>
+                <a:effectLst/>
+                <a:latin typeface="+mn-lt"/>
+                <a:ea typeface="+mn-ea"/>
+                <a:cs typeface="+mn-cs"/>
+              </a:rPr>
+              <a:t>Ruby Sass</a:t>
+            </a:r>
+            <a:r>
+              <a:rPr lang="zh-CN" altLang="en-US" sz="1200" b="0" i="0" kern="1200" dirty="0">
+                <a:solidFill>
+                  <a:schemeClr val="tx1"/>
+                </a:solidFill>
+                <a:effectLst/>
+                <a:latin typeface="+mn-lt"/>
+                <a:ea typeface="+mn-ea"/>
+                <a:cs typeface="+mn-cs"/>
+              </a:rPr>
+              <a:t>和</a:t>
+            </a:r>
+            <a:r>
+              <a:rPr lang="en-US" altLang="zh-CN" sz="1200" b="0" i="0" kern="1200" dirty="0" err="1">
+                <a:solidFill>
+                  <a:schemeClr val="tx1"/>
+                </a:solidFill>
+                <a:effectLst/>
+                <a:latin typeface="+mn-lt"/>
+                <a:ea typeface="+mn-ea"/>
+                <a:cs typeface="+mn-cs"/>
+              </a:rPr>
+              <a:t>LibSass</a:t>
+            </a:r>
+            <a:r>
+              <a:rPr lang="zh-CN" altLang="en-US" sz="1200" b="0" i="0" kern="1200" dirty="0">
+                <a:solidFill>
+                  <a:schemeClr val="tx1"/>
+                </a:solidFill>
+                <a:effectLst/>
+                <a:latin typeface="+mn-lt"/>
+                <a:ea typeface="+mn-ea"/>
+                <a:cs typeface="+mn-cs"/>
+              </a:rPr>
+              <a:t>（</a:t>
+            </a:r>
+            <a:r>
+              <a:rPr lang="en-US" altLang="zh-CN" dirty="0"/>
+              <a:t>node-sass</a:t>
+            </a:r>
+            <a:r>
+              <a:rPr lang="zh-CN" altLang="en-US" sz="1200" b="0" i="0" kern="1200" dirty="0">
+                <a:solidFill>
+                  <a:schemeClr val="tx1"/>
+                </a:solidFill>
+                <a:effectLst/>
+                <a:latin typeface="+mn-lt"/>
+                <a:ea typeface="+mn-ea"/>
+                <a:cs typeface="+mn-cs"/>
+              </a:rPr>
+              <a:t>底层使用的是</a:t>
+            </a:r>
+            <a:r>
+              <a:rPr lang="en-US" altLang="zh-CN" sz="1200" b="0" i="0" kern="1200" dirty="0" err="1">
+                <a:solidFill>
+                  <a:schemeClr val="tx1"/>
+                </a:solidFill>
+                <a:effectLst/>
+                <a:latin typeface="+mn-lt"/>
+                <a:ea typeface="+mn-ea"/>
+                <a:cs typeface="+mn-cs"/>
+              </a:rPr>
+              <a:t>LibSass</a:t>
+            </a:r>
+            <a:r>
+              <a:rPr lang="zh-CN" altLang="en-US" sz="1200" b="0" i="0" kern="1200" dirty="0">
+                <a:solidFill>
+                  <a:schemeClr val="tx1"/>
+                </a:solidFill>
+                <a:effectLst/>
+                <a:latin typeface="+mn-lt"/>
+                <a:ea typeface="+mn-ea"/>
+                <a:cs typeface="+mn-cs"/>
+              </a:rPr>
+              <a:t>）</a:t>
+            </a:r>
+            <a:endParaRPr lang="zh-CN" altLang="en-US" dirty="0"/>
+          </a:p>
+        </p:txBody>
+      </p:sp>
+      <p:sp>
+        <p:nvSpPr>
+          <p:cNvPr id="4" name="灯片编号占位符 3"/>
+          <p:cNvSpPr>
+            <a:spLocks noGrp="1"/>
+          </p:cNvSpPr>
+          <p:nvPr>
+            <p:ph type="sldNum" sz="quarter" idx="10"/>
+          </p:nvPr>
+        </p:nvSpPr>
+        <p:spPr/>
+        <p:txBody>
+          <a:bodyPr/>
+          <a:lstStyle/>
+          <a:p>
+            <a:fld id="{7B978FAE-FC0D-4A1C-A95D-8FF8EA3D1B3F}" type="slidenum">
+              <a:rPr lang="zh-CN" altLang="en-US" smtClean="0"/>
+              <a:t>3</a:t>
+            </a:fld>
+            <a:endParaRPr lang="zh-CN" altLang="en-US"/>
+          </a:p>
+        </p:txBody>
+      </p:sp>
+    </p:spTree>
+    <p:extLst>
+      <p:ext uri="{BB962C8B-B14F-4D97-AF65-F5344CB8AC3E}">
+        <p14:creationId xmlns:p14="http://schemas.microsoft.com/office/powerpoint/2010/main" val="413305787"/>
+      </p:ext>
+    </p:extLst>
+  </p:cSld>
+  <p:clrMapOvr>
+    <a:masterClrMapping/>
+  </p:clrMapOvr>
+</p:notes>
+</file>
+
+<file path=ppt/notesSlides/notesSlide3.xml><?xml version="1.0" encoding="utf-8"?>
+<p:notes xmlns:a="http://schemas.openxmlformats.org/drawingml/2006/main" xmlns:r="http://schemas.openxmlformats.org/officeDocument/2006/relationships" xmlns:p="http://schemas.openxmlformats.org/presentationml/2006/main">
+  <p:cSld>
+    <p:spTree>
+      <p:nvGrpSpPr>
+        <p:cNvPr id="1" name=""/>
+        <p:cNvGrpSpPr/>
+        <p:nvPr/>
+      </p:nvGrpSpPr>
+      <p:grpSpPr>
+        <a:xfrm>
+          <a:off x="0" y="0"/>
+          <a:ext cx="0" cy="0"/>
+          <a:chOff x="0" y="0"/>
+          <a:chExt cx="0" cy="0"/>
+        </a:xfrm>
+      </p:grpSpPr>
+      <p:sp>
+        <p:nvSpPr>
+          <p:cNvPr id="2" name="幻灯片图像占位符 1"/>
+          <p:cNvSpPr>
+            <a:spLocks noGrp="1" noRot="1" noChangeAspect="1"/>
+          </p:cNvSpPr>
+          <p:nvPr>
+            <p:ph type="sldImg"/>
+          </p:nvPr>
+        </p:nvSpPr>
+        <p:spPr/>
+      </p:sp>
+      <p:sp>
+        <p:nvSpPr>
+          <p:cNvPr id="3" name="备注占位符 2"/>
+          <p:cNvSpPr>
+            <a:spLocks noGrp="1"/>
+          </p:cNvSpPr>
+          <p:nvPr>
+            <p:ph type="body" idx="1"/>
+          </p:nvPr>
+        </p:nvSpPr>
+        <p:spPr/>
+        <p:txBody>
+          <a:bodyPr/>
+          <a:lstStyle/>
+          <a:p>
+            <a:r>
+              <a:rPr lang="zh-CN" altLang="en-US"/>
+              <a:t>隐藏文件</a:t>
+            </a:r>
+          </a:p>
+        </p:txBody>
+      </p:sp>
+      <p:sp>
+        <p:nvSpPr>
+          <p:cNvPr id="4" name="灯片编号占位符 3"/>
+          <p:cNvSpPr>
+            <a:spLocks noGrp="1"/>
+          </p:cNvSpPr>
+          <p:nvPr>
+            <p:ph type="sldNum" sz="quarter" idx="10"/>
+          </p:nvPr>
+        </p:nvSpPr>
+        <p:spPr/>
+        <p:txBody>
+          <a:bodyPr/>
+          <a:lstStyle/>
+          <a:p>
+            <a:fld id="{7B978FAE-FC0D-4A1C-A95D-8FF8EA3D1B3F}" type="slidenum">
+              <a:rPr lang="zh-CN" altLang="en-US" smtClean="0"/>
+              <a:t>4</a:t>
+            </a:fld>
+            <a:endParaRPr lang="zh-CN" altLang="en-US"/>
+          </a:p>
+        </p:txBody>
+      </p:sp>
+    </p:spTree>
+    <p:extLst>
+      <p:ext uri="{BB962C8B-B14F-4D97-AF65-F5344CB8AC3E}">
+        <p14:creationId xmlns:p14="http://schemas.microsoft.com/office/powerpoint/2010/main" val="2207777867"/>
+      </p:ext>
+    </p:extLst>
+  </p:cSld>
+  <p:clrMapOvr>
+    <a:masterClrMapping/>
+  </p:clrMapOvr>
+</p:notes>
+</file>
+
 <file path=ppt/slideLayouts/slideLayout1.xml><?xml version="1.0" encoding="utf-8"?>
 <p:sldLayout xmlns:a="http://schemas.openxmlformats.org/drawingml/2006/main" xmlns:r="http://schemas.openxmlformats.org/officeDocument/2006/relationships" xmlns:p="http://schemas.openxmlformats.org/presentationml/2006/main" type="title" preserve="1">
   <p:cSld name="标题幻灯片">
@@ -161,10 +1307,9 @@
           </a:lstStyle>
           <a:p>
             <a:r>
-              <a:rPr kumimoji="1" lang="zh-CN" altLang="en-US" smtClean="0"/>
+              <a:rPr kumimoji="1" lang="zh-CN" altLang="en-US"/>
               <a:t>单击此处编辑母版标题样式</a:t>
             </a:r>
-            <a:endParaRPr kumimoji="1" lang="zh-CN" altLang="en-US"/>
           </a:p>
         </p:txBody>
       </p:sp>
@@ -226,10 +1371,9 @@
           </a:lstStyle>
           <a:p>
             <a:r>
-              <a:rPr kumimoji="1" lang="zh-CN" altLang="en-US" smtClean="0"/>
+              <a:rPr kumimoji="1" lang="zh-CN" altLang="en-US"/>
               <a:t>单击此处编辑母版副标题样式</a:t>
             </a:r>
-            <a:endParaRPr kumimoji="1" lang="zh-CN" altLang="en-US"/>
           </a:p>
         </p:txBody>
       </p:sp>
@@ -250,7 +1394,7 @@
           <a:p>
             <a:fld id="{3A737EFC-D787-6544-BBED-AC7F5B40DC0C}" type="datetimeFigureOut">
               <a:rPr kumimoji="1" lang="zh-CN" altLang="en-US" smtClean="0"/>
-              <a:t>19/7/8</a:t>
+              <a:t>2019/7/9</a:t>
             </a:fld>
             <a:endParaRPr kumimoji="1" lang="zh-CN" altLang="en-US"/>
           </a:p>
@@ -344,10 +1488,9 @@
           <a:lstStyle/>
           <a:p>
             <a:r>
-              <a:rPr kumimoji="1" lang="zh-CN" altLang="en-US" smtClean="0"/>
+              <a:rPr kumimoji="1" lang="zh-CN" altLang="en-US"/>
               <a:t>单击此处编辑母版标题样式</a:t>
             </a:r>
-            <a:endParaRPr kumimoji="1" lang="zh-CN" altLang="en-US"/>
           </a:p>
         </p:txBody>
       </p:sp>
@@ -368,38 +1511,37 @@
           <a:p>
             <a:pPr lvl="0"/>
             <a:r>
-              <a:rPr kumimoji="1" lang="zh-CN" altLang="en-US" smtClean="0"/>
+              <a:rPr kumimoji="1" lang="zh-CN" altLang="en-US"/>
               <a:t>单击此处编辑母版文本样式</a:t>
             </a:r>
           </a:p>
           <a:p>
             <a:pPr lvl="1"/>
             <a:r>
-              <a:rPr kumimoji="1" lang="zh-CN" altLang="en-US" smtClean="0"/>
+              <a:rPr kumimoji="1" lang="zh-CN" altLang="en-US"/>
               <a:t>二级</a:t>
             </a:r>
           </a:p>
           <a:p>
             <a:pPr lvl="2"/>
             <a:r>
-              <a:rPr kumimoji="1" lang="zh-CN" altLang="en-US" smtClean="0"/>
+              <a:rPr kumimoji="1" lang="zh-CN" altLang="en-US"/>
               <a:t>三级</a:t>
             </a:r>
           </a:p>
           <a:p>
             <a:pPr lvl="3"/>
             <a:r>
-              <a:rPr kumimoji="1" lang="zh-CN" altLang="en-US" smtClean="0"/>
+              <a:rPr kumimoji="1" lang="zh-CN" altLang="en-US"/>
               <a:t>四级</a:t>
             </a:r>
           </a:p>
           <a:p>
             <a:pPr lvl="4"/>
             <a:r>
-              <a:rPr kumimoji="1" lang="zh-CN" altLang="en-US" smtClean="0"/>
+              <a:rPr kumimoji="1" lang="zh-CN" altLang="en-US"/>
               <a:t>五级</a:t>
             </a:r>
-            <a:endParaRPr kumimoji="1" lang="zh-CN" altLang="en-US"/>
           </a:p>
         </p:txBody>
       </p:sp>
@@ -420,7 +1562,7 @@
           <a:p>
             <a:fld id="{3A737EFC-D787-6544-BBED-AC7F5B40DC0C}" type="datetimeFigureOut">
               <a:rPr kumimoji="1" lang="zh-CN" altLang="en-US" smtClean="0"/>
-              <a:t>19/7/8</a:t>
+              <a:t>2019/7/9</a:t>
             </a:fld>
             <a:endParaRPr kumimoji="1" lang="zh-CN" altLang="en-US"/>
           </a:p>
@@ -519,10 +1661,9 @@
           <a:lstStyle/>
           <a:p>
             <a:r>
-              <a:rPr kumimoji="1" lang="zh-CN" altLang="en-US" smtClean="0"/>
+              <a:rPr kumimoji="1" lang="zh-CN" altLang="en-US"/>
               <a:t>单击此处编辑母版标题样式</a:t>
             </a:r>
-            <a:endParaRPr kumimoji="1" lang="zh-CN" altLang="en-US"/>
           </a:p>
         </p:txBody>
       </p:sp>
@@ -548,38 +1689,37 @@
           <a:p>
             <a:pPr lvl="0"/>
             <a:r>
-              <a:rPr kumimoji="1" lang="zh-CN" altLang="en-US" smtClean="0"/>
+              <a:rPr kumimoji="1" lang="zh-CN" altLang="en-US"/>
               <a:t>单击此处编辑母版文本样式</a:t>
             </a:r>
           </a:p>
           <a:p>
             <a:pPr lvl="1"/>
             <a:r>
-              <a:rPr kumimoji="1" lang="zh-CN" altLang="en-US" smtClean="0"/>
+              <a:rPr kumimoji="1" lang="zh-CN" altLang="en-US"/>
               <a:t>二级</a:t>
             </a:r>
           </a:p>
           <a:p>
             <a:pPr lvl="2"/>
             <a:r>
-              <a:rPr kumimoji="1" lang="zh-CN" altLang="en-US" smtClean="0"/>
+              <a:rPr kumimoji="1" lang="zh-CN" altLang="en-US"/>
               <a:t>三级</a:t>
             </a:r>
           </a:p>
           <a:p>
             <a:pPr lvl="3"/>
             <a:r>
-              <a:rPr kumimoji="1" lang="zh-CN" altLang="en-US" smtClean="0"/>
+              <a:rPr kumimoji="1" lang="zh-CN" altLang="en-US"/>
               <a:t>四级</a:t>
             </a:r>
           </a:p>
           <a:p>
             <a:pPr lvl="4"/>
             <a:r>
-              <a:rPr kumimoji="1" lang="zh-CN" altLang="en-US" smtClean="0"/>
+              <a:rPr kumimoji="1" lang="zh-CN" altLang="en-US"/>
               <a:t>五级</a:t>
             </a:r>
-            <a:endParaRPr kumimoji="1" lang="zh-CN" altLang="en-US"/>
           </a:p>
         </p:txBody>
       </p:sp>
@@ -600,7 +1740,7 @@
           <a:p>
             <a:fld id="{3A737EFC-D787-6544-BBED-AC7F5B40DC0C}" type="datetimeFigureOut">
               <a:rPr kumimoji="1" lang="zh-CN" altLang="en-US" smtClean="0"/>
-              <a:t>19/7/8</a:t>
+              <a:t>2019/7/9</a:t>
             </a:fld>
             <a:endParaRPr kumimoji="1" lang="zh-CN" altLang="en-US"/>
           </a:p>
@@ -694,10 +1834,9 @@
           <a:lstStyle/>
           <a:p>
             <a:r>
-              <a:rPr kumimoji="1" lang="zh-CN" altLang="en-US" smtClean="0"/>
+              <a:rPr kumimoji="1" lang="zh-CN" altLang="en-US"/>
               <a:t>单击此处编辑母版标题样式</a:t>
             </a:r>
-            <a:endParaRPr kumimoji="1" lang="zh-CN" altLang="en-US"/>
           </a:p>
         </p:txBody>
       </p:sp>
@@ -718,38 +1857,37 @@
           <a:p>
             <a:pPr lvl="0"/>
             <a:r>
-              <a:rPr kumimoji="1" lang="zh-CN" altLang="en-US" smtClean="0"/>
+              <a:rPr kumimoji="1" lang="zh-CN" altLang="en-US"/>
               <a:t>单击此处编辑母版文本样式</a:t>
             </a:r>
           </a:p>
           <a:p>
             <a:pPr lvl="1"/>
             <a:r>
-              <a:rPr kumimoji="1" lang="zh-CN" altLang="en-US" smtClean="0"/>
+              <a:rPr kumimoji="1" lang="zh-CN" altLang="en-US"/>
               <a:t>二级</a:t>
             </a:r>
           </a:p>
           <a:p>
             <a:pPr lvl="2"/>
             <a:r>
-              <a:rPr kumimoji="1" lang="zh-CN" altLang="en-US" smtClean="0"/>
+              <a:rPr kumimoji="1" lang="zh-CN" altLang="en-US"/>
               <a:t>三级</a:t>
             </a:r>
           </a:p>
           <a:p>
             <a:pPr lvl="3"/>
             <a:r>
-              <a:rPr kumimoji="1" lang="zh-CN" altLang="en-US" smtClean="0"/>
+              <a:rPr kumimoji="1" lang="zh-CN" altLang="en-US"/>
               <a:t>四级</a:t>
             </a:r>
           </a:p>
           <a:p>
             <a:pPr lvl="4"/>
             <a:r>
-              <a:rPr kumimoji="1" lang="zh-CN" altLang="en-US" smtClean="0"/>
+              <a:rPr kumimoji="1" lang="zh-CN" altLang="en-US"/>
               <a:t>五级</a:t>
             </a:r>
-            <a:endParaRPr kumimoji="1" lang="zh-CN" altLang="en-US"/>
           </a:p>
         </p:txBody>
       </p:sp>
@@ -770,7 +1908,7 @@
           <a:p>
             <a:fld id="{3A737EFC-D787-6544-BBED-AC7F5B40DC0C}" type="datetimeFigureOut">
               <a:rPr kumimoji="1" lang="zh-CN" altLang="en-US" smtClean="0"/>
-              <a:t>19/7/8</a:t>
+              <a:t>2019/7/9</a:t>
             </a:fld>
             <a:endParaRPr kumimoji="1" lang="zh-CN" altLang="en-US"/>
           </a:p>
@@ -873,10 +2011,9 @@
           </a:lstStyle>
           <a:p>
             <a:r>
-              <a:rPr kumimoji="1" lang="zh-CN" altLang="en-US" smtClean="0"/>
+              <a:rPr kumimoji="1" lang="zh-CN" altLang="en-US"/>
               <a:t>单击此处编辑母版标题样式</a:t>
             </a:r>
-            <a:endParaRPr kumimoji="1" lang="zh-CN" altLang="en-US"/>
           </a:p>
         </p:txBody>
       </p:sp>
@@ -993,7 +2130,7 @@
           <a:p>
             <a:pPr lvl="0"/>
             <a:r>
-              <a:rPr kumimoji="1" lang="zh-CN" altLang="en-US" smtClean="0"/>
+              <a:rPr kumimoji="1" lang="zh-CN" altLang="en-US"/>
               <a:t>单击此处编辑母版文本样式</a:t>
             </a:r>
           </a:p>
@@ -1016,7 +2153,7 @@
           <a:p>
             <a:fld id="{3A737EFC-D787-6544-BBED-AC7F5B40DC0C}" type="datetimeFigureOut">
               <a:rPr kumimoji="1" lang="zh-CN" altLang="en-US" smtClean="0"/>
-              <a:t>19/7/8</a:t>
+              <a:t>2019/7/9</a:t>
             </a:fld>
             <a:endParaRPr kumimoji="1" lang="zh-CN" altLang="en-US"/>
           </a:p>
@@ -1110,10 +2247,9 @@
           <a:lstStyle/>
           <a:p>
             <a:r>
-              <a:rPr kumimoji="1" lang="zh-CN" altLang="en-US" smtClean="0"/>
+              <a:rPr kumimoji="1" lang="zh-CN" altLang="en-US"/>
               <a:t>单击此处编辑母版标题样式</a:t>
             </a:r>
-            <a:endParaRPr kumimoji="1" lang="zh-CN" altLang="en-US"/>
           </a:p>
         </p:txBody>
       </p:sp>
@@ -1139,38 +2275,37 @@
           <a:p>
             <a:pPr lvl="0"/>
             <a:r>
-              <a:rPr kumimoji="1" lang="zh-CN" altLang="en-US" smtClean="0"/>
+              <a:rPr kumimoji="1" lang="zh-CN" altLang="en-US"/>
               <a:t>单击此处编辑母版文本样式</a:t>
             </a:r>
           </a:p>
           <a:p>
             <a:pPr lvl="1"/>
             <a:r>
-              <a:rPr kumimoji="1" lang="zh-CN" altLang="en-US" smtClean="0"/>
+              <a:rPr kumimoji="1" lang="zh-CN" altLang="en-US"/>
               <a:t>二级</a:t>
             </a:r>
           </a:p>
           <a:p>
             <a:pPr lvl="2"/>
             <a:r>
-              <a:rPr kumimoji="1" lang="zh-CN" altLang="en-US" smtClean="0"/>
+              <a:rPr kumimoji="1" lang="zh-CN" altLang="en-US"/>
               <a:t>三级</a:t>
             </a:r>
           </a:p>
           <a:p>
             <a:pPr lvl="3"/>
             <a:r>
-              <a:rPr kumimoji="1" lang="zh-CN" altLang="en-US" smtClean="0"/>
+              <a:rPr kumimoji="1" lang="zh-CN" altLang="en-US"/>
               <a:t>四级</a:t>
             </a:r>
           </a:p>
           <a:p>
             <a:pPr lvl="4"/>
             <a:r>
-              <a:rPr kumimoji="1" lang="zh-CN" altLang="en-US" smtClean="0"/>
+              <a:rPr kumimoji="1" lang="zh-CN" altLang="en-US"/>
               <a:t>五级</a:t>
             </a:r>
-            <a:endParaRPr kumimoji="1" lang="zh-CN" altLang="en-US"/>
           </a:p>
         </p:txBody>
       </p:sp>
@@ -1196,38 +2331,37 @@
           <a:p>
             <a:pPr lvl="0"/>
             <a:r>
-              <a:rPr kumimoji="1" lang="zh-CN" altLang="en-US" smtClean="0"/>
+              <a:rPr kumimoji="1" lang="zh-CN" altLang="en-US"/>
               <a:t>单击此处编辑母版文本样式</a:t>
             </a:r>
           </a:p>
           <a:p>
             <a:pPr lvl="1"/>
             <a:r>
-              <a:rPr kumimoji="1" lang="zh-CN" altLang="en-US" smtClean="0"/>
+              <a:rPr kumimoji="1" lang="zh-CN" altLang="en-US"/>
               <a:t>二级</a:t>
             </a:r>
           </a:p>
           <a:p>
             <a:pPr lvl="2"/>
             <a:r>
-              <a:rPr kumimoji="1" lang="zh-CN" altLang="en-US" smtClean="0"/>
+              <a:rPr kumimoji="1" lang="zh-CN" altLang="en-US"/>
               <a:t>三级</a:t>
             </a:r>
           </a:p>
           <a:p>
             <a:pPr lvl="3"/>
             <a:r>
-              <a:rPr kumimoji="1" lang="zh-CN" altLang="en-US" smtClean="0"/>
+              <a:rPr kumimoji="1" lang="zh-CN" altLang="en-US"/>
               <a:t>四级</a:t>
             </a:r>
           </a:p>
           <a:p>
             <a:pPr lvl="4"/>
             <a:r>
-              <a:rPr kumimoji="1" lang="zh-CN" altLang="en-US" smtClean="0"/>
+              <a:rPr kumimoji="1" lang="zh-CN" altLang="en-US"/>
               <a:t>五级</a:t>
             </a:r>
-            <a:endParaRPr kumimoji="1" lang="zh-CN" altLang="en-US"/>
           </a:p>
         </p:txBody>
       </p:sp>
@@ -1248,7 +2382,7 @@
           <a:p>
             <a:fld id="{3A737EFC-D787-6544-BBED-AC7F5B40DC0C}" type="datetimeFigureOut">
               <a:rPr kumimoji="1" lang="zh-CN" altLang="en-US" smtClean="0"/>
-              <a:t>19/7/8</a:t>
+              <a:t>2019/7/9</a:t>
             </a:fld>
             <a:endParaRPr kumimoji="1" lang="zh-CN" altLang="en-US"/>
           </a:p>
@@ -1347,10 +2481,9 @@
           <a:lstStyle/>
           <a:p>
             <a:r>
-              <a:rPr kumimoji="1" lang="zh-CN" altLang="en-US" smtClean="0"/>
+              <a:rPr kumimoji="1" lang="zh-CN" altLang="en-US"/>
               <a:t>单击此处编辑母版标题样式</a:t>
             </a:r>
-            <a:endParaRPr kumimoji="1" lang="zh-CN" altLang="en-US"/>
           </a:p>
         </p:txBody>
       </p:sp>
@@ -1413,7 +2546,7 @@
           <a:p>
             <a:pPr lvl="0"/>
             <a:r>
-              <a:rPr kumimoji="1" lang="zh-CN" altLang="en-US" smtClean="0"/>
+              <a:rPr kumimoji="1" lang="zh-CN" altLang="en-US"/>
               <a:t>单击此处编辑母版文本样式</a:t>
             </a:r>
           </a:p>
@@ -1441,38 +2574,37 @@
           <a:p>
             <a:pPr lvl="0"/>
             <a:r>
-              <a:rPr kumimoji="1" lang="zh-CN" altLang="en-US" smtClean="0"/>
+              <a:rPr kumimoji="1" lang="zh-CN" altLang="en-US"/>
               <a:t>单击此处编辑母版文本样式</a:t>
             </a:r>
           </a:p>
           <a:p>
             <a:pPr lvl="1"/>
             <a:r>
-              <a:rPr kumimoji="1" lang="zh-CN" altLang="en-US" smtClean="0"/>
+              <a:rPr kumimoji="1" lang="zh-CN" altLang="en-US"/>
               <a:t>二级</a:t>
             </a:r>
           </a:p>
           <a:p>
             <a:pPr lvl="2"/>
             <a:r>
-              <a:rPr kumimoji="1" lang="zh-CN" altLang="en-US" smtClean="0"/>
+              <a:rPr kumimoji="1" lang="zh-CN" altLang="en-US"/>
               <a:t>三级</a:t>
             </a:r>
           </a:p>
           <a:p>
             <a:pPr lvl="3"/>
             <a:r>
-              <a:rPr kumimoji="1" lang="zh-CN" altLang="en-US" smtClean="0"/>
+              <a:rPr kumimoji="1" lang="zh-CN" altLang="en-US"/>
               <a:t>四级</a:t>
             </a:r>
           </a:p>
           <a:p>
             <a:pPr lvl="4"/>
             <a:r>
-              <a:rPr kumimoji="1" lang="zh-CN" altLang="en-US" smtClean="0"/>
+              <a:rPr kumimoji="1" lang="zh-CN" altLang="en-US"/>
               <a:t>五级</a:t>
             </a:r>
-            <a:endParaRPr kumimoji="1" lang="zh-CN" altLang="en-US"/>
           </a:p>
         </p:txBody>
       </p:sp>
@@ -1535,7 +2667,7 @@
           <a:p>
             <a:pPr lvl="0"/>
             <a:r>
-              <a:rPr kumimoji="1" lang="zh-CN" altLang="en-US" smtClean="0"/>
+              <a:rPr kumimoji="1" lang="zh-CN" altLang="en-US"/>
               <a:t>单击此处编辑母版文本样式</a:t>
             </a:r>
           </a:p>
@@ -1563,38 +2695,37 @@
           <a:p>
             <a:pPr lvl="0"/>
             <a:r>
-              <a:rPr kumimoji="1" lang="zh-CN" altLang="en-US" smtClean="0"/>
+              <a:rPr kumimoji="1" lang="zh-CN" altLang="en-US"/>
               <a:t>单击此处编辑母版文本样式</a:t>
             </a:r>
           </a:p>
           <a:p>
             <a:pPr lvl="1"/>
             <a:r>
-              <a:rPr kumimoji="1" lang="zh-CN" altLang="en-US" smtClean="0"/>
+              <a:rPr kumimoji="1" lang="zh-CN" altLang="en-US"/>
               <a:t>二级</a:t>
             </a:r>
           </a:p>
           <a:p>
             <a:pPr lvl="2"/>
             <a:r>
-              <a:rPr kumimoji="1" lang="zh-CN" altLang="en-US" smtClean="0"/>
+              <a:rPr kumimoji="1" lang="zh-CN" altLang="en-US"/>
               <a:t>三级</a:t>
             </a:r>
           </a:p>
           <a:p>
             <a:pPr lvl="3"/>
             <a:r>
-              <a:rPr kumimoji="1" lang="zh-CN" altLang="en-US" smtClean="0"/>
+              <a:rPr kumimoji="1" lang="zh-CN" altLang="en-US"/>
               <a:t>四级</a:t>
             </a:r>
           </a:p>
           <a:p>
             <a:pPr lvl="4"/>
             <a:r>
-              <a:rPr kumimoji="1" lang="zh-CN" altLang="en-US" smtClean="0"/>
+              <a:rPr kumimoji="1" lang="zh-CN" altLang="en-US"/>
               <a:t>五级</a:t>
             </a:r>
-            <a:endParaRPr kumimoji="1" lang="zh-CN" altLang="en-US"/>
           </a:p>
         </p:txBody>
       </p:sp>
@@ -1615,7 +2746,7 @@
           <a:p>
             <a:fld id="{3A737EFC-D787-6544-BBED-AC7F5B40DC0C}" type="datetimeFigureOut">
               <a:rPr kumimoji="1" lang="zh-CN" altLang="en-US" smtClean="0"/>
-              <a:t>19/7/8</a:t>
+              <a:t>2019/7/9</a:t>
             </a:fld>
             <a:endParaRPr kumimoji="1" lang="zh-CN" altLang="en-US"/>
           </a:p>
@@ -1709,10 +2840,9 @@
           <a:lstStyle/>
           <a:p>
             <a:r>
-              <a:rPr kumimoji="1" lang="zh-CN" altLang="en-US" smtClean="0"/>
+              <a:rPr kumimoji="1" lang="zh-CN" altLang="en-US"/>
               <a:t>单击此处编辑母版标题样式</a:t>
             </a:r>
-            <a:endParaRPr kumimoji="1" lang="zh-CN" altLang="en-US"/>
           </a:p>
         </p:txBody>
       </p:sp>
@@ -1733,7 +2863,7 @@
           <a:p>
             <a:fld id="{3A737EFC-D787-6544-BBED-AC7F5B40DC0C}" type="datetimeFigureOut">
               <a:rPr kumimoji="1" lang="zh-CN" altLang="en-US" smtClean="0"/>
-              <a:t>19/7/8</a:t>
+              <a:t>2019/7/9</a:t>
             </a:fld>
             <a:endParaRPr kumimoji="1" lang="zh-CN" altLang="en-US"/>
           </a:p>
@@ -1828,7 +2958,7 @@
           <a:p>
             <a:fld id="{3A737EFC-D787-6544-BBED-AC7F5B40DC0C}" type="datetimeFigureOut">
               <a:rPr kumimoji="1" lang="zh-CN" altLang="en-US" smtClean="0"/>
-              <a:t>19/7/8</a:t>
+              <a:t>2019/7/9</a:t>
             </a:fld>
             <a:endParaRPr kumimoji="1" lang="zh-CN" altLang="en-US"/>
           </a:p>
@@ -1931,10 +3061,9 @@
           </a:lstStyle>
           <a:p>
             <a:r>
-              <a:rPr kumimoji="1" lang="zh-CN" altLang="en-US" smtClean="0"/>
+              <a:rPr kumimoji="1" lang="zh-CN" altLang="en-US"/>
               <a:t>单击此处编辑母版标题样式</a:t>
             </a:r>
-            <a:endParaRPr kumimoji="1" lang="zh-CN" altLang="en-US"/>
           </a:p>
         </p:txBody>
       </p:sp>
@@ -1988,38 +3117,37 @@
           <a:p>
             <a:pPr lvl="0"/>
             <a:r>
-              <a:rPr kumimoji="1" lang="zh-CN" altLang="en-US" smtClean="0"/>
+              <a:rPr kumimoji="1" lang="zh-CN" altLang="en-US"/>
               <a:t>单击此处编辑母版文本样式</a:t>
             </a:r>
           </a:p>
           <a:p>
             <a:pPr lvl="1"/>
             <a:r>
-              <a:rPr kumimoji="1" lang="zh-CN" altLang="en-US" smtClean="0"/>
+              <a:rPr kumimoji="1" lang="zh-CN" altLang="en-US"/>
               <a:t>二级</a:t>
             </a:r>
           </a:p>
           <a:p>
             <a:pPr lvl="2"/>
             <a:r>
-              <a:rPr kumimoji="1" lang="zh-CN" altLang="en-US" smtClean="0"/>
+              <a:rPr kumimoji="1" lang="zh-CN" altLang="en-US"/>
               <a:t>三级</a:t>
             </a:r>
           </a:p>
           <a:p>
             <a:pPr lvl="3"/>
             <a:r>
-              <a:rPr kumimoji="1" lang="zh-CN" altLang="en-US" smtClean="0"/>
+              <a:rPr kumimoji="1" lang="zh-CN" altLang="en-US"/>
               <a:t>四级</a:t>
             </a:r>
           </a:p>
           <a:p>
             <a:pPr lvl="4"/>
             <a:r>
-              <a:rPr kumimoji="1" lang="zh-CN" altLang="en-US" smtClean="0"/>
+              <a:rPr kumimoji="1" lang="zh-CN" altLang="en-US"/>
               <a:t>五级</a:t>
             </a:r>
-            <a:endParaRPr kumimoji="1" lang="zh-CN" altLang="en-US"/>
           </a:p>
         </p:txBody>
       </p:sp>
@@ -2082,7 +3210,7 @@
           <a:p>
             <a:pPr lvl="0"/>
             <a:r>
-              <a:rPr kumimoji="1" lang="zh-CN" altLang="en-US" smtClean="0"/>
+              <a:rPr kumimoji="1" lang="zh-CN" altLang="en-US"/>
               <a:t>单击此处编辑母版文本样式</a:t>
             </a:r>
           </a:p>
@@ -2105,7 +3233,7 @@
           <a:p>
             <a:fld id="{3A737EFC-D787-6544-BBED-AC7F5B40DC0C}" type="datetimeFigureOut">
               <a:rPr kumimoji="1" lang="zh-CN" altLang="en-US" smtClean="0"/>
-              <a:t>19/7/8</a:t>
+              <a:t>2019/7/9</a:t>
             </a:fld>
             <a:endParaRPr kumimoji="1" lang="zh-CN" altLang="en-US"/>
           </a:p>
@@ -2208,10 +3336,9 @@
           </a:lstStyle>
           <a:p>
             <a:r>
-              <a:rPr kumimoji="1" lang="zh-CN" altLang="en-US" smtClean="0"/>
+              <a:rPr kumimoji="1" lang="zh-CN" altLang="en-US"/>
               <a:t>单击此处编辑母版标题样式</a:t>
             </a:r>
-            <a:endParaRPr kumimoji="1" lang="zh-CN" altLang="en-US"/>
           </a:p>
         </p:txBody>
       </p:sp>
@@ -2335,7 +3462,7 @@
           <a:p>
             <a:pPr lvl="0"/>
             <a:r>
-              <a:rPr kumimoji="1" lang="zh-CN" altLang="en-US" smtClean="0"/>
+              <a:rPr kumimoji="1" lang="zh-CN" altLang="en-US"/>
               <a:t>单击此处编辑母版文本样式</a:t>
             </a:r>
           </a:p>
@@ -2358,7 +3485,7 @@
           <a:p>
             <a:fld id="{3A737EFC-D787-6544-BBED-AC7F5B40DC0C}" type="datetimeFigureOut">
               <a:rPr kumimoji="1" lang="zh-CN" altLang="en-US" smtClean="0"/>
-              <a:t>19/7/8</a:t>
+              <a:t>2019/7/9</a:t>
             </a:fld>
             <a:endParaRPr kumimoji="1" lang="zh-CN" altLang="en-US"/>
           </a:p>
@@ -2467,10 +3594,9 @@
           <a:lstStyle/>
           <a:p>
             <a:r>
-              <a:rPr kumimoji="1" lang="zh-CN" altLang="en-US" smtClean="0"/>
+              <a:rPr kumimoji="1" lang="zh-CN" altLang="en-US"/>
               <a:t>单击此处编辑母版标题样式</a:t>
             </a:r>
-            <a:endParaRPr kumimoji="1" lang="zh-CN" altLang="en-US"/>
           </a:p>
         </p:txBody>
       </p:sp>
@@ -2501,38 +3627,37 @@
           <a:p>
             <a:pPr lvl="0"/>
             <a:r>
-              <a:rPr kumimoji="1" lang="zh-CN" altLang="en-US" smtClean="0"/>
+              <a:rPr kumimoji="1" lang="zh-CN" altLang="en-US"/>
               <a:t>单击此处编辑母版文本样式</a:t>
             </a:r>
           </a:p>
           <a:p>
             <a:pPr lvl="1"/>
             <a:r>
-              <a:rPr kumimoji="1" lang="zh-CN" altLang="en-US" smtClean="0"/>
+              <a:rPr kumimoji="1" lang="zh-CN" altLang="en-US"/>
               <a:t>二级</a:t>
             </a:r>
           </a:p>
           <a:p>
             <a:pPr lvl="2"/>
             <a:r>
-              <a:rPr kumimoji="1" lang="zh-CN" altLang="en-US" smtClean="0"/>
+              <a:rPr kumimoji="1" lang="zh-CN" altLang="en-US"/>
               <a:t>三级</a:t>
             </a:r>
           </a:p>
           <a:p>
             <a:pPr lvl="3"/>
             <a:r>
-              <a:rPr kumimoji="1" lang="zh-CN" altLang="en-US" smtClean="0"/>
+              <a:rPr kumimoji="1" lang="zh-CN" altLang="en-US"/>
               <a:t>四级</a:t>
             </a:r>
           </a:p>
           <a:p>
             <a:pPr lvl="4"/>
             <a:r>
-              <a:rPr kumimoji="1" lang="zh-CN" altLang="en-US" smtClean="0"/>
+              <a:rPr kumimoji="1" lang="zh-CN" altLang="en-US"/>
               <a:t>五级</a:t>
             </a:r>
-            <a:endParaRPr kumimoji="1" lang="zh-CN" altLang="en-US"/>
           </a:p>
         </p:txBody>
       </p:sp>
@@ -2571,7 +3696,7 @@
           <a:p>
             <a:fld id="{3A737EFC-D787-6544-BBED-AC7F5B40DC0C}" type="datetimeFigureOut">
               <a:rPr kumimoji="1" lang="zh-CN" altLang="en-US" smtClean="0"/>
-              <a:t>19/7/8</a:t>
+              <a:t>2019/7/9</a:t>
             </a:fld>
             <a:endParaRPr kumimoji="1" lang="zh-CN" altLang="en-US"/>
           </a:p>
@@ -2992,7 +4117,7 @@
           <a:lstStyle/>
           <a:p>
             <a:r>
-              <a:rPr kumimoji="1" lang="en-US" altLang="zh-CN" dirty="0" smtClean="0"/>
+              <a:rPr kumimoji="1" lang="en-US" altLang="zh-CN" dirty="0"/>
               <a:t>Vue-Cli3</a:t>
             </a:r>
             <a:endParaRPr kumimoji="1" lang="zh-CN" altLang="en-US" dirty="0"/>
@@ -3064,77 +4189,72 @@
           <a:lstStyle/>
           <a:p>
             <a:r>
-              <a:rPr kumimoji="1" lang="zh-CN" altLang="en-US" dirty="0" smtClean="0"/>
+              <a:rPr kumimoji="1" lang="zh-CN" altLang="en-US" dirty="0"/>
               <a:t>创建脚手架模板</a:t>
             </a:r>
+          </a:p>
+        </p:txBody>
+      </p:sp>
+      <p:sp>
+        <p:nvSpPr>
+          <p:cNvPr id="3" name="内容占位符 2"/>
+          <p:cNvSpPr>
+            <a:spLocks noGrp="1"/>
+          </p:cNvSpPr>
+          <p:nvPr>
+            <p:ph idx="1"/>
+          </p:nvPr>
+        </p:nvSpPr>
+        <p:spPr/>
+        <p:txBody>
+          <a:bodyPr/>
+          <a:lstStyle/>
+          <a:p>
+            <a:r>
+              <a:rPr kumimoji="1" lang="en-US" altLang="zh-CN" dirty="0" err="1"/>
+              <a:t>vue</a:t>
+            </a:r>
+            <a:r>
+              <a:rPr kumimoji="1" lang="zh-CN" altLang="en-US" dirty="0"/>
+              <a:t> </a:t>
+            </a:r>
+            <a:r>
+              <a:rPr kumimoji="1" lang="en-US" altLang="zh-CN" dirty="0" err="1"/>
+              <a:t>ui</a:t>
+            </a:r>
+            <a:r>
+              <a:rPr kumimoji="1" lang="zh-CN" altLang="en-US" dirty="0"/>
+              <a:t> </a:t>
+            </a:r>
+            <a:r>
+              <a:rPr kumimoji="1" lang="en-US" altLang="zh-CN" dirty="0"/>
+              <a:t>(</a:t>
+            </a:r>
+            <a:r>
+              <a:rPr kumimoji="1" lang="zh-CN" altLang="en-US" dirty="0"/>
+              <a:t>可视化</a:t>
+            </a:r>
+            <a:r>
+              <a:rPr kumimoji="1" lang="en-US" altLang="zh-CN" dirty="0"/>
+              <a:t>)</a:t>
+            </a:r>
             <a:endParaRPr kumimoji="1" lang="zh-CN" altLang="en-US" dirty="0"/>
           </a:p>
-        </p:txBody>
-      </p:sp>
-      <p:sp>
-        <p:nvSpPr>
-          <p:cNvPr id="3" name="内容占位符 2"/>
-          <p:cNvSpPr>
-            <a:spLocks noGrp="1"/>
-          </p:cNvSpPr>
-          <p:nvPr>
-            <p:ph idx="1"/>
-          </p:nvPr>
-        </p:nvSpPr>
-        <p:spPr/>
-        <p:txBody>
-          <a:bodyPr/>
-          <a:lstStyle/>
           <a:p>
             <a:r>
               <a:rPr kumimoji="1" lang="en-US" altLang="zh-CN" dirty="0" err="1"/>
-              <a:t>v</a:t>
-            </a:r>
-            <a:r>
-              <a:rPr kumimoji="1" lang="en-US" altLang="zh-CN" dirty="0" err="1" smtClean="0"/>
-              <a:t>ue</a:t>
-            </a:r>
-            <a:r>
-              <a:rPr kumimoji="1" lang="zh-CN" altLang="en-US" dirty="0" smtClean="0"/>
+              <a:t>vue</a:t>
+            </a:r>
+            <a:r>
+              <a:rPr kumimoji="1" lang="zh-CN" altLang="en-US" dirty="0"/>
               <a:t> </a:t>
             </a:r>
             <a:r>
-              <a:rPr kumimoji="1" lang="en-US" altLang="zh-CN" dirty="0" err="1" smtClean="0"/>
-              <a:t>ui</a:t>
-            </a:r>
-            <a:r>
-              <a:rPr kumimoji="1" lang="zh-CN" altLang="en-US" dirty="0" smtClean="0"/>
-              <a:t> </a:t>
-            </a:r>
-            <a:r>
-              <a:rPr kumimoji="1" lang="en-US" altLang="zh-CN" dirty="0" smtClean="0"/>
-              <a:t>(</a:t>
-            </a:r>
-            <a:r>
-              <a:rPr kumimoji="1" lang="zh-CN" altLang="en-US" dirty="0" smtClean="0"/>
-              <a:t>可视化</a:t>
-            </a:r>
-            <a:r>
-              <a:rPr kumimoji="1" lang="en-US" altLang="zh-CN" dirty="0" smtClean="0"/>
-              <a:t>)</a:t>
-            </a:r>
-            <a:endParaRPr kumimoji="1" lang="zh-CN" altLang="en-US" dirty="0" smtClean="0"/>
-          </a:p>
-          <a:p>
-            <a:r>
-              <a:rPr kumimoji="1" lang="en-US" altLang="zh-CN" dirty="0" err="1" smtClean="0"/>
-              <a:t>vue</a:t>
-            </a:r>
-            <a:r>
-              <a:rPr kumimoji="1" lang="zh-CN" altLang="en-US" dirty="0" smtClean="0"/>
-              <a:t> </a:t>
-            </a:r>
-            <a:r>
-              <a:rPr kumimoji="1" lang="en-US" altLang="zh-CN" dirty="0" smtClean="0"/>
+              <a:rPr kumimoji="1" lang="en-US" altLang="zh-CN" dirty="0"/>
               <a:t>create</a:t>
             </a:r>
             <a:r>
-              <a:rPr kumimoji="1" lang="zh-CN" altLang="en-US" dirty="0" smtClean="0"/>
+              <a:rPr kumimoji="1" lang="zh-CN" altLang="en-US" dirty="0"/>
               <a:t> </a:t>
             </a:r>
             <a:r>
@@ -3146,19 +4266,19 @@
               <a:t>projectName</a:t>
             </a:r>
             <a:r>
-              <a:rPr kumimoji="1" lang="en-US" altLang="zh-CN" dirty="0" smtClean="0"/>
+              <a:rPr kumimoji="1" lang="en-US" altLang="zh-CN" dirty="0"/>
               <a:t>’</a:t>
             </a:r>
             <a:r>
-              <a:rPr kumimoji="1" lang="zh-CN" altLang="en-US" dirty="0" smtClean="0"/>
+              <a:rPr kumimoji="1" lang="zh-CN" altLang="en-US" dirty="0"/>
               <a:t>  </a:t>
             </a:r>
             <a:r>
-              <a:rPr kumimoji="1" lang="en-US" altLang="zh-CN" dirty="0" smtClean="0"/>
+              <a:rPr kumimoji="1" lang="en-US" altLang="zh-CN" dirty="0"/>
               <a:t>(</a:t>
             </a:r>
             <a:r>
-              <a:rPr kumimoji="1" lang="zh-CN" altLang="en-US" dirty="0" smtClean="0"/>
+              <a:rPr kumimoji="1" lang="zh-CN" altLang="en-US" dirty="0"/>
               <a:t>方向键上下切换，空格选择，回车确定</a:t>
             </a:r>
             <a:r>
@@ -3184,7 +4304,7 @@
           <p:nvPr/>
         </p:nvPicPr>
         <p:blipFill>
-          <a:blip r:embed="rId2"/>
+          <a:blip r:embed="rId3"/>
           <a:stretch>
             <a:fillRect/>
           </a:stretch>
@@ -3208,7 +4328,7 @@
           <p:nvPr/>
         </p:nvPicPr>
         <p:blipFill>
-          <a:blip r:embed="rId3"/>
+          <a:blip r:embed="rId4"/>
           <a:stretch>
             <a:fillRect/>
           </a:stretch>
@@ -3269,19 +4389,19 @@
           <a:lstStyle/>
           <a:p>
             <a:r>
-              <a:rPr kumimoji="1" lang="zh-CN" altLang="en-US" dirty="0" smtClean="0"/>
+              <a:rPr kumimoji="1" lang="zh-CN" altLang="en-US" dirty="0"/>
               <a:t>配置项</a:t>
             </a:r>
             <a:r>
-              <a:rPr kumimoji="1" lang="en-US" altLang="zh-CN" dirty="0" smtClean="0"/>
+              <a:rPr kumimoji="1" lang="en-US" altLang="zh-CN" dirty="0"/>
               <a:t>(router</a:t>
             </a:r>
             <a:r>
-              <a:rPr kumimoji="1" lang="zh-CN" altLang="en-US" dirty="0" smtClean="0"/>
+              <a:rPr kumimoji="1" lang="zh-CN" altLang="en-US" dirty="0"/>
               <a:t>、</a:t>
             </a:r>
             <a:r>
-              <a:rPr kumimoji="1" lang="en-US" altLang="zh-CN" dirty="0" smtClean="0"/>
+              <a:rPr kumimoji="1" lang="en-US" altLang="zh-CN" dirty="0"/>
               <a:t>sass)</a:t>
             </a:r>
             <a:endParaRPr kumimoji="1" lang="zh-CN" altLang="en-US" dirty="0"/>
@@ -3299,7 +4419,7 @@
           </p:nvPr>
         </p:nvPicPr>
         <p:blipFill>
-          <a:blip r:embed="rId2"/>
+          <a:blip r:embed="rId3"/>
           <a:stretch>
             <a:fillRect/>
           </a:stretch>
@@ -3323,7 +4443,7 @@
           <p:nvPr/>
         </p:nvPicPr>
         <p:blipFill>
-          <a:blip r:embed="rId3"/>
+          <a:blip r:embed="rId4"/>
           <a:stretch>
             <a:fillRect/>
           </a:stretch>
@@ -3384,23 +4504,23 @@
           <a:lstStyle/>
           <a:p>
             <a:r>
-              <a:rPr kumimoji="1" lang="zh-CN" altLang="en-US" dirty="0" smtClean="0"/>
+              <a:rPr kumimoji="1" lang="zh-CN" altLang="en-US" dirty="0"/>
               <a:t>配置项</a:t>
             </a:r>
             <a:r>
-              <a:rPr kumimoji="1" lang="en-US" altLang="zh-CN" dirty="0" smtClean="0"/>
+              <a:rPr kumimoji="1" lang="en-US" altLang="zh-CN" dirty="0"/>
               <a:t>(</a:t>
             </a:r>
             <a:r>
-              <a:rPr kumimoji="1" lang="en-US" altLang="zh-CN" dirty="0" err="1" smtClean="0"/>
+              <a:rPr kumimoji="1" lang="en-US" altLang="zh-CN" dirty="0" err="1"/>
               <a:t>eslint</a:t>
             </a:r>
             <a:r>
-              <a:rPr kumimoji="1" lang="zh-CN" altLang="en-US" dirty="0" smtClean="0"/>
+              <a:rPr kumimoji="1" lang="zh-CN" altLang="en-US" dirty="0"/>
               <a:t>、单元测试、保存项</a:t>
             </a:r>
             <a:r>
-              <a:rPr kumimoji="1" lang="en-US" altLang="zh-CN" dirty="0" smtClean="0"/>
+              <a:rPr kumimoji="1" lang="en-US" altLang="zh-CN" dirty="0"/>
               <a:t>)</a:t>
             </a:r>
             <a:endParaRPr kumimoji="1" lang="zh-CN" altLang="en-US" dirty="0"/>
@@ -3418,14 +4538,14 @@
           </p:nvPr>
         </p:nvPicPr>
         <p:blipFill>
-          <a:blip r:embed="rId2"/>
+          <a:blip r:embed="rId3"/>
           <a:stretch>
             <a:fillRect/>
           </a:stretch>
         </p:blipFill>
         <p:spPr>
           <a:xfrm>
-            <a:off x="958516" y="1570579"/>
+            <a:off x="958516" y="1707212"/>
             <a:ext cx="7162800" cy="1206500"/>
           </a:xfrm>
           <a:prstGeom prst="rect">
@@ -3442,30 +4562,6 @@
           <p:nvPr/>
         </p:nvPicPr>
         <p:blipFill>
-          <a:blip r:embed="rId3"/>
-          <a:stretch>
-            <a:fillRect/>
-          </a:stretch>
-        </p:blipFill>
-        <p:spPr>
-          <a:xfrm>
-            <a:off x="958516" y="2968504"/>
-            <a:ext cx="7175500" cy="1016000"/>
-          </a:xfrm>
-          <a:prstGeom prst="rect">
-            <a:avLst/>
-          </a:prstGeom>
-        </p:spPr>
-      </p:pic>
-      <p:pic>
-        <p:nvPicPr>
-          <p:cNvPr id="6" name="图片 5"/>
-          <p:cNvPicPr>
-            <a:picLocks noChangeAspect="1"/>
-          </p:cNvPicPr>
-          <p:nvPr/>
-        </p:nvPicPr>
-        <p:blipFill>
           <a:blip r:embed="rId4"/>
           <a:stretch>
             <a:fillRect/>
@@ -3473,8 +4569,8 @@
         </p:blipFill>
         <p:spPr>
           <a:xfrm>
-            <a:off x="958516" y="4119167"/>
-            <a:ext cx="4432300" cy="673100"/>
+            <a:off x="958516" y="3241774"/>
+            <a:ext cx="7175500" cy="1016000"/>
           </a:xfrm>
           <a:prstGeom prst="rect">
             <a:avLst/>
@@ -3497,7 +4593,7 @@
         </p:blipFill>
         <p:spPr>
           <a:xfrm>
-            <a:off x="958516" y="4938804"/>
+            <a:off x="958516" y="4549925"/>
             <a:ext cx="7035800" cy="711200"/>
           </a:xfrm>
           <a:prstGeom prst="rect">
@@ -3521,7 +4617,7 @@
         </p:blipFill>
         <p:spPr>
           <a:xfrm>
-            <a:off x="958516" y="5823583"/>
+            <a:off x="958516" y="5518785"/>
             <a:ext cx="5130800" cy="279400"/>
           </a:xfrm>
           <a:prstGeom prst="rect">
@@ -4073,4 +5169,299 @@
     </a:ext>
   </a:extLst>
 </a:theme>
+</file>
+
+<file path=ppt/theme/theme2.xml><?xml version="1.0" encoding="utf-8"?>
+<a:theme xmlns:a="http://schemas.openxmlformats.org/drawingml/2006/main" name="Office 主题​​">
+  <a:themeElements>
+    <a:clrScheme name="Office">
+      <a:dk1>
+        <a:sysClr val="windowText" lastClr="000000"/>
+      </a:dk1>
+      <a:lt1>
+        <a:sysClr val="window" lastClr="FFFFFF"/>
+      </a:lt1>
+      <a:dk2>
+        <a:srgbClr val="44546A"/>
+      </a:dk2>
+      <a:lt2>
+        <a:srgbClr val="E7E6E6"/>
+      </a:lt2>
+      <a:accent1>
+        <a:srgbClr val="4472C4"/>
+      </a:accent1>
+      <a:accent2>
+        <a:srgbClr val="ED7D31"/>
+      </a:accent2>
+      <a:accent3>
+        <a:srgbClr val="A5A5A5"/>
+      </a:accent3>
+      <a:accent4>
+        <a:srgbClr val="FFC000"/>
+      </a:accent4>
+      <a:accent5>
+        <a:srgbClr val="5B9BD5"/>
+      </a:accent5>
+      <a:accent6>
+        <a:srgbClr val="70AD47"/>
+      </a:accent6>
+      <a:hlink>
+        <a:srgbClr val="0563C1"/>
+      </a:hlink>
+      <a:folHlink>
+        <a:srgbClr val="954F72"/>
+      </a:folHlink>
+    </a:clrScheme>
+    <a:fontScheme name="Office">
+      <a:majorFont>
+        <a:latin typeface="等线 Light" panose="020F0302020204030204"/>
+        <a:ea typeface=""/>
+        <a:cs typeface=""/>
+        <a:font script="Jpan" typeface="游ゴシック Light"/>
+        <a:font script="Hang" typeface="맑은 고딕"/>
+        <a:font script="Hans" typeface="等线 Light"/>
+        <a:font script="Hant" typeface="新細明體"/>
+        <a:font script="Arab" typeface="Times New Roman"/>
+        <a:font script="Hebr" typeface="Times New Roman"/>
+        <a:font script="Thai" typeface="Angsana New"/>
+        <a:font script="Ethi" typeface="Nyala"/>
+        <a:font script="Beng" typeface="Vrinda"/>
+        <a:font script="Gujr" typeface="Shruti"/>
+        <a:font script="Khmr" typeface="MoolBoran"/>
+        <a:font script="Knda" typeface="Tunga"/>
+        <a:font script="Guru" typeface="Raavi"/>
+        <a:font script="Cans" typeface="Euphemia"/>
+        <a:font script="Cher" typeface="Plantagenet Cherokee"/>
+        <a:font script="Yiii" typeface="Microsoft Yi Baiti"/>
+        <a:font script="Tibt" typeface="Microsoft Himalaya"/>
+        <a:font script="Thaa" typeface="MV Boli"/>
+        <a:font script="Deva" typeface="Mangal"/>
+        <a:font script="Telu" typeface="Gautami"/>
+        <a:font script="Taml" typeface="Latha"/>
+        <a:font script="Syrc" typeface="Estrangelo Edessa"/>
+        <a:font script="Orya" typeface="Kalinga"/>
+        <a:font script="Mlym" typeface="Kartika"/>
+        <a:font script="Laoo" typeface="DokChampa"/>
+        <a:font script="Sinh" typeface="Iskoola Pota"/>
+        <a:font script="Mong" typeface="Mongolian Baiti"/>
+        <a:font script="Viet" typeface="Times New Roman"/>
+        <a:font script="Uigh" typeface="Microsoft Uighur"/>
+        <a:font script="Geor" typeface="Sylfaen"/>
+        <a:font script="Armn" typeface="Arial"/>
+        <a:font script="Bugi" typeface="Leelawadee UI"/>
+        <a:font script="Bopo" typeface="Microsoft JhengHei"/>
+        <a:font script="Java" typeface="Javanese Text"/>
+        <a:font script="Lisu" typeface="Segoe UI"/>
+        <a:font script="Mymr" typeface="Myanmar Text"/>
+        <a:font script="Nkoo" typeface="Ebrima"/>
+        <a:font script="Olck" typeface="Nirmala UI"/>
+        <a:font script="Osma" typeface="Ebrima"/>
+        <a:font script="Phag" typeface="Phagspa"/>
+        <a:font script="Syrn" typeface="Estrangelo Edessa"/>
+        <a:font script="Syrj" typeface="Estrangelo Edessa"/>
+        <a:font script="Syre" typeface="Estrangelo Edessa"/>
+        <a:font script="Sora" typeface="Nirmala UI"/>
+        <a:font script="Tale" typeface="Microsoft Tai Le"/>
+        <a:font script="Talu" typeface="Microsoft New Tai Lue"/>
+        <a:font script="Tfng" typeface="Ebrima"/>
+      </a:majorFont>
+      <a:minorFont>
+        <a:latin typeface="等线" panose="020F0502020204030204"/>
+        <a:ea typeface=""/>
+        <a:cs typeface=""/>
+        <a:font script="Jpan" typeface="游ゴシック"/>
+        <a:font script="Hang" typeface="맑은 고딕"/>
+        <a:font script="Hans" typeface="等线"/>
+        <a:font script="Hant" typeface="新細明體"/>
+        <a:font script="Arab" typeface="Arial"/>
+        <a:font script="Hebr" typeface="Arial"/>
+        <a:font script="Thai" typeface="Cordia New"/>
+        <a:font script="Ethi" typeface="Nyala"/>
+        <a:font script="Beng" typeface="Vrinda"/>
+        <a:font script="Gujr" typeface="Shruti"/>
+        <a:font script="Khmr" typeface="DaunPenh"/>
+        <a:font script="Knda" typeface="Tunga"/>
+        <a:font script="Guru" typeface="Raavi"/>
+        <a:font script="Cans" typeface="Euphemia"/>
+        <a:font script="Cher" typeface="Plantagenet Cherokee"/>
+        <a:font script="Yiii" typeface="Microsoft Yi Baiti"/>
+        <a:font script="Tibt" typeface="Microsoft Himalaya"/>
+        <a:font script="Thaa" typeface="MV Boli"/>
+        <a:font script="Deva" typeface="Mangal"/>
+        <a:font script="Telu" typeface="Gautami"/>
+        <a:font script="Taml" typeface="Latha"/>
+        <a:font script="Syrc" typeface="Estrangelo Edessa"/>
+        <a:font script="Orya" typeface="Kalinga"/>
+        <a:font script="Mlym" typeface="Kartika"/>
+        <a:font script="Laoo" typeface="DokChampa"/>
+        <a:font script="Sinh" typeface="Iskoola Pota"/>
+        <a:font script="Mong" typeface="Mongolian Baiti"/>
+        <a:font script="Viet" typeface="Arial"/>
+        <a:font script="Uigh" typeface="Microsoft Uighur"/>
+        <a:font script="Geor" typeface="Sylfaen"/>
+        <a:font script="Armn" typeface="Arial"/>
+        <a:font script="Bugi" typeface="Leelawadee UI"/>
+        <a:font script="Bopo" typeface="Microsoft JhengHei"/>
+        <a:font script="Java" typeface="Javanese Text"/>
+        <a:font script="Lisu" typeface="Segoe UI"/>
+        <a:font script="Mymr" typeface="Myanmar Text"/>
+        <a:font script="Nkoo" typeface="Ebrima"/>
+        <a:font script="Olck" typeface="Nirmala UI"/>
+        <a:font script="Osma" typeface="Ebrima"/>
+        <a:font script="Phag" typeface="Phagspa"/>
+        <a:font script="Syrn" typeface="Estrangelo Edessa"/>
+        <a:font script="Syrj" typeface="Estrangelo Edessa"/>
+        <a:font script="Syre" typeface="Estrangelo Edessa"/>
+        <a:font script="Sora" typeface="Nirmala UI"/>
+        <a:font script="Tale" typeface="Microsoft Tai Le"/>
+        <a:font script="Talu" typeface="Microsoft New Tai Lue"/>
+        <a:font script="Tfng" typeface="Ebrima"/>
+      </a:minorFont>
+    </a:fontScheme>
+    <a:fmtScheme name="Office">
+      <a:fillStyleLst>
+        <a:solidFill>
+          <a:schemeClr val="phClr"/>
+        </a:solidFill>
+        <a:gradFill rotWithShape="1">
+          <a:gsLst>
+            <a:gs pos="0">
+              <a:schemeClr val="phClr">
+                <a:lumMod val="110000"/>
+                <a:satMod val="105000"/>
+                <a:tint val="67000"/>
+              </a:schemeClr>
+            </a:gs>
+            <a:gs pos="50000">
+              <a:schemeClr val="phClr">
+                <a:lumMod val="105000"/>
+                <a:satMod val="103000"/>
+                <a:tint val="73000"/>
+              </a:schemeClr>
+            </a:gs>
+            <a:gs pos="100000">
+              <a:schemeClr val="phClr">
+                <a:lumMod val="105000"/>
+                <a:satMod val="109000"/>
+                <a:tint val="81000"/>
+              </a:schemeClr>
+            </a:gs>
+          </a:gsLst>
+          <a:lin ang="5400000" scaled="0"/>
+        </a:gradFill>
+        <a:gradFill rotWithShape="1">
+          <a:gsLst>
+            <a:gs pos="0">
+              <a:schemeClr val="phClr">
+                <a:satMod val="103000"/>
+                <a:lumMod val="102000"/>
+                <a:tint val="94000"/>
+              </a:schemeClr>
+            </a:gs>
+            <a:gs pos="50000">
+              <a:schemeClr val="phClr">
+                <a:satMod val="110000"/>
+                <a:lumMod val="100000"/>
+                <a:shade val="100000"/>
+              </a:schemeClr>
+            </a:gs>
+            <a:gs pos="100000">
+              <a:schemeClr val="phClr">
+                <a:lumMod val="99000"/>
+                <a:satMod val="120000"/>
+                <a:shade val="78000"/>
+              </a:schemeClr>
+            </a:gs>
+          </a:gsLst>
+          <a:lin ang="5400000" scaled="0"/>
+        </a:gradFill>
+      </a:fillStyleLst>
+      <a:lnStyleLst>
+        <a:ln w="6350" cap="flat" cmpd="sng" algn="ctr">
+          <a:solidFill>
+            <a:schemeClr val="phClr"/>
+          </a:solidFill>
+          <a:prstDash val="solid"/>
+          <a:miter lim="800000"/>
+        </a:ln>
+        <a:ln w="12700" cap="flat" cmpd="sng" algn="ctr">
+          <a:solidFill>
+            <a:schemeClr val="phClr"/>
+          </a:solidFill>
+          <a:prstDash val="solid"/>
+          <a:miter lim="800000"/>
+        </a:ln>
+        <a:ln w="19050" cap="flat" cmpd="sng" algn="ctr">
+          <a:solidFill>
+            <a:schemeClr val="phClr"/>
+          </a:solidFill>
+          <a:prstDash val="solid"/>
+          <a:miter lim="800000"/>
+        </a:ln>
+      </a:lnStyleLst>
+      <a:effectStyleLst>
+        <a:effectStyle>
+          <a:effectLst/>
+        </a:effectStyle>
+        <a:effectStyle>
+          <a:effectLst/>
+        </a:effectStyle>
+        <a:effectStyle>
+          <a:effectLst>
+            <a:outerShdw blurRad="57150" dist="19050" dir="5400000" algn="ctr" rotWithShape="0">
+              <a:srgbClr val="000000">
+                <a:alpha val="63000"/>
+              </a:srgbClr>
+            </a:outerShdw>
+          </a:effectLst>
+        </a:effectStyle>
+      </a:effectStyleLst>
+      <a:bgFillStyleLst>
+        <a:solidFill>
+          <a:schemeClr val="phClr"/>
+        </a:solidFill>
+        <a:solidFill>
+          <a:schemeClr val="phClr">
+            <a:tint val="95000"/>
+            <a:satMod val="170000"/>
+          </a:schemeClr>
+        </a:solidFill>
+        <a:gradFill rotWithShape="1">
+          <a:gsLst>
+            <a:gs pos="0">
+              <a:schemeClr val="phClr">
+                <a:tint val="93000"/>
+                <a:satMod val="150000"/>
+                <a:shade val="98000"/>
+                <a:lumMod val="102000"/>
+              </a:schemeClr>
+            </a:gs>
+            <a:gs pos="50000">
+              <a:schemeClr val="phClr">
+                <a:tint val="98000"/>
+                <a:satMod val="130000"/>
+                <a:shade val="90000"/>
+                <a:lumMod val="103000"/>
+              </a:schemeClr>
+            </a:gs>
+            <a:gs pos="100000">
+              <a:schemeClr val="phClr">
+                <a:shade val="63000"/>
+                <a:satMod val="120000"/>
+              </a:schemeClr>
+            </a:gs>
+          </a:gsLst>
+          <a:lin ang="5400000" scaled="0"/>
+        </a:gradFill>
+      </a:bgFillStyleLst>
+    </a:fmtScheme>
+  </a:themeElements>
+  <a:objectDefaults/>
+  <a:extraClrSchemeLst/>
+  <a:extLst>
+    <a:ext uri="{05A4C25C-085E-4340-85A3-A5531E510DB2}">
+      <thm15:themeFamily xmlns:thm15="http://schemas.microsoft.com/office/thememl/2012/main" name="Office Theme" id="{62F939B6-93AF-4DB8-9C6B-D6C7DFDC589F}" vid="{4A3C46E8-61CC-4603-A589-7422A47A8E4A}"/>
+    </a:ext>
+  </a:extLst>
+</a:theme>
 </file>
--- a/doc/vue-cli3.pptx
+++ b/doc/vue-cli3.pptx
@@ -1223,9 +1223,34 @@
           <a:lstStyle/>
           <a:p>
             <a:r>
-              <a:rPr lang="zh-CN" altLang="en-US"/>
-              <a:t>隐藏文件</a:t>
-            </a:r>
+              <a:rPr lang="zh-CN" altLang="en-US" dirty="0"/>
+              <a:t>隐藏文件  </a:t>
+            </a:r>
+            <a:r>
+              <a:rPr lang="en-US" altLang="zh-CN" sz="1200" b="0" i="0" kern="1200" dirty="0" err="1">
+                <a:solidFill>
+                  <a:schemeClr val="tx1"/>
+                </a:solidFill>
+                <a:effectLst/>
+                <a:latin typeface="+mn-lt"/>
+                <a:ea typeface="+mn-ea"/>
+                <a:cs typeface="+mn-cs"/>
+              </a:rPr>
+              <a:t>npm</a:t>
+            </a:r>
+            <a:r>
+              <a:rPr lang="en-US" altLang="zh-CN" sz="1200" b="0" i="0" kern="1200" dirty="0">
+                <a:solidFill>
+                  <a:schemeClr val="tx1"/>
+                </a:solidFill>
+                <a:effectLst/>
+                <a:latin typeface="+mn-lt"/>
+                <a:ea typeface="+mn-ea"/>
+                <a:cs typeface="+mn-cs"/>
+              </a:rPr>
+              <a:t> config set registry https://registry.npm.taobao.org</a:t>
+            </a:r>
+            <a:endParaRPr lang="zh-CN" altLang="en-US" dirty="0"/>
           </a:p>
         </p:txBody>
       </p:sp>

--- a/doc/vue-cli3.pptx
+++ b/doc/vue-cli3.pptx
@@ -204,7 +204,7 @@
           <a:p>
             <a:fld id="{3A8FA370-709D-4F72-8E6C-0710CCA00D33}" type="datetimeFigureOut">
               <a:rPr lang="zh-CN" altLang="en-US" smtClean="0"/>
-              <a:t>2019/7/9</a:t>
+              <a:t>2019/7/10</a:t>
             </a:fld>
             <a:endParaRPr lang="zh-CN" altLang="en-US"/>
           </a:p>
@@ -1290,6 +1290,90 @@
 </p:notes>
 </file>
 
+<file path=ppt/notesSlides/notesSlide4.xml><?xml version="1.0" encoding="utf-8"?>
+<p:notes xmlns:a="http://schemas.openxmlformats.org/drawingml/2006/main" xmlns:r="http://schemas.openxmlformats.org/officeDocument/2006/relationships" xmlns:p="http://schemas.openxmlformats.org/presentationml/2006/main">
+  <p:cSld>
+    <p:spTree>
+      <p:nvGrpSpPr>
+        <p:cNvPr id="1" name=""/>
+        <p:cNvGrpSpPr/>
+        <p:nvPr/>
+      </p:nvGrpSpPr>
+      <p:grpSpPr>
+        <a:xfrm>
+          <a:off x="0" y="0"/>
+          <a:ext cx="0" cy="0"/>
+          <a:chOff x="0" y="0"/>
+          <a:chExt cx="0" cy="0"/>
+        </a:xfrm>
+      </p:grpSpPr>
+      <p:sp>
+        <p:nvSpPr>
+          <p:cNvPr id="2" name="幻灯片图像占位符 1"/>
+          <p:cNvSpPr>
+            <a:spLocks noGrp="1" noRot="1" noChangeAspect="1"/>
+          </p:cNvSpPr>
+          <p:nvPr>
+            <p:ph type="sldImg"/>
+          </p:nvPr>
+        </p:nvSpPr>
+        <p:spPr/>
+      </p:sp>
+      <p:sp>
+        <p:nvSpPr>
+          <p:cNvPr id="3" name="备注占位符 2"/>
+          <p:cNvSpPr>
+            <a:spLocks noGrp="1"/>
+          </p:cNvSpPr>
+          <p:nvPr>
+            <p:ph type="body" idx="1"/>
+          </p:nvPr>
+        </p:nvSpPr>
+        <p:spPr/>
+        <p:txBody>
+          <a:bodyPr/>
+          <a:lstStyle/>
+          <a:p>
+            <a:endParaRPr lang="zh-CN" altLang="en-US" dirty="0"/>
+          </a:p>
+        </p:txBody>
+      </p:sp>
+      <p:sp>
+        <p:nvSpPr>
+          <p:cNvPr id="4" name="灯片编号占位符 3"/>
+          <p:cNvSpPr>
+            <a:spLocks noGrp="1"/>
+          </p:cNvSpPr>
+          <p:nvPr>
+            <p:ph type="sldNum" sz="quarter" idx="10"/>
+          </p:nvPr>
+        </p:nvSpPr>
+        <p:spPr/>
+        <p:txBody>
+          <a:bodyPr/>
+          <a:lstStyle/>
+          <a:p>
+            <a:fld id="{7B978FAE-FC0D-4A1C-A95D-8FF8EA3D1B3F}" type="slidenum">
+              <a:rPr lang="zh-CN" altLang="en-US" smtClean="0"/>
+              <a:t>8</a:t>
+            </a:fld>
+            <a:endParaRPr lang="zh-CN" altLang="en-US"/>
+          </a:p>
+        </p:txBody>
+      </p:sp>
+    </p:spTree>
+    <p:extLst>
+      <p:ext uri="{BB962C8B-B14F-4D97-AF65-F5344CB8AC3E}">
+        <p14:creationId xmlns:p14="http://schemas.microsoft.com/office/powerpoint/2010/main" val="393290365"/>
+      </p:ext>
+    </p:extLst>
+  </p:cSld>
+  <p:clrMapOvr>
+    <a:masterClrMapping/>
+  </p:clrMapOvr>
+</p:notes>
+</file>
+
 <file path=ppt/slideLayouts/slideLayout1.xml><?xml version="1.0" encoding="utf-8"?>
 <p:sldLayout xmlns:a="http://schemas.openxmlformats.org/drawingml/2006/main" xmlns:r="http://schemas.openxmlformats.org/officeDocument/2006/relationships" xmlns:p="http://schemas.openxmlformats.org/presentationml/2006/main" type="title" preserve="1">
   <p:cSld name="标题幻灯片">
@@ -1419,7 +1503,7 @@
           <a:p>
             <a:fld id="{3A737EFC-D787-6544-BBED-AC7F5B40DC0C}" type="datetimeFigureOut">
               <a:rPr kumimoji="1" lang="zh-CN" altLang="en-US" smtClean="0"/>
-              <a:t>2019/7/9</a:t>
+              <a:t>2019/7/10</a:t>
             </a:fld>
             <a:endParaRPr kumimoji="1" lang="zh-CN" altLang="en-US"/>
           </a:p>
@@ -1587,7 +1671,7 @@
           <a:p>
             <a:fld id="{3A737EFC-D787-6544-BBED-AC7F5B40DC0C}" type="datetimeFigureOut">
               <a:rPr kumimoji="1" lang="zh-CN" altLang="en-US" smtClean="0"/>
-              <a:t>2019/7/9</a:t>
+              <a:t>2019/7/10</a:t>
             </a:fld>
             <a:endParaRPr kumimoji="1" lang="zh-CN" altLang="en-US"/>
           </a:p>
@@ -1765,7 +1849,7 @@
           <a:p>
             <a:fld id="{3A737EFC-D787-6544-BBED-AC7F5B40DC0C}" type="datetimeFigureOut">
               <a:rPr kumimoji="1" lang="zh-CN" altLang="en-US" smtClean="0"/>
-              <a:t>2019/7/9</a:t>
+              <a:t>2019/7/10</a:t>
             </a:fld>
             <a:endParaRPr kumimoji="1" lang="zh-CN" altLang="en-US"/>
           </a:p>
@@ -1933,7 +2017,7 @@
           <a:p>
             <a:fld id="{3A737EFC-D787-6544-BBED-AC7F5B40DC0C}" type="datetimeFigureOut">
               <a:rPr kumimoji="1" lang="zh-CN" altLang="en-US" smtClean="0"/>
-              <a:t>2019/7/9</a:t>
+              <a:t>2019/7/10</a:t>
             </a:fld>
             <a:endParaRPr kumimoji="1" lang="zh-CN" altLang="en-US"/>
           </a:p>
@@ -2178,7 +2262,7 @@
           <a:p>
             <a:fld id="{3A737EFC-D787-6544-BBED-AC7F5B40DC0C}" type="datetimeFigureOut">
               <a:rPr kumimoji="1" lang="zh-CN" altLang="en-US" smtClean="0"/>
-              <a:t>2019/7/9</a:t>
+              <a:t>2019/7/10</a:t>
             </a:fld>
             <a:endParaRPr kumimoji="1" lang="zh-CN" altLang="en-US"/>
           </a:p>
@@ -2407,7 +2491,7 @@
           <a:p>
             <a:fld id="{3A737EFC-D787-6544-BBED-AC7F5B40DC0C}" type="datetimeFigureOut">
               <a:rPr kumimoji="1" lang="zh-CN" altLang="en-US" smtClean="0"/>
-              <a:t>2019/7/9</a:t>
+              <a:t>2019/7/10</a:t>
             </a:fld>
             <a:endParaRPr kumimoji="1" lang="zh-CN" altLang="en-US"/>
           </a:p>
@@ -2771,7 +2855,7 @@
           <a:p>
             <a:fld id="{3A737EFC-D787-6544-BBED-AC7F5B40DC0C}" type="datetimeFigureOut">
               <a:rPr kumimoji="1" lang="zh-CN" altLang="en-US" smtClean="0"/>
-              <a:t>2019/7/9</a:t>
+              <a:t>2019/7/10</a:t>
             </a:fld>
             <a:endParaRPr kumimoji="1" lang="zh-CN" altLang="en-US"/>
           </a:p>
@@ -2888,7 +2972,7 @@
           <a:p>
             <a:fld id="{3A737EFC-D787-6544-BBED-AC7F5B40DC0C}" type="datetimeFigureOut">
               <a:rPr kumimoji="1" lang="zh-CN" altLang="en-US" smtClean="0"/>
-              <a:t>2019/7/9</a:t>
+              <a:t>2019/7/10</a:t>
             </a:fld>
             <a:endParaRPr kumimoji="1" lang="zh-CN" altLang="en-US"/>
           </a:p>
@@ -2983,7 +3067,7 @@
           <a:p>
             <a:fld id="{3A737EFC-D787-6544-BBED-AC7F5B40DC0C}" type="datetimeFigureOut">
               <a:rPr kumimoji="1" lang="zh-CN" altLang="en-US" smtClean="0"/>
-              <a:t>2019/7/9</a:t>
+              <a:t>2019/7/10</a:t>
             </a:fld>
             <a:endParaRPr kumimoji="1" lang="zh-CN" altLang="en-US"/>
           </a:p>
@@ -3258,7 +3342,7 @@
           <a:p>
             <a:fld id="{3A737EFC-D787-6544-BBED-AC7F5B40DC0C}" type="datetimeFigureOut">
               <a:rPr kumimoji="1" lang="zh-CN" altLang="en-US" smtClean="0"/>
-              <a:t>2019/7/9</a:t>
+              <a:t>2019/7/10</a:t>
             </a:fld>
             <a:endParaRPr kumimoji="1" lang="zh-CN" altLang="en-US"/>
           </a:p>
@@ -3510,7 +3594,7 @@
           <a:p>
             <a:fld id="{3A737EFC-D787-6544-BBED-AC7F5B40DC0C}" type="datetimeFigureOut">
               <a:rPr kumimoji="1" lang="zh-CN" altLang="en-US" smtClean="0"/>
-              <a:t>2019/7/9</a:t>
+              <a:t>2019/7/10</a:t>
             </a:fld>
             <a:endParaRPr kumimoji="1" lang="zh-CN" altLang="en-US"/>
           </a:p>
@@ -3721,7 +3805,7 @@
           <a:p>
             <a:fld id="{3A737EFC-D787-6544-BBED-AC7F5B40DC0C}" type="datetimeFigureOut">
               <a:rPr kumimoji="1" lang="zh-CN" altLang="en-US" smtClean="0"/>
-              <a:t>2019/7/9</a:t>
+              <a:t>2019/7/10</a:t>
             </a:fld>
             <a:endParaRPr kumimoji="1" lang="zh-CN" altLang="en-US"/>
           </a:p>
@@ -4145,6 +4229,13 @@
               <a:rPr kumimoji="1" lang="en-US" altLang="zh-CN" dirty="0"/>
               <a:t>Vue-Cli3</a:t>
             </a:r>
+            <a:r>
+              <a:rPr lang="zh-CN" altLang="en-US" b="1" dirty="0"/>
+              <a:t>从搭建到优化</a:t>
+            </a:r>
+            <a:br>
+              <a:rPr lang="zh-CN" altLang="en-US" b="1" dirty="0"/>
+            </a:br>
             <a:endParaRPr kumimoji="1" lang="zh-CN" altLang="en-US" dirty="0"/>
           </a:p>
         </p:txBody>
@@ -4695,7 +4786,10 @@
           <a:bodyPr/>
           <a:lstStyle/>
           <a:p>
-            <a:endParaRPr kumimoji="1" lang="zh-CN" altLang="en-US"/>
+            <a:r>
+              <a:rPr kumimoji="1" lang="zh-CN" altLang="en-US" dirty="0"/>
+              <a:t>路由懒加载</a:t>
+            </a:r>
           </a:p>
         </p:txBody>
       </p:sp>
@@ -4714,10 +4808,43 @@
           <a:bodyPr/>
           <a:lstStyle/>
           <a:p>
-            <a:endParaRPr kumimoji="1" lang="zh-CN" altLang="en-US"/>
-          </a:p>
-        </p:txBody>
-      </p:sp>
+            <a:endParaRPr kumimoji="1" lang="en-US" altLang="zh-CN" dirty="0"/>
+          </a:p>
+          <a:p>
+            <a:endParaRPr kumimoji="1" lang="zh-CN" altLang="en-US" dirty="0"/>
+          </a:p>
+        </p:txBody>
+      </p:sp>
+      <p:pic>
+        <p:nvPicPr>
+          <p:cNvPr id="5" name="图片 4">
+            <a:extLst>
+              <a:ext uri="{FF2B5EF4-FFF2-40B4-BE49-F238E27FC236}">
+                <a16:creationId xmlns:a16="http://schemas.microsoft.com/office/drawing/2014/main" id="{F1F6FFE1-940C-490B-A3EB-DFE6F59FA743}"/>
+              </a:ext>
+            </a:extLst>
+          </p:cNvPr>
+          <p:cNvPicPr>
+            <a:picLocks noChangeAspect="1"/>
+          </p:cNvPicPr>
+          <p:nvPr/>
+        </p:nvPicPr>
+        <p:blipFill>
+          <a:blip r:embed="rId2"/>
+          <a:stretch>
+            <a:fillRect/>
+          </a:stretch>
+        </p:blipFill>
+        <p:spPr>
+          <a:xfrm>
+            <a:off x="838200" y="1473200"/>
+            <a:ext cx="10096500" cy="5019675"/>
+          </a:xfrm>
+          <a:prstGeom prst="rect">
+            <a:avLst/>
+          </a:prstGeom>
+        </p:spPr>
+      </p:pic>
     </p:spTree>
     <p:extLst>
       <p:ext uri="{BB962C8B-B14F-4D97-AF65-F5344CB8AC3E}">
@@ -4763,29 +4890,117 @@
           <a:bodyPr/>
           <a:lstStyle/>
           <a:p>
-            <a:endParaRPr kumimoji="1" lang="zh-CN" altLang="en-US"/>
-          </a:p>
-        </p:txBody>
-      </p:sp>
-      <p:sp>
-        <p:nvSpPr>
-          <p:cNvPr id="3" name="内容占位符 2"/>
-          <p:cNvSpPr>
-            <a:spLocks noGrp="1"/>
-          </p:cNvSpPr>
+            <a:r>
+              <a:rPr kumimoji="1" lang="en-US" altLang="zh-CN" dirty="0"/>
+              <a:t>CSS</a:t>
+            </a:r>
+            <a:r>
+              <a:rPr kumimoji="1" lang="zh-CN" altLang="en-US" dirty="0"/>
+              <a:t>、</a:t>
+            </a:r>
+            <a:r>
+              <a:rPr kumimoji="1" lang="en-US" altLang="zh-CN" dirty="0"/>
+              <a:t>JS</a:t>
+            </a:r>
+            <a:r>
+              <a:rPr kumimoji="1" lang="zh-CN" altLang="en-US" dirty="0"/>
+              <a:t>预加载</a:t>
+            </a:r>
+          </a:p>
+        </p:txBody>
+      </p:sp>
+      <p:pic>
+        <p:nvPicPr>
+          <p:cNvPr id="7" name="内容占位符 6">
+            <a:extLst>
+              <a:ext uri="{FF2B5EF4-FFF2-40B4-BE49-F238E27FC236}">
+                <a16:creationId xmlns:a16="http://schemas.microsoft.com/office/drawing/2014/main" id="{CA6EDDFE-5C59-47EC-9A38-E484C87D27B1}"/>
+              </a:ext>
+            </a:extLst>
+          </p:cNvPr>
+          <p:cNvPicPr>
+            <a:picLocks noGrp="1" noChangeAspect="1"/>
+          </p:cNvPicPr>
           <p:nvPr>
             <p:ph idx="1"/>
           </p:nvPr>
-        </p:nvSpPr>
-        <p:spPr/>
-        <p:txBody>
-          <a:bodyPr/>
-          <a:lstStyle/>
-          <a:p>
-            <a:endParaRPr kumimoji="1" lang="zh-CN" altLang="en-US"/>
-          </a:p>
-        </p:txBody>
-      </p:sp>
+        </p:nvPicPr>
+        <p:blipFill>
+          <a:blip r:embed="rId2"/>
+          <a:stretch>
+            <a:fillRect/>
+          </a:stretch>
+        </p:blipFill>
+        <p:spPr>
+          <a:xfrm>
+            <a:off x="838200" y="1743238"/>
+            <a:ext cx="4200525" cy="857250"/>
+          </a:xfrm>
+          <a:prstGeom prst="rect">
+            <a:avLst/>
+          </a:prstGeom>
+        </p:spPr>
+      </p:pic>
+      <p:pic>
+        <p:nvPicPr>
+          <p:cNvPr id="9" name="图片 8">
+            <a:extLst>
+              <a:ext uri="{FF2B5EF4-FFF2-40B4-BE49-F238E27FC236}">
+                <a16:creationId xmlns:a16="http://schemas.microsoft.com/office/drawing/2014/main" id="{2BFDA313-BA1C-4FBF-8F39-CBDF77E32DE0}"/>
+              </a:ext>
+            </a:extLst>
+          </p:cNvPr>
+          <p:cNvPicPr>
+            <a:picLocks noChangeAspect="1"/>
+          </p:cNvPicPr>
+          <p:nvPr/>
+        </p:nvPicPr>
+        <p:blipFill>
+          <a:blip r:embed="rId3"/>
+          <a:stretch>
+            <a:fillRect/>
+          </a:stretch>
+        </p:blipFill>
+        <p:spPr>
+          <a:xfrm>
+            <a:off x="838200" y="3095463"/>
+            <a:ext cx="4391025" cy="1162050"/>
+          </a:xfrm>
+          <a:prstGeom prst="rect">
+            <a:avLst/>
+          </a:prstGeom>
+        </p:spPr>
+      </p:pic>
+      <p:pic>
+        <p:nvPicPr>
+          <p:cNvPr id="10" name="图片 9">
+            <a:extLst>
+              <a:ext uri="{FF2B5EF4-FFF2-40B4-BE49-F238E27FC236}">
+                <a16:creationId xmlns:a16="http://schemas.microsoft.com/office/drawing/2014/main" id="{C5E3DBAA-B031-4AC5-9FC4-8808D8A9F802}"/>
+              </a:ext>
+            </a:extLst>
+          </p:cNvPr>
+          <p:cNvPicPr>
+            <a:picLocks noChangeAspect="1"/>
+          </p:cNvPicPr>
+          <p:nvPr/>
+        </p:nvPicPr>
+        <p:blipFill>
+          <a:blip r:embed="rId4"/>
+          <a:stretch>
+            <a:fillRect/>
+          </a:stretch>
+        </p:blipFill>
+        <p:spPr>
+          <a:xfrm>
+            <a:off x="838200" y="4842804"/>
+            <a:ext cx="3562350" cy="1171575"/>
+          </a:xfrm>
+          <a:prstGeom prst="rect">
+            <a:avLst/>
+          </a:prstGeom>
+        </p:spPr>
+      </p:pic>
     </p:spTree>
     <p:extLst>
       <p:ext uri="{BB962C8B-B14F-4D97-AF65-F5344CB8AC3E}">
@@ -4831,29 +5046,114 @@
           <a:bodyPr/>
           <a:lstStyle/>
           <a:p>
-            <a:endParaRPr kumimoji="1" lang="zh-CN" altLang="en-US"/>
-          </a:p>
-        </p:txBody>
-      </p:sp>
-      <p:sp>
-        <p:nvSpPr>
-          <p:cNvPr id="3" name="内容占位符 2"/>
-          <p:cNvSpPr>
-            <a:spLocks noGrp="1"/>
-          </p:cNvSpPr>
+            <a:r>
+              <a:rPr lang="zh-CN" altLang="en-US" dirty="0"/>
+              <a:t>资源</a:t>
+            </a:r>
+            <a:r>
+              <a:rPr lang="en-US" altLang="zh-CN" dirty="0"/>
+              <a:t>alias</a:t>
+            </a:r>
+            <a:r>
+              <a:rPr lang="zh-CN" altLang="en-US" dirty="0"/>
+              <a:t>别名和全局组件</a:t>
+            </a:r>
+            <a:endParaRPr kumimoji="1" lang="zh-CN" altLang="en-US" dirty="0"/>
+          </a:p>
+        </p:txBody>
+      </p:sp>
+      <p:pic>
+        <p:nvPicPr>
+          <p:cNvPr id="4" name="内容占位符 3">
+            <a:extLst>
+              <a:ext uri="{FF2B5EF4-FFF2-40B4-BE49-F238E27FC236}">
+                <a16:creationId xmlns:a16="http://schemas.microsoft.com/office/drawing/2014/main" id="{F8792C88-E79E-4A94-926C-332D2D796C80}"/>
+              </a:ext>
+            </a:extLst>
+          </p:cNvPr>
+          <p:cNvPicPr>
+            <a:picLocks noGrp="1" noChangeAspect="1"/>
+          </p:cNvPicPr>
           <p:nvPr>
             <p:ph idx="1"/>
           </p:nvPr>
-        </p:nvSpPr>
-        <p:spPr/>
-        <p:txBody>
-          <a:bodyPr/>
-          <a:lstStyle/>
-          <a:p>
-            <a:endParaRPr kumimoji="1" lang="zh-CN" altLang="en-US"/>
-          </a:p>
-        </p:txBody>
-      </p:sp>
+        </p:nvPicPr>
+        <p:blipFill>
+          <a:blip r:embed="rId2"/>
+          <a:stretch>
+            <a:fillRect/>
+          </a:stretch>
+        </p:blipFill>
+        <p:spPr>
+          <a:xfrm>
+            <a:off x="927538" y="1417419"/>
+            <a:ext cx="4724400" cy="1171575"/>
+          </a:xfrm>
+          <a:prstGeom prst="rect">
+            <a:avLst/>
+          </a:prstGeom>
+        </p:spPr>
+      </p:pic>
+      <p:pic>
+        <p:nvPicPr>
+          <p:cNvPr id="5" name="图片 4">
+            <a:extLst>
+              <a:ext uri="{FF2B5EF4-FFF2-40B4-BE49-F238E27FC236}">
+                <a16:creationId xmlns:a16="http://schemas.microsoft.com/office/drawing/2014/main" id="{D6FC1EC9-5728-4F74-AFA9-4556119AE99D}"/>
+              </a:ext>
+            </a:extLst>
+          </p:cNvPr>
+          <p:cNvPicPr>
+            <a:picLocks noChangeAspect="1"/>
+          </p:cNvPicPr>
+          <p:nvPr/>
+        </p:nvPicPr>
+        <p:blipFill>
+          <a:blip r:embed="rId3"/>
+          <a:stretch>
+            <a:fillRect/>
+          </a:stretch>
+        </p:blipFill>
+        <p:spPr>
+          <a:xfrm>
+            <a:off x="927538" y="5170490"/>
+            <a:ext cx="4476750" cy="1257300"/>
+          </a:xfrm>
+          <a:prstGeom prst="rect">
+            <a:avLst/>
+          </a:prstGeom>
+        </p:spPr>
+      </p:pic>
+      <p:pic>
+        <p:nvPicPr>
+          <p:cNvPr id="6" name="内容占位符 3">
+            <a:extLst>
+              <a:ext uri="{FF2B5EF4-FFF2-40B4-BE49-F238E27FC236}">
+                <a16:creationId xmlns:a16="http://schemas.microsoft.com/office/drawing/2014/main" id="{15F2150D-EB48-440E-8028-3969D63E2D5A}"/>
+              </a:ext>
+            </a:extLst>
+          </p:cNvPr>
+          <p:cNvPicPr>
+            <a:picLocks noChangeAspect="1"/>
+          </p:cNvPicPr>
+          <p:nvPr/>
+        </p:nvPicPr>
+        <p:blipFill>
+          <a:blip r:embed="rId4"/>
+          <a:stretch>
+            <a:fillRect/>
+          </a:stretch>
+        </p:blipFill>
+        <p:spPr>
+          <a:xfrm>
+            <a:off x="927538" y="2721962"/>
+            <a:ext cx="6696075" cy="2305050"/>
+          </a:xfrm>
+          <a:prstGeom prst="rect">
+            <a:avLst/>
+          </a:prstGeom>
+        </p:spPr>
+      </p:pic>
     </p:spTree>
     <p:extLst>
       <p:ext uri="{BB962C8B-B14F-4D97-AF65-F5344CB8AC3E}">
@@ -4899,29 +5199,249 @@
           <a:bodyPr/>
           <a:lstStyle/>
           <a:p>
-            <a:endParaRPr kumimoji="1" lang="zh-CN" altLang="en-US"/>
-          </a:p>
-        </p:txBody>
-      </p:sp>
-      <p:sp>
-        <p:nvSpPr>
-          <p:cNvPr id="3" name="内容占位符 2"/>
-          <p:cNvSpPr>
-            <a:spLocks noGrp="1"/>
-          </p:cNvSpPr>
+            <a:r>
+              <a:rPr kumimoji="1" lang="en-US" altLang="zh-CN" dirty="0" err="1"/>
+              <a:t>svg</a:t>
+            </a:r>
+            <a:r>
+              <a:rPr kumimoji="1" lang="en-US" altLang="zh-CN" dirty="0"/>
+              <a:t>-icon</a:t>
+            </a:r>
+            <a:r>
+              <a:rPr kumimoji="1" lang="zh-CN" altLang="en-US" dirty="0"/>
+              <a:t>组件使用</a:t>
+            </a:r>
+          </a:p>
+        </p:txBody>
+      </p:sp>
+      <p:pic>
+        <p:nvPicPr>
+          <p:cNvPr id="6" name="内容占位符 5">
+            <a:extLst>
+              <a:ext uri="{FF2B5EF4-FFF2-40B4-BE49-F238E27FC236}">
+                <a16:creationId xmlns:a16="http://schemas.microsoft.com/office/drawing/2014/main" id="{238922FC-5EC4-49AB-8CEF-CA0BDEF4970D}"/>
+              </a:ext>
+            </a:extLst>
+          </p:cNvPr>
+          <p:cNvPicPr>
+            <a:picLocks noGrp="1" noChangeAspect="1"/>
+          </p:cNvPicPr>
           <p:nvPr>
             <p:ph idx="1"/>
           </p:nvPr>
-        </p:nvSpPr>
-        <p:spPr/>
-        <p:txBody>
-          <a:bodyPr/>
-          <a:lstStyle/>
-          <a:p>
-            <a:endParaRPr kumimoji="1" lang="zh-CN" altLang="en-US"/>
-          </a:p>
-        </p:txBody>
-      </p:sp>
+        </p:nvPicPr>
+        <p:blipFill>
+          <a:blip r:embed="rId3"/>
+          <a:stretch>
+            <a:fillRect/>
+          </a:stretch>
+        </p:blipFill>
+        <p:spPr>
+          <a:xfrm>
+            <a:off x="838200" y="1774768"/>
+            <a:ext cx="7696200" cy="2514600"/>
+          </a:xfrm>
+          <a:prstGeom prst="rect">
+            <a:avLst/>
+          </a:prstGeom>
+        </p:spPr>
+      </p:pic>
+      <p:pic>
+        <p:nvPicPr>
+          <p:cNvPr id="7" name="图片 6">
+            <a:extLst>
+              <a:ext uri="{FF2B5EF4-FFF2-40B4-BE49-F238E27FC236}">
+                <a16:creationId xmlns:a16="http://schemas.microsoft.com/office/drawing/2014/main" id="{E97495AC-31E9-4E4A-A75B-11713BB964F3}"/>
+              </a:ext>
+            </a:extLst>
+          </p:cNvPr>
+          <p:cNvPicPr>
+            <a:picLocks noChangeAspect="1"/>
+          </p:cNvPicPr>
+          <p:nvPr/>
+        </p:nvPicPr>
+        <p:blipFill>
+          <a:blip r:embed="rId4"/>
+          <a:stretch>
+            <a:fillRect/>
+          </a:stretch>
+        </p:blipFill>
+        <p:spPr>
+          <a:xfrm>
+            <a:off x="838200" y="4381825"/>
+            <a:ext cx="2362200" cy="676275"/>
+          </a:xfrm>
+          <a:prstGeom prst="rect">
+            <a:avLst/>
+          </a:prstGeom>
+        </p:spPr>
+      </p:pic>
+      <p:pic>
+        <p:nvPicPr>
+          <p:cNvPr id="8" name="图片 7">
+            <a:extLst>
+              <a:ext uri="{FF2B5EF4-FFF2-40B4-BE49-F238E27FC236}">
+                <a16:creationId xmlns:a16="http://schemas.microsoft.com/office/drawing/2014/main" id="{69FB918F-23E0-43AE-9E83-6E7BCF05C0DF}"/>
+              </a:ext>
+            </a:extLst>
+          </p:cNvPr>
+          <p:cNvPicPr>
+            <a:picLocks noChangeAspect="1"/>
+          </p:cNvPicPr>
+          <p:nvPr/>
+        </p:nvPicPr>
+        <p:blipFill>
+          <a:blip r:embed="rId5"/>
+          <a:stretch>
+            <a:fillRect/>
+          </a:stretch>
+        </p:blipFill>
+        <p:spPr>
+          <a:xfrm>
+            <a:off x="838200" y="5731584"/>
+            <a:ext cx="4724400" cy="523875"/>
+          </a:xfrm>
+          <a:prstGeom prst="rect">
+            <a:avLst/>
+          </a:prstGeom>
+        </p:spPr>
+      </p:pic>
+      <p:sp>
+        <p:nvSpPr>
+          <p:cNvPr id="9" name="矩形: 圆角 8">
+            <a:extLst>
+              <a:ext uri="{FF2B5EF4-FFF2-40B4-BE49-F238E27FC236}">
+                <a16:creationId xmlns:a16="http://schemas.microsoft.com/office/drawing/2014/main" id="{6947E7DA-C0D0-4A5E-B7BA-31EB85674354}"/>
+              </a:ext>
+            </a:extLst>
+          </p:cNvPr>
+          <p:cNvSpPr/>
+          <p:nvPr/>
+        </p:nvSpPr>
+        <p:spPr>
+          <a:xfrm>
+            <a:off x="838200" y="5318232"/>
+            <a:ext cx="2362200" cy="286189"/>
+          </a:xfrm>
+          <a:prstGeom prst="roundRect">
+            <a:avLst/>
+          </a:prstGeom>
+          <a:noFill/>
+        </p:spPr>
+        <p:style>
+          <a:lnRef idx="2">
+            <a:schemeClr val="accent1">
+              <a:shade val="50000"/>
+            </a:schemeClr>
+          </a:lnRef>
+          <a:fillRef idx="1">
+            <a:schemeClr val="accent1"/>
+          </a:fillRef>
+          <a:effectRef idx="0">
+            <a:schemeClr val="accent1"/>
+          </a:effectRef>
+          <a:fontRef idx="minor">
+            <a:schemeClr val="lt1"/>
+          </a:fontRef>
+        </p:style>
+        <p:txBody>
+          <a:bodyPr rtlCol="0" anchor="ctr"/>
+          <a:lstStyle/>
+          <a:p>
+            <a:r>
+              <a:rPr lang="zh-CN" altLang="en-US" dirty="0">
+                <a:solidFill>
+                  <a:schemeClr val="tx1"/>
+                </a:solidFill>
+              </a:rPr>
+              <a:t>第二种方式</a:t>
+            </a:r>
+          </a:p>
+        </p:txBody>
+      </p:sp>
+      <p:sp>
+        <p:nvSpPr>
+          <p:cNvPr id="11" name="矩形: 圆角 10">
+            <a:extLst>
+              <a:ext uri="{FF2B5EF4-FFF2-40B4-BE49-F238E27FC236}">
+                <a16:creationId xmlns:a16="http://schemas.microsoft.com/office/drawing/2014/main" id="{6A449CD4-4281-40C8-851B-3AA8A42E7A19}"/>
+              </a:ext>
+            </a:extLst>
+          </p:cNvPr>
+          <p:cNvSpPr/>
+          <p:nvPr/>
+        </p:nvSpPr>
+        <p:spPr>
+          <a:xfrm>
+            <a:off x="838200" y="1411944"/>
+            <a:ext cx="2362200" cy="286189"/>
+          </a:xfrm>
+          <a:prstGeom prst="roundRect">
+            <a:avLst/>
+          </a:prstGeom>
+          <a:noFill/>
+        </p:spPr>
+        <p:style>
+          <a:lnRef idx="2">
+            <a:schemeClr val="accent1">
+              <a:shade val="50000"/>
+            </a:schemeClr>
+          </a:lnRef>
+          <a:fillRef idx="1">
+            <a:schemeClr val="accent1"/>
+          </a:fillRef>
+          <a:effectRef idx="0">
+            <a:schemeClr val="accent1"/>
+          </a:effectRef>
+          <a:fontRef idx="minor">
+            <a:schemeClr val="lt1"/>
+          </a:fontRef>
+        </p:style>
+        <p:txBody>
+          <a:bodyPr rtlCol="0" anchor="ctr"/>
+          <a:lstStyle/>
+          <a:p>
+            <a:r>
+              <a:rPr lang="zh-CN" altLang="en-US" dirty="0">
+                <a:solidFill>
+                  <a:schemeClr val="tx1"/>
+                </a:solidFill>
+              </a:rPr>
+              <a:t>第一种方式</a:t>
+            </a:r>
+          </a:p>
+        </p:txBody>
+      </p:sp>
+      <p:pic>
+        <p:nvPicPr>
+          <p:cNvPr id="12" name="图片 11">
+            <a:extLst>
+              <a:ext uri="{FF2B5EF4-FFF2-40B4-BE49-F238E27FC236}">
+                <a16:creationId xmlns:a16="http://schemas.microsoft.com/office/drawing/2014/main" id="{20EA6791-01FD-41E2-B214-C0F3866C8C9D}"/>
+              </a:ext>
+            </a:extLst>
+          </p:cNvPr>
+          <p:cNvPicPr>
+            <a:picLocks noChangeAspect="1"/>
+          </p:cNvPicPr>
+          <p:nvPr/>
+        </p:nvPicPr>
+        <p:blipFill>
+          <a:blip r:embed="rId6"/>
+          <a:stretch>
+            <a:fillRect/>
+          </a:stretch>
+        </p:blipFill>
+        <p:spPr>
+          <a:xfrm>
+            <a:off x="5949840" y="5283909"/>
+            <a:ext cx="4895850" cy="971550"/>
+          </a:xfrm>
+          <a:prstGeom prst="rect">
+            <a:avLst/>
+          </a:prstGeom>
+        </p:spPr>
+      </p:pic>
     </p:spTree>
     <p:extLst>
       <p:ext uri="{BB962C8B-B14F-4D97-AF65-F5344CB8AC3E}">

--- a/doc/vue-cli3.pptx
+++ b/doc/vue-cli3.pptx
@@ -5,7 +5,7 @@
     <p:sldMasterId id="2147483648" r:id="rId1"/>
   </p:sldMasterIdLst>
   <p:notesMasterIdLst>
-    <p:notesMasterId r:id="rId10"/>
+    <p:notesMasterId r:id="rId13"/>
   </p:notesMasterIdLst>
   <p:sldIdLst>
     <p:sldId id="256" r:id="rId2"/>
@@ -16,6 +16,9 @@
     <p:sldId id="261" r:id="rId7"/>
     <p:sldId id="262" r:id="rId8"/>
     <p:sldId id="263" r:id="rId9"/>
+    <p:sldId id="265" r:id="rId10"/>
+    <p:sldId id="264" r:id="rId11"/>
+    <p:sldId id="266" r:id="rId12"/>
   </p:sldIdLst>
   <p:sldSz cx="12192000" cy="6858000"/>
   <p:notesSz cx="6858000" cy="9144000"/>
@@ -204,7 +207,7 @@
           <a:p>
             <a:fld id="{3A8FA370-709D-4F72-8E6C-0710CCA00D33}" type="datetimeFigureOut">
               <a:rPr lang="zh-CN" altLang="en-US" smtClean="0"/>
-              <a:t>2019/7/10</a:t>
+              <a:t>2019/7/11</a:t>
             </a:fld>
             <a:endParaRPr lang="zh-CN" altLang="en-US"/>
           </a:p>
@@ -1503,7 +1506,7 @@
           <a:p>
             <a:fld id="{3A737EFC-D787-6544-BBED-AC7F5B40DC0C}" type="datetimeFigureOut">
               <a:rPr kumimoji="1" lang="zh-CN" altLang="en-US" smtClean="0"/>
-              <a:t>2019/7/10</a:t>
+              <a:t>2019/7/11</a:t>
             </a:fld>
             <a:endParaRPr kumimoji="1" lang="zh-CN" altLang="en-US"/>
           </a:p>
@@ -1671,7 +1674,7 @@
           <a:p>
             <a:fld id="{3A737EFC-D787-6544-BBED-AC7F5B40DC0C}" type="datetimeFigureOut">
               <a:rPr kumimoji="1" lang="zh-CN" altLang="en-US" smtClean="0"/>
-              <a:t>2019/7/10</a:t>
+              <a:t>2019/7/11</a:t>
             </a:fld>
             <a:endParaRPr kumimoji="1" lang="zh-CN" altLang="en-US"/>
           </a:p>
@@ -1849,7 +1852,7 @@
           <a:p>
             <a:fld id="{3A737EFC-D787-6544-BBED-AC7F5B40DC0C}" type="datetimeFigureOut">
               <a:rPr kumimoji="1" lang="zh-CN" altLang="en-US" smtClean="0"/>
-              <a:t>2019/7/10</a:t>
+              <a:t>2019/7/11</a:t>
             </a:fld>
             <a:endParaRPr kumimoji="1" lang="zh-CN" altLang="en-US"/>
           </a:p>
@@ -2017,7 +2020,7 @@
           <a:p>
             <a:fld id="{3A737EFC-D787-6544-BBED-AC7F5B40DC0C}" type="datetimeFigureOut">
               <a:rPr kumimoji="1" lang="zh-CN" altLang="en-US" smtClean="0"/>
-              <a:t>2019/7/10</a:t>
+              <a:t>2019/7/11</a:t>
             </a:fld>
             <a:endParaRPr kumimoji="1" lang="zh-CN" altLang="en-US"/>
           </a:p>
@@ -2262,7 +2265,7 @@
           <a:p>
             <a:fld id="{3A737EFC-D787-6544-BBED-AC7F5B40DC0C}" type="datetimeFigureOut">
               <a:rPr kumimoji="1" lang="zh-CN" altLang="en-US" smtClean="0"/>
-              <a:t>2019/7/10</a:t>
+              <a:t>2019/7/11</a:t>
             </a:fld>
             <a:endParaRPr kumimoji="1" lang="zh-CN" altLang="en-US"/>
           </a:p>
@@ -2491,7 +2494,7 @@
           <a:p>
             <a:fld id="{3A737EFC-D787-6544-BBED-AC7F5B40DC0C}" type="datetimeFigureOut">
               <a:rPr kumimoji="1" lang="zh-CN" altLang="en-US" smtClean="0"/>
-              <a:t>2019/7/10</a:t>
+              <a:t>2019/7/11</a:t>
             </a:fld>
             <a:endParaRPr kumimoji="1" lang="zh-CN" altLang="en-US"/>
           </a:p>
@@ -2855,7 +2858,7 @@
           <a:p>
             <a:fld id="{3A737EFC-D787-6544-BBED-AC7F5B40DC0C}" type="datetimeFigureOut">
               <a:rPr kumimoji="1" lang="zh-CN" altLang="en-US" smtClean="0"/>
-              <a:t>2019/7/10</a:t>
+              <a:t>2019/7/11</a:t>
             </a:fld>
             <a:endParaRPr kumimoji="1" lang="zh-CN" altLang="en-US"/>
           </a:p>
@@ -2972,7 +2975,7 @@
           <a:p>
             <a:fld id="{3A737EFC-D787-6544-BBED-AC7F5B40DC0C}" type="datetimeFigureOut">
               <a:rPr kumimoji="1" lang="zh-CN" altLang="en-US" smtClean="0"/>
-              <a:t>2019/7/10</a:t>
+              <a:t>2019/7/11</a:t>
             </a:fld>
             <a:endParaRPr kumimoji="1" lang="zh-CN" altLang="en-US"/>
           </a:p>
@@ -3067,7 +3070,7 @@
           <a:p>
             <a:fld id="{3A737EFC-D787-6544-BBED-AC7F5B40DC0C}" type="datetimeFigureOut">
               <a:rPr kumimoji="1" lang="zh-CN" altLang="en-US" smtClean="0"/>
-              <a:t>2019/7/10</a:t>
+              <a:t>2019/7/11</a:t>
             </a:fld>
             <a:endParaRPr kumimoji="1" lang="zh-CN" altLang="en-US"/>
           </a:p>
@@ -3342,7 +3345,7 @@
           <a:p>
             <a:fld id="{3A737EFC-D787-6544-BBED-AC7F5B40DC0C}" type="datetimeFigureOut">
               <a:rPr kumimoji="1" lang="zh-CN" altLang="en-US" smtClean="0"/>
-              <a:t>2019/7/10</a:t>
+              <a:t>2019/7/11</a:t>
             </a:fld>
             <a:endParaRPr kumimoji="1" lang="zh-CN" altLang="en-US"/>
           </a:p>
@@ -3594,7 +3597,7 @@
           <a:p>
             <a:fld id="{3A737EFC-D787-6544-BBED-AC7F5B40DC0C}" type="datetimeFigureOut">
               <a:rPr kumimoji="1" lang="zh-CN" altLang="en-US" smtClean="0"/>
-              <a:t>2019/7/10</a:t>
+              <a:t>2019/7/11</a:t>
             </a:fld>
             <a:endParaRPr kumimoji="1" lang="zh-CN" altLang="en-US"/>
           </a:p>
@@ -3805,7 +3808,7 @@
           <a:p>
             <a:fld id="{3A737EFC-D787-6544-BBED-AC7F5B40DC0C}" type="datetimeFigureOut">
               <a:rPr kumimoji="1" lang="zh-CN" altLang="en-US" smtClean="0"/>
-              <a:t>2019/7/10</a:t>
+              <a:t>2019/7/11</a:t>
             </a:fld>
             <a:endParaRPr kumimoji="1" lang="zh-CN" altLang="en-US"/>
           </a:p>
@@ -4272,6 +4275,240 @@
 </p:sld>
 </file>
 
+<file path=ppt/slides/slide10.xml><?xml version="1.0" encoding="utf-8"?>
+<p:sld xmlns:a="http://schemas.openxmlformats.org/drawingml/2006/main" xmlns:r="http://schemas.openxmlformats.org/officeDocument/2006/relationships" xmlns:p="http://schemas.openxmlformats.org/presentationml/2006/main">
+  <p:cSld>
+    <p:spTree>
+      <p:nvGrpSpPr>
+        <p:cNvPr id="1" name=""/>
+        <p:cNvGrpSpPr/>
+        <p:nvPr/>
+      </p:nvGrpSpPr>
+      <p:grpSpPr>
+        <a:xfrm>
+          <a:off x="0" y="0"/>
+          <a:ext cx="0" cy="0"/>
+          <a:chOff x="0" y="0"/>
+          <a:chExt cx="0" cy="0"/>
+        </a:xfrm>
+      </p:grpSpPr>
+      <p:sp>
+        <p:nvSpPr>
+          <p:cNvPr id="2" name="标题 1">
+            <a:extLst>
+              <a:ext uri="{FF2B5EF4-FFF2-40B4-BE49-F238E27FC236}">
+                <a16:creationId xmlns:a16="http://schemas.microsoft.com/office/drawing/2014/main" id="{842326CC-66E2-4459-A01E-E717E5EF55AD}"/>
+              </a:ext>
+            </a:extLst>
+          </p:cNvPr>
+          <p:cNvSpPr>
+            <a:spLocks noGrp="1"/>
+          </p:cNvSpPr>
+          <p:nvPr>
+            <p:ph type="title"/>
+          </p:nvPr>
+        </p:nvSpPr>
+        <p:spPr/>
+        <p:txBody>
+          <a:bodyPr/>
+          <a:lstStyle/>
+          <a:p>
+            <a:r>
+              <a:rPr lang="en-US" altLang="zh-CN" dirty="0"/>
+              <a:t>VS Code </a:t>
+            </a:r>
+            <a:r>
+              <a:rPr lang="zh-CN" altLang="en-US" dirty="0"/>
+              <a:t>断点调试</a:t>
+            </a:r>
+          </a:p>
+        </p:txBody>
+      </p:sp>
+      <p:pic>
+        <p:nvPicPr>
+          <p:cNvPr id="4" name="内容占位符 3">
+            <a:extLst>
+              <a:ext uri="{FF2B5EF4-FFF2-40B4-BE49-F238E27FC236}">
+                <a16:creationId xmlns:a16="http://schemas.microsoft.com/office/drawing/2014/main" id="{9AC104E4-0E4D-4FDE-8B31-F38A0567BAEB}"/>
+              </a:ext>
+            </a:extLst>
+          </p:cNvPr>
+          <p:cNvPicPr>
+            <a:picLocks noGrp="1" noChangeAspect="1"/>
+          </p:cNvPicPr>
+          <p:nvPr>
+            <p:ph idx="1"/>
+          </p:nvPr>
+        </p:nvPicPr>
+        <p:blipFill>
+          <a:blip r:embed="rId2"/>
+          <a:stretch>
+            <a:fillRect/>
+          </a:stretch>
+        </p:blipFill>
+        <p:spPr>
+          <a:xfrm>
+            <a:off x="984523" y="1498846"/>
+            <a:ext cx="4505325" cy="3638550"/>
+          </a:xfrm>
+          <a:prstGeom prst="rect">
+            <a:avLst/>
+          </a:prstGeom>
+        </p:spPr>
+      </p:pic>
+      <p:pic>
+        <p:nvPicPr>
+          <p:cNvPr id="5" name="图片 4">
+            <a:extLst>
+              <a:ext uri="{FF2B5EF4-FFF2-40B4-BE49-F238E27FC236}">
+                <a16:creationId xmlns:a16="http://schemas.microsoft.com/office/drawing/2014/main" id="{B4B78E45-1D11-4CF5-B096-87B8D294D479}"/>
+              </a:ext>
+            </a:extLst>
+          </p:cNvPr>
+          <p:cNvPicPr>
+            <a:picLocks noChangeAspect="1"/>
+          </p:cNvPicPr>
+          <p:nvPr/>
+        </p:nvPicPr>
+        <p:blipFill>
+          <a:blip r:embed="rId3"/>
+          <a:stretch>
+            <a:fillRect/>
+          </a:stretch>
+        </p:blipFill>
+        <p:spPr>
+          <a:xfrm>
+            <a:off x="984523" y="5311775"/>
+            <a:ext cx="3943350" cy="1181100"/>
+          </a:xfrm>
+          <a:prstGeom prst="rect">
+            <a:avLst/>
+          </a:prstGeom>
+        </p:spPr>
+      </p:pic>
+      <p:pic>
+        <p:nvPicPr>
+          <p:cNvPr id="7" name="图片 6">
+            <a:extLst>
+              <a:ext uri="{FF2B5EF4-FFF2-40B4-BE49-F238E27FC236}">
+                <a16:creationId xmlns:a16="http://schemas.microsoft.com/office/drawing/2014/main" id="{F41D5DDC-98C7-40D6-83E3-A0CB0AE5182B}"/>
+              </a:ext>
+            </a:extLst>
+          </p:cNvPr>
+          <p:cNvPicPr>
+            <a:picLocks noChangeAspect="1"/>
+          </p:cNvPicPr>
+          <p:nvPr/>
+        </p:nvPicPr>
+        <p:blipFill>
+          <a:blip r:embed="rId4"/>
+          <a:stretch>
+            <a:fillRect/>
+          </a:stretch>
+        </p:blipFill>
+        <p:spPr>
+          <a:xfrm>
+            <a:off x="6096000" y="570295"/>
+            <a:ext cx="3924300" cy="5943600"/>
+          </a:xfrm>
+          <a:prstGeom prst="rect">
+            <a:avLst/>
+          </a:prstGeom>
+        </p:spPr>
+      </p:pic>
+    </p:spTree>
+    <p:extLst>
+      <p:ext uri="{BB962C8B-B14F-4D97-AF65-F5344CB8AC3E}">
+        <p14:creationId xmlns:p14="http://schemas.microsoft.com/office/powerpoint/2010/main" val="220138568"/>
+      </p:ext>
+    </p:extLst>
+  </p:cSld>
+  <p:clrMapOvr>
+    <a:masterClrMapping/>
+  </p:clrMapOvr>
+</p:sld>
+</file>
+
+<file path=ppt/slides/slide11.xml><?xml version="1.0" encoding="utf-8"?>
+<p:sld xmlns:a="http://schemas.openxmlformats.org/drawingml/2006/main" xmlns:r="http://schemas.openxmlformats.org/officeDocument/2006/relationships" xmlns:p="http://schemas.openxmlformats.org/presentationml/2006/main">
+  <p:cSld>
+    <p:spTree>
+      <p:nvGrpSpPr>
+        <p:cNvPr id="1" name=""/>
+        <p:cNvGrpSpPr/>
+        <p:nvPr/>
+      </p:nvGrpSpPr>
+      <p:grpSpPr>
+        <a:xfrm>
+          <a:off x="0" y="0"/>
+          <a:ext cx="0" cy="0"/>
+          <a:chOff x="0" y="0"/>
+          <a:chExt cx="0" cy="0"/>
+        </a:xfrm>
+      </p:grpSpPr>
+      <p:sp>
+        <p:nvSpPr>
+          <p:cNvPr id="2" name="标题 1">
+            <a:extLst>
+              <a:ext uri="{FF2B5EF4-FFF2-40B4-BE49-F238E27FC236}">
+                <a16:creationId xmlns:a16="http://schemas.microsoft.com/office/drawing/2014/main" id="{C7A72104-81E9-4C30-8FF6-52E38914AD17}"/>
+              </a:ext>
+            </a:extLst>
+          </p:cNvPr>
+          <p:cNvSpPr>
+            <a:spLocks noGrp="1"/>
+          </p:cNvSpPr>
+          <p:nvPr>
+            <p:ph type="title"/>
+          </p:nvPr>
+        </p:nvSpPr>
+        <p:spPr/>
+        <p:txBody>
+          <a:bodyPr/>
+          <a:lstStyle/>
+          <a:p>
+            <a:endParaRPr lang="zh-CN" altLang="en-US"/>
+          </a:p>
+        </p:txBody>
+      </p:sp>
+      <p:sp>
+        <p:nvSpPr>
+          <p:cNvPr id="3" name="内容占位符 2">
+            <a:extLst>
+              <a:ext uri="{FF2B5EF4-FFF2-40B4-BE49-F238E27FC236}">
+                <a16:creationId xmlns:a16="http://schemas.microsoft.com/office/drawing/2014/main" id="{E8FD9013-7063-4E45-9751-EBC67F0F260F}"/>
+              </a:ext>
+            </a:extLst>
+          </p:cNvPr>
+          <p:cNvSpPr>
+            <a:spLocks noGrp="1"/>
+          </p:cNvSpPr>
+          <p:nvPr>
+            <p:ph idx="1"/>
+          </p:nvPr>
+        </p:nvSpPr>
+        <p:spPr/>
+        <p:txBody>
+          <a:bodyPr/>
+          <a:lstStyle/>
+          <a:p>
+            <a:endParaRPr lang="zh-CN" altLang="en-US"/>
+          </a:p>
+        </p:txBody>
+      </p:sp>
+    </p:spTree>
+    <p:extLst>
+      <p:ext uri="{BB962C8B-B14F-4D97-AF65-F5344CB8AC3E}">
+        <p14:creationId xmlns:p14="http://schemas.microsoft.com/office/powerpoint/2010/main" val="1076439889"/>
+      </p:ext>
+    </p:extLst>
+  </p:cSld>
+  <p:clrMapOvr>
+    <a:masterClrMapping/>
+  </p:clrMapOvr>
+</p:sld>
+</file>
+
 <file path=ppt/slides/slide2.xml><?xml version="1.0" encoding="utf-8"?>
 <p:sld xmlns:a="http://schemas.openxmlformats.org/drawingml/2006/main" xmlns:r="http://schemas.openxmlformats.org/officeDocument/2006/relationships" xmlns:p="http://schemas.openxmlformats.org/presentationml/2006/main">
   <p:cSld>
@@ -5446,6 +5683,86 @@
     <p:extLst>
       <p:ext uri="{BB962C8B-B14F-4D97-AF65-F5344CB8AC3E}">
         <p14:creationId xmlns:p14="http://schemas.microsoft.com/office/powerpoint/2010/main" val="613756474"/>
+      </p:ext>
+    </p:extLst>
+  </p:cSld>
+  <p:clrMapOvr>
+    <a:masterClrMapping/>
+  </p:clrMapOvr>
+</p:sld>
+</file>
+
+<file path=ppt/slides/slide9.xml><?xml version="1.0" encoding="utf-8"?>
+<p:sld xmlns:a="http://schemas.openxmlformats.org/drawingml/2006/main" xmlns:r="http://schemas.openxmlformats.org/officeDocument/2006/relationships" xmlns:p="http://schemas.openxmlformats.org/presentationml/2006/main">
+  <p:cSld>
+    <p:spTree>
+      <p:nvGrpSpPr>
+        <p:cNvPr id="1" name=""/>
+        <p:cNvGrpSpPr/>
+        <p:nvPr/>
+      </p:nvGrpSpPr>
+      <p:grpSpPr>
+        <a:xfrm>
+          <a:off x="0" y="0"/>
+          <a:ext cx="0" cy="0"/>
+          <a:chOff x="0" y="0"/>
+          <a:chExt cx="0" cy="0"/>
+        </a:xfrm>
+      </p:grpSpPr>
+      <p:sp>
+        <p:nvSpPr>
+          <p:cNvPr id="2" name="标题 1">
+            <a:extLst>
+              <a:ext uri="{FF2B5EF4-FFF2-40B4-BE49-F238E27FC236}">
+                <a16:creationId xmlns:a16="http://schemas.microsoft.com/office/drawing/2014/main" id="{8453748D-7095-48E9-A34B-803B3E1CA6DF}"/>
+              </a:ext>
+            </a:extLst>
+          </p:cNvPr>
+          <p:cNvSpPr>
+            <a:spLocks noGrp="1"/>
+          </p:cNvSpPr>
+          <p:nvPr>
+            <p:ph type="title"/>
+          </p:nvPr>
+        </p:nvSpPr>
+        <p:spPr/>
+        <p:txBody>
+          <a:bodyPr/>
+          <a:lstStyle/>
+          <a:p>
+            <a:endParaRPr lang="zh-CN" altLang="en-US"/>
+          </a:p>
+        </p:txBody>
+      </p:sp>
+      <p:sp>
+        <p:nvSpPr>
+          <p:cNvPr id="3" name="内容占位符 2">
+            <a:extLst>
+              <a:ext uri="{FF2B5EF4-FFF2-40B4-BE49-F238E27FC236}">
+                <a16:creationId xmlns:a16="http://schemas.microsoft.com/office/drawing/2014/main" id="{A88AF2F9-F00D-4675-BF4C-6A5A646B86CD}"/>
+              </a:ext>
+            </a:extLst>
+          </p:cNvPr>
+          <p:cNvSpPr>
+            <a:spLocks noGrp="1"/>
+          </p:cNvSpPr>
+          <p:nvPr>
+            <p:ph idx="1"/>
+          </p:nvPr>
+        </p:nvSpPr>
+        <p:spPr/>
+        <p:txBody>
+          <a:bodyPr/>
+          <a:lstStyle/>
+          <a:p>
+            <a:endParaRPr lang="zh-CN" altLang="en-US"/>
+          </a:p>
+        </p:txBody>
+      </p:sp>
+    </p:spTree>
+    <p:extLst>
+      <p:ext uri="{BB962C8B-B14F-4D97-AF65-F5344CB8AC3E}">
+        <p14:creationId xmlns:p14="http://schemas.microsoft.com/office/powerpoint/2010/main" val="1362637602"/>
       </p:ext>
     </p:extLst>
   </p:cSld>

--- a/doc/vue-cli3.pptx
+++ b/doc/vue-cli3.pptx
@@ -5,7 +5,7 @@
     <p:sldMasterId id="2147483648" r:id="rId1"/>
   </p:sldMasterIdLst>
   <p:notesMasterIdLst>
-    <p:notesMasterId r:id="rId13"/>
+    <p:notesMasterId r:id="rId15"/>
   </p:notesMasterIdLst>
   <p:sldIdLst>
     <p:sldId id="256" r:id="rId2"/>
@@ -16,9 +16,11 @@
     <p:sldId id="261" r:id="rId7"/>
     <p:sldId id="262" r:id="rId8"/>
     <p:sldId id="263" r:id="rId9"/>
-    <p:sldId id="265" r:id="rId10"/>
-    <p:sldId id="264" r:id="rId11"/>
-    <p:sldId id="266" r:id="rId12"/>
+    <p:sldId id="266" r:id="rId10"/>
+    <p:sldId id="268" r:id="rId11"/>
+    <p:sldId id="267" r:id="rId12"/>
+    <p:sldId id="265" r:id="rId13"/>
+    <p:sldId id="264" r:id="rId14"/>
   </p:sldIdLst>
   <p:sldSz cx="12192000" cy="6858000"/>
   <p:notesSz cx="6858000" cy="9144000"/>
@@ -4297,6 +4299,456 @@
           <p:cNvPr id="2" name="标题 1">
             <a:extLst>
               <a:ext uri="{FF2B5EF4-FFF2-40B4-BE49-F238E27FC236}">
+                <a16:creationId xmlns:a16="http://schemas.microsoft.com/office/drawing/2014/main" id="{FF1A4B77-9446-4770-9AA5-0D5992347FA0}"/>
+              </a:ext>
+            </a:extLst>
+          </p:cNvPr>
+          <p:cNvSpPr>
+            <a:spLocks noGrp="1"/>
+          </p:cNvSpPr>
+          <p:nvPr>
+            <p:ph type="title"/>
+          </p:nvPr>
+        </p:nvSpPr>
+        <p:spPr/>
+        <p:txBody>
+          <a:bodyPr/>
+          <a:lstStyle/>
+          <a:p>
+            <a:r>
+              <a:rPr lang="en-US" altLang="zh-CN" dirty="0" err="1"/>
+              <a:t>css</a:t>
+            </a:r>
+            <a:r>
+              <a:rPr lang="zh-CN" altLang="en-US" dirty="0"/>
+              <a:t>相关配置</a:t>
+            </a:r>
+          </a:p>
+        </p:txBody>
+      </p:sp>
+      <p:pic>
+        <p:nvPicPr>
+          <p:cNvPr id="4" name="内容占位符 3">
+            <a:extLst>
+              <a:ext uri="{FF2B5EF4-FFF2-40B4-BE49-F238E27FC236}">
+                <a16:creationId xmlns:a16="http://schemas.microsoft.com/office/drawing/2014/main" id="{2E58D7C4-84F9-455C-9A78-A522C4F33C81}"/>
+              </a:ext>
+            </a:extLst>
+          </p:cNvPr>
+          <p:cNvPicPr>
+            <a:picLocks noGrp="1" noChangeAspect="1"/>
+          </p:cNvPicPr>
+          <p:nvPr>
+            <p:ph idx="1"/>
+          </p:nvPr>
+        </p:nvPicPr>
+        <p:blipFill>
+          <a:blip r:embed="rId2"/>
+          <a:stretch>
+            <a:fillRect/>
+          </a:stretch>
+        </p:blipFill>
+        <p:spPr>
+          <a:xfrm>
+            <a:off x="838200" y="1604907"/>
+            <a:ext cx="5617839" cy="4351338"/>
+          </a:xfrm>
+          <a:prstGeom prst="rect">
+            <a:avLst/>
+          </a:prstGeom>
+        </p:spPr>
+      </p:pic>
+      <p:pic>
+        <p:nvPicPr>
+          <p:cNvPr id="6" name="图片 5">
+            <a:extLst>
+              <a:ext uri="{FF2B5EF4-FFF2-40B4-BE49-F238E27FC236}">
+                <a16:creationId xmlns:a16="http://schemas.microsoft.com/office/drawing/2014/main" id="{D9EEA241-12C8-4E90-8AB5-1A531D630970}"/>
+              </a:ext>
+            </a:extLst>
+          </p:cNvPr>
+          <p:cNvPicPr>
+            <a:picLocks noChangeAspect="1"/>
+          </p:cNvPicPr>
+          <p:nvPr/>
+        </p:nvPicPr>
+        <p:blipFill>
+          <a:blip r:embed="rId3"/>
+          <a:stretch>
+            <a:fillRect/>
+          </a:stretch>
+        </p:blipFill>
+        <p:spPr>
+          <a:xfrm>
+            <a:off x="6594913" y="1604907"/>
+            <a:ext cx="4972050" cy="1171575"/>
+          </a:xfrm>
+          <a:prstGeom prst="rect">
+            <a:avLst/>
+          </a:prstGeom>
+        </p:spPr>
+      </p:pic>
+    </p:spTree>
+    <p:extLst>
+      <p:ext uri="{BB962C8B-B14F-4D97-AF65-F5344CB8AC3E}">
+        <p14:creationId xmlns:p14="http://schemas.microsoft.com/office/powerpoint/2010/main" val="384860272"/>
+      </p:ext>
+    </p:extLst>
+  </p:cSld>
+  <p:clrMapOvr>
+    <a:masterClrMapping/>
+  </p:clrMapOvr>
+</p:sld>
+</file>
+
+<file path=ppt/slides/slide11.xml><?xml version="1.0" encoding="utf-8"?>
+<p:sld xmlns:a="http://schemas.openxmlformats.org/drawingml/2006/main" xmlns:r="http://schemas.openxmlformats.org/officeDocument/2006/relationships" xmlns:p="http://schemas.openxmlformats.org/presentationml/2006/main">
+  <p:cSld>
+    <p:spTree>
+      <p:nvGrpSpPr>
+        <p:cNvPr id="1" name=""/>
+        <p:cNvGrpSpPr/>
+        <p:nvPr/>
+      </p:nvGrpSpPr>
+      <p:grpSpPr>
+        <a:xfrm>
+          <a:off x="0" y="0"/>
+          <a:ext cx="0" cy="0"/>
+          <a:chOff x="0" y="0"/>
+          <a:chExt cx="0" cy="0"/>
+        </a:xfrm>
+      </p:grpSpPr>
+      <p:sp>
+        <p:nvSpPr>
+          <p:cNvPr id="2" name="标题 1">
+            <a:extLst>
+              <a:ext uri="{FF2B5EF4-FFF2-40B4-BE49-F238E27FC236}">
+                <a16:creationId xmlns:a16="http://schemas.microsoft.com/office/drawing/2014/main" id="{B7B4824E-59F2-4BEF-BED7-4F9976B41180}"/>
+              </a:ext>
+            </a:extLst>
+          </p:cNvPr>
+          <p:cNvSpPr>
+            <a:spLocks noGrp="1"/>
+          </p:cNvSpPr>
+          <p:nvPr>
+            <p:ph type="title"/>
+          </p:nvPr>
+        </p:nvSpPr>
+        <p:spPr/>
+        <p:txBody>
+          <a:bodyPr/>
+          <a:lstStyle/>
+          <a:p>
+            <a:r>
+              <a:rPr lang="zh-CN" altLang="en-US" b="1" dirty="0"/>
+              <a:t>配置</a:t>
+            </a:r>
+            <a:r>
+              <a:rPr lang="en-US" altLang="zh-CN" b="1" dirty="0"/>
+              <a:t>externals</a:t>
+            </a:r>
+            <a:r>
+              <a:rPr lang="zh-CN" altLang="en-US" b="1" dirty="0"/>
+              <a:t>引入</a:t>
+            </a:r>
+            <a:r>
+              <a:rPr lang="en-US" altLang="zh-CN" b="1" dirty="0" err="1"/>
+              <a:t>cdn</a:t>
+            </a:r>
+            <a:r>
+              <a:rPr lang="zh-CN" altLang="en-US" b="1" dirty="0"/>
+              <a:t>资源</a:t>
+            </a:r>
+            <a:endParaRPr lang="zh-CN" altLang="en-US" dirty="0"/>
+          </a:p>
+        </p:txBody>
+      </p:sp>
+      <p:pic>
+        <p:nvPicPr>
+          <p:cNvPr id="4" name="内容占位符 3">
+            <a:extLst>
+              <a:ext uri="{FF2B5EF4-FFF2-40B4-BE49-F238E27FC236}">
+                <a16:creationId xmlns:a16="http://schemas.microsoft.com/office/drawing/2014/main" id="{CF9EA9B7-A86C-4240-9292-56540CB7575C}"/>
+              </a:ext>
+            </a:extLst>
+          </p:cNvPr>
+          <p:cNvPicPr>
+            <a:picLocks noGrp="1" noChangeAspect="1"/>
+          </p:cNvPicPr>
+          <p:nvPr>
+            <p:ph idx="1"/>
+          </p:nvPr>
+        </p:nvPicPr>
+        <p:blipFill>
+          <a:blip r:embed="rId2"/>
+          <a:stretch>
+            <a:fillRect/>
+          </a:stretch>
+        </p:blipFill>
+        <p:spPr>
+          <a:xfrm>
+            <a:off x="764627" y="4485234"/>
+            <a:ext cx="8801100" cy="2057400"/>
+          </a:xfrm>
+          <a:prstGeom prst="rect">
+            <a:avLst/>
+          </a:prstGeom>
+        </p:spPr>
+      </p:pic>
+      <p:pic>
+        <p:nvPicPr>
+          <p:cNvPr id="5" name="图片 4">
+            <a:extLst>
+              <a:ext uri="{FF2B5EF4-FFF2-40B4-BE49-F238E27FC236}">
+                <a16:creationId xmlns:a16="http://schemas.microsoft.com/office/drawing/2014/main" id="{5DB078DE-7D3B-4F2C-942F-3BCF4F7E8DC6}"/>
+              </a:ext>
+            </a:extLst>
+          </p:cNvPr>
+          <p:cNvPicPr>
+            <a:picLocks noChangeAspect="1"/>
+          </p:cNvPicPr>
+          <p:nvPr/>
+        </p:nvPicPr>
+        <p:blipFill>
+          <a:blip r:embed="rId3"/>
+          <a:stretch>
+            <a:fillRect/>
+          </a:stretch>
+        </p:blipFill>
+        <p:spPr>
+          <a:xfrm>
+            <a:off x="838200" y="1492634"/>
+            <a:ext cx="6810375" cy="2085975"/>
+          </a:xfrm>
+          <a:prstGeom prst="rect">
+            <a:avLst/>
+          </a:prstGeom>
+        </p:spPr>
+      </p:pic>
+      <p:pic>
+        <p:nvPicPr>
+          <p:cNvPr id="6" name="图片 5">
+            <a:extLst>
+              <a:ext uri="{FF2B5EF4-FFF2-40B4-BE49-F238E27FC236}">
+                <a16:creationId xmlns:a16="http://schemas.microsoft.com/office/drawing/2014/main" id="{041C5B0E-A4CD-4FB1-9535-90CE6A3895D9}"/>
+              </a:ext>
+            </a:extLst>
+          </p:cNvPr>
+          <p:cNvPicPr>
+            <a:picLocks noChangeAspect="1"/>
+          </p:cNvPicPr>
+          <p:nvPr/>
+        </p:nvPicPr>
+        <p:blipFill>
+          <a:blip r:embed="rId4"/>
+          <a:stretch>
+            <a:fillRect/>
+          </a:stretch>
+        </p:blipFill>
+        <p:spPr>
+          <a:xfrm>
+            <a:off x="7912154" y="1503144"/>
+            <a:ext cx="2905125" cy="1628775"/>
+          </a:xfrm>
+          <a:prstGeom prst="rect">
+            <a:avLst/>
+          </a:prstGeom>
+        </p:spPr>
+      </p:pic>
+      <p:pic>
+        <p:nvPicPr>
+          <p:cNvPr id="7" name="图片 6">
+            <a:extLst>
+              <a:ext uri="{FF2B5EF4-FFF2-40B4-BE49-F238E27FC236}">
+                <a16:creationId xmlns:a16="http://schemas.microsoft.com/office/drawing/2014/main" id="{13A90273-0B64-49D4-93ED-956ED26341AD}"/>
+              </a:ext>
+            </a:extLst>
+          </p:cNvPr>
+          <p:cNvPicPr>
+            <a:picLocks noChangeAspect="1"/>
+          </p:cNvPicPr>
+          <p:nvPr/>
+        </p:nvPicPr>
+        <p:blipFill>
+          <a:blip r:embed="rId5"/>
+          <a:stretch>
+            <a:fillRect/>
+          </a:stretch>
+        </p:blipFill>
+        <p:spPr>
+          <a:xfrm>
+            <a:off x="7912154" y="3256401"/>
+            <a:ext cx="3381375" cy="1162050"/>
+          </a:xfrm>
+          <a:prstGeom prst="rect">
+            <a:avLst/>
+          </a:prstGeom>
+        </p:spPr>
+      </p:pic>
+    </p:spTree>
+    <p:extLst>
+      <p:ext uri="{BB962C8B-B14F-4D97-AF65-F5344CB8AC3E}">
+        <p14:creationId xmlns:p14="http://schemas.microsoft.com/office/powerpoint/2010/main" val="3391810925"/>
+      </p:ext>
+    </p:extLst>
+  </p:cSld>
+  <p:clrMapOvr>
+    <a:masterClrMapping/>
+  </p:clrMapOvr>
+</p:sld>
+</file>
+
+<file path=ppt/slides/slide12.xml><?xml version="1.0" encoding="utf-8"?>
+<p:sld xmlns:a="http://schemas.openxmlformats.org/drawingml/2006/main" xmlns:r="http://schemas.openxmlformats.org/officeDocument/2006/relationships" xmlns:p="http://schemas.openxmlformats.org/presentationml/2006/main">
+  <p:cSld>
+    <p:spTree>
+      <p:nvGrpSpPr>
+        <p:cNvPr id="1" name=""/>
+        <p:cNvGrpSpPr/>
+        <p:nvPr/>
+      </p:nvGrpSpPr>
+      <p:grpSpPr>
+        <a:xfrm>
+          <a:off x="0" y="0"/>
+          <a:ext cx="0" cy="0"/>
+          <a:chOff x="0" y="0"/>
+          <a:chExt cx="0" cy="0"/>
+        </a:xfrm>
+      </p:grpSpPr>
+      <p:sp>
+        <p:nvSpPr>
+          <p:cNvPr id="2" name="标题 1">
+            <a:extLst>
+              <a:ext uri="{FF2B5EF4-FFF2-40B4-BE49-F238E27FC236}">
+                <a16:creationId xmlns:a16="http://schemas.microsoft.com/office/drawing/2014/main" id="{8453748D-7095-48E9-A34B-803B3E1CA6DF}"/>
+              </a:ext>
+            </a:extLst>
+          </p:cNvPr>
+          <p:cNvSpPr>
+            <a:spLocks noGrp="1"/>
+          </p:cNvSpPr>
+          <p:nvPr>
+            <p:ph type="title"/>
+          </p:nvPr>
+        </p:nvSpPr>
+        <p:spPr/>
+        <p:txBody>
+          <a:bodyPr/>
+          <a:lstStyle/>
+          <a:p>
+            <a:r>
+              <a:rPr lang="zh-CN" altLang="en-US" dirty="0"/>
+              <a:t>打包环境配置和</a:t>
+            </a:r>
+            <a:r>
+              <a:rPr lang="en-US" altLang="zh-CN" dirty="0"/>
+              <a:t>babel-</a:t>
+            </a:r>
+            <a:r>
+              <a:rPr lang="en-US" altLang="zh-CN" dirty="0" err="1"/>
+              <a:t>polyfill</a:t>
+            </a:r>
+            <a:endParaRPr lang="zh-CN" altLang="en-US" dirty="0"/>
+          </a:p>
+        </p:txBody>
+      </p:sp>
+      <p:pic>
+        <p:nvPicPr>
+          <p:cNvPr id="4" name="内容占位符 3">
+            <a:extLst>
+              <a:ext uri="{FF2B5EF4-FFF2-40B4-BE49-F238E27FC236}">
+                <a16:creationId xmlns:a16="http://schemas.microsoft.com/office/drawing/2014/main" id="{C6DA2931-5A7B-4CA2-9780-112DF5E6115B}"/>
+              </a:ext>
+            </a:extLst>
+          </p:cNvPr>
+          <p:cNvPicPr>
+            <a:picLocks noGrp="1" noChangeAspect="1"/>
+          </p:cNvPicPr>
+          <p:nvPr>
+            <p:ph idx="1"/>
+          </p:nvPr>
+        </p:nvPicPr>
+        <p:blipFill>
+          <a:blip r:embed="rId2"/>
+          <a:stretch>
+            <a:fillRect/>
+          </a:stretch>
+        </p:blipFill>
+        <p:spPr>
+          <a:xfrm>
+            <a:off x="838200" y="1690688"/>
+            <a:ext cx="9829800" cy="1905000"/>
+          </a:xfrm>
+          <a:prstGeom prst="rect">
+            <a:avLst/>
+          </a:prstGeom>
+        </p:spPr>
+      </p:pic>
+      <p:pic>
+        <p:nvPicPr>
+          <p:cNvPr id="5" name="图片 4">
+            <a:extLst>
+              <a:ext uri="{FF2B5EF4-FFF2-40B4-BE49-F238E27FC236}">
+                <a16:creationId xmlns:a16="http://schemas.microsoft.com/office/drawing/2014/main" id="{C2C7916F-58E4-43D9-B9C0-377639CBE010}"/>
+              </a:ext>
+            </a:extLst>
+          </p:cNvPr>
+          <p:cNvPicPr>
+            <a:picLocks noChangeAspect="1"/>
+          </p:cNvPicPr>
+          <p:nvPr/>
+        </p:nvPicPr>
+        <p:blipFill>
+          <a:blip r:embed="rId3"/>
+          <a:stretch>
+            <a:fillRect/>
+          </a:stretch>
+        </p:blipFill>
+        <p:spPr>
+          <a:xfrm>
+            <a:off x="838200" y="4136806"/>
+            <a:ext cx="5600700" cy="476250"/>
+          </a:xfrm>
+          <a:prstGeom prst="rect">
+            <a:avLst/>
+          </a:prstGeom>
+        </p:spPr>
+      </p:pic>
+    </p:spTree>
+    <p:extLst>
+      <p:ext uri="{BB962C8B-B14F-4D97-AF65-F5344CB8AC3E}">
+        <p14:creationId xmlns:p14="http://schemas.microsoft.com/office/powerpoint/2010/main" val="1362637602"/>
+      </p:ext>
+    </p:extLst>
+  </p:cSld>
+  <p:clrMapOvr>
+    <a:masterClrMapping/>
+  </p:clrMapOvr>
+</p:sld>
+</file>
+
+<file path=ppt/slides/slide13.xml><?xml version="1.0" encoding="utf-8"?>
+<p:sld xmlns:a="http://schemas.openxmlformats.org/drawingml/2006/main" xmlns:r="http://schemas.openxmlformats.org/officeDocument/2006/relationships" xmlns:p="http://schemas.openxmlformats.org/presentationml/2006/main">
+  <p:cSld>
+    <p:spTree>
+      <p:nvGrpSpPr>
+        <p:cNvPr id="1" name=""/>
+        <p:cNvGrpSpPr/>
+        <p:nvPr/>
+      </p:nvGrpSpPr>
+      <p:grpSpPr>
+        <a:xfrm>
+          <a:off x="0" y="0"/>
+          <a:ext cx="0" cy="0"/>
+          <a:chOff x="0" y="0"/>
+          <a:chExt cx="0" cy="0"/>
+        </a:xfrm>
+      </p:grpSpPr>
+      <p:sp>
+        <p:nvSpPr>
+          <p:cNvPr id="2" name="标题 1">
+            <a:extLst>
+              <a:ext uri="{FF2B5EF4-FFF2-40B4-BE49-F238E27FC236}">
                 <a16:creationId xmlns:a16="http://schemas.microsoft.com/office/drawing/2014/main" id="{842326CC-66E2-4459-A01E-E717E5EF55AD}"/>
               </a:ext>
             </a:extLst>
@@ -4420,86 +4872,6 @@
     <p:extLst>
       <p:ext uri="{BB962C8B-B14F-4D97-AF65-F5344CB8AC3E}">
         <p14:creationId xmlns:p14="http://schemas.microsoft.com/office/powerpoint/2010/main" val="220138568"/>
-      </p:ext>
-    </p:extLst>
-  </p:cSld>
-  <p:clrMapOvr>
-    <a:masterClrMapping/>
-  </p:clrMapOvr>
-</p:sld>
-</file>
-
-<file path=ppt/slides/slide11.xml><?xml version="1.0" encoding="utf-8"?>
-<p:sld xmlns:a="http://schemas.openxmlformats.org/drawingml/2006/main" xmlns:r="http://schemas.openxmlformats.org/officeDocument/2006/relationships" xmlns:p="http://schemas.openxmlformats.org/presentationml/2006/main">
-  <p:cSld>
-    <p:spTree>
-      <p:nvGrpSpPr>
-        <p:cNvPr id="1" name=""/>
-        <p:cNvGrpSpPr/>
-        <p:nvPr/>
-      </p:nvGrpSpPr>
-      <p:grpSpPr>
-        <a:xfrm>
-          <a:off x="0" y="0"/>
-          <a:ext cx="0" cy="0"/>
-          <a:chOff x="0" y="0"/>
-          <a:chExt cx="0" cy="0"/>
-        </a:xfrm>
-      </p:grpSpPr>
-      <p:sp>
-        <p:nvSpPr>
-          <p:cNvPr id="2" name="标题 1">
-            <a:extLst>
-              <a:ext uri="{FF2B5EF4-FFF2-40B4-BE49-F238E27FC236}">
-                <a16:creationId xmlns:a16="http://schemas.microsoft.com/office/drawing/2014/main" id="{C7A72104-81E9-4C30-8FF6-52E38914AD17}"/>
-              </a:ext>
-            </a:extLst>
-          </p:cNvPr>
-          <p:cNvSpPr>
-            <a:spLocks noGrp="1"/>
-          </p:cNvSpPr>
-          <p:nvPr>
-            <p:ph type="title"/>
-          </p:nvPr>
-        </p:nvSpPr>
-        <p:spPr/>
-        <p:txBody>
-          <a:bodyPr/>
-          <a:lstStyle/>
-          <a:p>
-            <a:endParaRPr lang="zh-CN" altLang="en-US"/>
-          </a:p>
-        </p:txBody>
-      </p:sp>
-      <p:sp>
-        <p:nvSpPr>
-          <p:cNvPr id="3" name="内容占位符 2">
-            <a:extLst>
-              <a:ext uri="{FF2B5EF4-FFF2-40B4-BE49-F238E27FC236}">
-                <a16:creationId xmlns:a16="http://schemas.microsoft.com/office/drawing/2014/main" id="{E8FD9013-7063-4E45-9751-EBC67F0F260F}"/>
-              </a:ext>
-            </a:extLst>
-          </p:cNvPr>
-          <p:cNvSpPr>
-            <a:spLocks noGrp="1"/>
-          </p:cNvSpPr>
-          <p:nvPr>
-            <p:ph idx="1"/>
-          </p:nvPr>
-        </p:nvSpPr>
-        <p:spPr/>
-        <p:txBody>
-          <a:bodyPr/>
-          <a:lstStyle/>
-          <a:p>
-            <a:endParaRPr lang="zh-CN" altLang="en-US"/>
-          </a:p>
-        </p:txBody>
-      </p:sp>
-    </p:spTree>
-    <p:extLst>
-      <p:ext uri="{BB962C8B-B14F-4D97-AF65-F5344CB8AC3E}">
-        <p14:creationId xmlns:p14="http://schemas.microsoft.com/office/powerpoint/2010/main" val="1076439889"/>
       </p:ext>
     </p:extLst>
   </p:cSld>
@@ -5714,7 +6086,7 @@
           <p:cNvPr id="2" name="标题 1">
             <a:extLst>
               <a:ext uri="{FF2B5EF4-FFF2-40B4-BE49-F238E27FC236}">
-                <a16:creationId xmlns:a16="http://schemas.microsoft.com/office/drawing/2014/main" id="{8453748D-7095-48E9-A34B-803B3E1CA6DF}"/>
+                <a16:creationId xmlns:a16="http://schemas.microsoft.com/office/drawing/2014/main" id="{C7A72104-81E9-4C30-8FF6-52E38914AD17}"/>
               </a:ext>
             </a:extLst>
           </p:cNvPr>
@@ -5730,39 +6102,139 @@
           <a:bodyPr/>
           <a:lstStyle/>
           <a:p>
-            <a:endParaRPr lang="zh-CN" altLang="en-US"/>
-          </a:p>
-        </p:txBody>
-      </p:sp>
-      <p:sp>
-        <p:nvSpPr>
-          <p:cNvPr id="3" name="内容占位符 2">
+            <a:r>
+              <a:rPr lang="zh-CN" altLang="en-US" dirty="0"/>
+              <a:t>环境配置和代理设置</a:t>
+            </a:r>
+          </a:p>
+        </p:txBody>
+      </p:sp>
+      <p:pic>
+        <p:nvPicPr>
+          <p:cNvPr id="4" name="内容占位符 3">
             <a:extLst>
               <a:ext uri="{FF2B5EF4-FFF2-40B4-BE49-F238E27FC236}">
-                <a16:creationId xmlns:a16="http://schemas.microsoft.com/office/drawing/2014/main" id="{A88AF2F9-F00D-4675-BF4C-6A5A646B86CD}"/>
+                <a16:creationId xmlns:a16="http://schemas.microsoft.com/office/drawing/2014/main" id="{86F19B34-3C2F-4D89-AF3D-35ABE663986E}"/>
               </a:ext>
             </a:extLst>
           </p:cNvPr>
-          <p:cNvSpPr>
-            <a:spLocks noGrp="1"/>
-          </p:cNvSpPr>
+          <p:cNvPicPr>
+            <a:picLocks noGrp="1" noChangeAspect="1"/>
+          </p:cNvPicPr>
           <p:nvPr>
             <p:ph idx="1"/>
           </p:nvPr>
-        </p:nvSpPr>
-        <p:spPr/>
-        <p:txBody>
-          <a:bodyPr/>
-          <a:lstStyle/>
-          <a:p>
-            <a:endParaRPr lang="zh-CN" altLang="en-US"/>
-          </a:p>
-        </p:txBody>
-      </p:sp>
+        </p:nvPicPr>
+        <p:blipFill>
+          <a:blip r:embed="rId2"/>
+          <a:stretch>
+            <a:fillRect/>
+          </a:stretch>
+        </p:blipFill>
+        <p:spPr>
+          <a:xfrm>
+            <a:off x="838200" y="1690686"/>
+            <a:ext cx="2867025" cy="1042003"/>
+          </a:xfrm>
+          <a:prstGeom prst="rect">
+            <a:avLst/>
+          </a:prstGeom>
+        </p:spPr>
+      </p:pic>
+      <p:pic>
+        <p:nvPicPr>
+          <p:cNvPr id="6" name="图片 5">
+            <a:extLst>
+              <a:ext uri="{FF2B5EF4-FFF2-40B4-BE49-F238E27FC236}">
+                <a16:creationId xmlns:a16="http://schemas.microsoft.com/office/drawing/2014/main" id="{8F8A1561-BDB6-45F4-8A96-3FF1758F70DD}"/>
+              </a:ext>
+            </a:extLst>
+          </p:cNvPr>
+          <p:cNvPicPr>
+            <a:picLocks noChangeAspect="1"/>
+          </p:cNvPicPr>
+          <p:nvPr/>
+        </p:nvPicPr>
+        <p:blipFill>
+          <a:blip r:embed="rId3"/>
+          <a:stretch>
+            <a:fillRect/>
+          </a:stretch>
+        </p:blipFill>
+        <p:spPr>
+          <a:xfrm>
+            <a:off x="4317124" y="1690688"/>
+            <a:ext cx="2867025" cy="1044246"/>
+          </a:xfrm>
+          <a:prstGeom prst="rect">
+            <a:avLst/>
+          </a:prstGeom>
+        </p:spPr>
+      </p:pic>
+      <p:pic>
+        <p:nvPicPr>
+          <p:cNvPr id="8" name="图片 7">
+            <a:extLst>
+              <a:ext uri="{FF2B5EF4-FFF2-40B4-BE49-F238E27FC236}">
+                <a16:creationId xmlns:a16="http://schemas.microsoft.com/office/drawing/2014/main" id="{FCF33D56-B8C2-49C0-BB1A-599932FE0FFE}"/>
+              </a:ext>
+            </a:extLst>
+          </p:cNvPr>
+          <p:cNvPicPr>
+            <a:picLocks noChangeAspect="1"/>
+          </p:cNvPicPr>
+          <p:nvPr/>
+        </p:nvPicPr>
+        <p:blipFill>
+          <a:blip r:embed="rId4"/>
+          <a:stretch>
+            <a:fillRect/>
+          </a:stretch>
+        </p:blipFill>
+        <p:spPr>
+          <a:xfrm>
+            <a:off x="838200" y="3429000"/>
+            <a:ext cx="4419600" cy="2800350"/>
+          </a:xfrm>
+          <a:prstGeom prst="rect">
+            <a:avLst/>
+          </a:prstGeom>
+        </p:spPr>
+      </p:pic>
+      <p:pic>
+        <p:nvPicPr>
+          <p:cNvPr id="9" name="图片 8">
+            <a:extLst>
+              <a:ext uri="{FF2B5EF4-FFF2-40B4-BE49-F238E27FC236}">
+                <a16:creationId xmlns:a16="http://schemas.microsoft.com/office/drawing/2014/main" id="{DDC11846-8D97-4C1E-BA87-5C253B64F286}"/>
+              </a:ext>
+            </a:extLst>
+          </p:cNvPr>
+          <p:cNvPicPr>
+            <a:picLocks noChangeAspect="1"/>
+          </p:cNvPicPr>
+          <p:nvPr/>
+        </p:nvPicPr>
+        <p:blipFill>
+          <a:blip r:embed="rId5"/>
+          <a:stretch>
+            <a:fillRect/>
+          </a:stretch>
+        </p:blipFill>
+        <p:spPr>
+          <a:xfrm>
+            <a:off x="5750636" y="2996487"/>
+            <a:ext cx="6010275" cy="3190875"/>
+          </a:xfrm>
+          <a:prstGeom prst="rect">
+            <a:avLst/>
+          </a:prstGeom>
+        </p:spPr>
+      </p:pic>
     </p:spTree>
     <p:extLst>
       <p:ext uri="{BB962C8B-B14F-4D97-AF65-F5344CB8AC3E}">
-        <p14:creationId xmlns:p14="http://schemas.microsoft.com/office/powerpoint/2010/main" val="1362637602"/>
+        <p14:creationId xmlns:p14="http://schemas.microsoft.com/office/powerpoint/2010/main" val="1076439889"/>
       </p:ext>
     </p:extLst>
   </p:cSld>

--- a/doc/vue-cli3.pptx
+++ b/doc/vue-cli3.pptx
@@ -5,7 +5,7 @@
     <p:sldMasterId id="2147483648" r:id="rId1"/>
   </p:sldMasterIdLst>
   <p:notesMasterIdLst>
-    <p:notesMasterId r:id="rId15"/>
+    <p:notesMasterId r:id="rId16"/>
   </p:notesMasterIdLst>
   <p:sldIdLst>
     <p:sldId id="256" r:id="rId2"/>
@@ -18,9 +18,10 @@
     <p:sldId id="263" r:id="rId9"/>
     <p:sldId id="266" r:id="rId10"/>
     <p:sldId id="268" r:id="rId11"/>
-    <p:sldId id="267" r:id="rId12"/>
-    <p:sldId id="265" r:id="rId13"/>
-    <p:sldId id="264" r:id="rId14"/>
+    <p:sldId id="269" r:id="rId12"/>
+    <p:sldId id="267" r:id="rId13"/>
+    <p:sldId id="265" r:id="rId14"/>
+    <p:sldId id="264" r:id="rId15"/>
   </p:sldIdLst>
   <p:sldSz cx="12192000" cy="6858000"/>
   <p:notesSz cx="6858000" cy="9144000"/>
@@ -4423,6 +4424,96 @@
           <p:cNvPr id="2" name="标题 1">
             <a:extLst>
               <a:ext uri="{FF2B5EF4-FFF2-40B4-BE49-F238E27FC236}">
+                <a16:creationId xmlns:a16="http://schemas.microsoft.com/office/drawing/2014/main" id="{D0428A56-9F93-42F3-BA06-8146651E0836}"/>
+              </a:ext>
+            </a:extLst>
+          </p:cNvPr>
+          <p:cNvSpPr>
+            <a:spLocks noGrp="1"/>
+          </p:cNvSpPr>
+          <p:nvPr>
+            <p:ph type="title"/>
+          </p:nvPr>
+        </p:nvSpPr>
+        <p:spPr/>
+        <p:txBody>
+          <a:bodyPr/>
+          <a:lstStyle/>
+          <a:p>
+            <a:r>
+              <a:rPr lang="zh-CN" altLang="en-US" dirty="0"/>
+              <a:t>压缩和分割代码</a:t>
+            </a:r>
+          </a:p>
+        </p:txBody>
+      </p:sp>
+      <p:pic>
+        <p:nvPicPr>
+          <p:cNvPr id="4" name="内容占位符 3">
+            <a:extLst>
+              <a:ext uri="{FF2B5EF4-FFF2-40B4-BE49-F238E27FC236}">
+                <a16:creationId xmlns:a16="http://schemas.microsoft.com/office/drawing/2014/main" id="{38A543ED-C43C-4CD5-97AC-BE8F0CB928F2}"/>
+              </a:ext>
+            </a:extLst>
+          </p:cNvPr>
+          <p:cNvPicPr>
+            <a:picLocks noGrp="1" noChangeAspect="1"/>
+          </p:cNvPicPr>
+          <p:nvPr>
+            <p:ph idx="1"/>
+          </p:nvPr>
+        </p:nvPicPr>
+        <p:blipFill>
+          <a:blip r:embed="rId2"/>
+          <a:stretch>
+            <a:fillRect/>
+          </a:stretch>
+        </p:blipFill>
+        <p:spPr>
+          <a:xfrm>
+            <a:off x="838200" y="1594397"/>
+            <a:ext cx="5662201" cy="4351338"/>
+          </a:xfrm>
+          <a:prstGeom prst="rect">
+            <a:avLst/>
+          </a:prstGeom>
+        </p:spPr>
+      </p:pic>
+    </p:spTree>
+    <p:extLst>
+      <p:ext uri="{BB962C8B-B14F-4D97-AF65-F5344CB8AC3E}">
+        <p14:creationId xmlns:p14="http://schemas.microsoft.com/office/powerpoint/2010/main" val="3809169867"/>
+      </p:ext>
+    </p:extLst>
+  </p:cSld>
+  <p:clrMapOvr>
+    <a:masterClrMapping/>
+  </p:clrMapOvr>
+</p:sld>
+</file>
+
+<file path=ppt/slides/slide12.xml><?xml version="1.0" encoding="utf-8"?>
+<p:sld xmlns:a="http://schemas.openxmlformats.org/drawingml/2006/main" xmlns:r="http://schemas.openxmlformats.org/officeDocument/2006/relationships" xmlns:p="http://schemas.openxmlformats.org/presentationml/2006/main">
+  <p:cSld>
+    <p:spTree>
+      <p:nvGrpSpPr>
+        <p:cNvPr id="1" name=""/>
+        <p:cNvGrpSpPr/>
+        <p:nvPr/>
+      </p:nvGrpSpPr>
+      <p:grpSpPr>
+        <a:xfrm>
+          <a:off x="0" y="0"/>
+          <a:ext cx="0" cy="0"/>
+          <a:chOff x="0" y="0"/>
+          <a:chExt cx="0" cy="0"/>
+        </a:xfrm>
+      </p:grpSpPr>
+      <p:sp>
+        <p:nvSpPr>
+          <p:cNvPr id="2" name="标题 1">
+            <a:extLst>
+              <a:ext uri="{FF2B5EF4-FFF2-40B4-BE49-F238E27FC236}">
                 <a16:creationId xmlns:a16="http://schemas.microsoft.com/office/drawing/2014/main" id="{B7B4824E-59F2-4BEF-BED7-4F9976B41180}"/>
               </a:ext>
             </a:extLst>
@@ -4598,7 +4689,7 @@
 </p:sld>
 </file>
 
-<file path=ppt/slides/slide12.xml><?xml version="1.0" encoding="utf-8"?>
+<file path=ppt/slides/slide13.xml><?xml version="1.0" encoding="utf-8"?>
 <p:sld xmlns:a="http://schemas.openxmlformats.org/drawingml/2006/main" xmlns:r="http://schemas.openxmlformats.org/officeDocument/2006/relationships" xmlns:p="http://schemas.openxmlformats.org/presentationml/2006/main">
   <p:cSld>
     <p:spTree>
@@ -4727,7 +4818,7 @@
 </p:sld>
 </file>
 
-<file path=ppt/slides/slide13.xml><?xml version="1.0" encoding="utf-8"?>
+<file path=ppt/slides/slide14.xml><?xml version="1.0" encoding="utf-8"?>
 <p:sld xmlns:a="http://schemas.openxmlformats.org/drawingml/2006/main" xmlns:r="http://schemas.openxmlformats.org/officeDocument/2006/relationships" xmlns:p="http://schemas.openxmlformats.org/presentationml/2006/main">
   <p:cSld>
     <p:spTree>

--- a/doc/vue-cli3.pptx
+++ b/doc/vue-cli3.pptx
@@ -5,7 +5,7 @@
     <p:sldMasterId id="2147483648" r:id="rId1"/>
   </p:sldMasterIdLst>
   <p:notesMasterIdLst>
-    <p:notesMasterId r:id="rId16"/>
+    <p:notesMasterId r:id="rId17"/>
   </p:notesMasterIdLst>
   <p:sldIdLst>
     <p:sldId id="256" r:id="rId2"/>
@@ -19,9 +19,10 @@
     <p:sldId id="266" r:id="rId10"/>
     <p:sldId id="268" r:id="rId11"/>
     <p:sldId id="269" r:id="rId12"/>
-    <p:sldId id="267" r:id="rId13"/>
-    <p:sldId id="265" r:id="rId14"/>
-    <p:sldId id="264" r:id="rId15"/>
+    <p:sldId id="270" r:id="rId13"/>
+    <p:sldId id="267" r:id="rId14"/>
+    <p:sldId id="265" r:id="rId15"/>
+    <p:sldId id="264" r:id="rId16"/>
   </p:sldIdLst>
   <p:sldSz cx="12192000" cy="6858000"/>
   <p:notesSz cx="6858000" cy="9144000"/>
@@ -210,7 +211,7 @@
           <a:p>
             <a:fld id="{3A8FA370-709D-4F72-8E6C-0710CCA00D33}" type="datetimeFigureOut">
               <a:rPr lang="zh-CN" altLang="en-US" smtClean="0"/>
-              <a:t>2019/7/11</a:t>
+              <a:t>2019/7/15</a:t>
             </a:fld>
             <a:endParaRPr lang="zh-CN" altLang="en-US"/>
           </a:p>
@@ -1509,7 +1510,7 @@
           <a:p>
             <a:fld id="{3A737EFC-D787-6544-BBED-AC7F5B40DC0C}" type="datetimeFigureOut">
               <a:rPr kumimoji="1" lang="zh-CN" altLang="en-US" smtClean="0"/>
-              <a:t>2019/7/11</a:t>
+              <a:t>2019/7/15</a:t>
             </a:fld>
             <a:endParaRPr kumimoji="1" lang="zh-CN" altLang="en-US"/>
           </a:p>
@@ -1677,7 +1678,7 @@
           <a:p>
             <a:fld id="{3A737EFC-D787-6544-BBED-AC7F5B40DC0C}" type="datetimeFigureOut">
               <a:rPr kumimoji="1" lang="zh-CN" altLang="en-US" smtClean="0"/>
-              <a:t>2019/7/11</a:t>
+              <a:t>2019/7/15</a:t>
             </a:fld>
             <a:endParaRPr kumimoji="1" lang="zh-CN" altLang="en-US"/>
           </a:p>
@@ -1855,7 +1856,7 @@
           <a:p>
             <a:fld id="{3A737EFC-D787-6544-BBED-AC7F5B40DC0C}" type="datetimeFigureOut">
               <a:rPr kumimoji="1" lang="zh-CN" altLang="en-US" smtClean="0"/>
-              <a:t>2019/7/11</a:t>
+              <a:t>2019/7/15</a:t>
             </a:fld>
             <a:endParaRPr kumimoji="1" lang="zh-CN" altLang="en-US"/>
           </a:p>
@@ -2023,7 +2024,7 @@
           <a:p>
             <a:fld id="{3A737EFC-D787-6544-BBED-AC7F5B40DC0C}" type="datetimeFigureOut">
               <a:rPr kumimoji="1" lang="zh-CN" altLang="en-US" smtClean="0"/>
-              <a:t>2019/7/11</a:t>
+              <a:t>2019/7/15</a:t>
             </a:fld>
             <a:endParaRPr kumimoji="1" lang="zh-CN" altLang="en-US"/>
           </a:p>
@@ -2268,7 +2269,7 @@
           <a:p>
             <a:fld id="{3A737EFC-D787-6544-BBED-AC7F5B40DC0C}" type="datetimeFigureOut">
               <a:rPr kumimoji="1" lang="zh-CN" altLang="en-US" smtClean="0"/>
-              <a:t>2019/7/11</a:t>
+              <a:t>2019/7/15</a:t>
             </a:fld>
             <a:endParaRPr kumimoji="1" lang="zh-CN" altLang="en-US"/>
           </a:p>
@@ -2497,7 +2498,7 @@
           <a:p>
             <a:fld id="{3A737EFC-D787-6544-BBED-AC7F5B40DC0C}" type="datetimeFigureOut">
               <a:rPr kumimoji="1" lang="zh-CN" altLang="en-US" smtClean="0"/>
-              <a:t>2019/7/11</a:t>
+              <a:t>2019/7/15</a:t>
             </a:fld>
             <a:endParaRPr kumimoji="1" lang="zh-CN" altLang="en-US"/>
           </a:p>
@@ -2861,7 +2862,7 @@
           <a:p>
             <a:fld id="{3A737EFC-D787-6544-BBED-AC7F5B40DC0C}" type="datetimeFigureOut">
               <a:rPr kumimoji="1" lang="zh-CN" altLang="en-US" smtClean="0"/>
-              <a:t>2019/7/11</a:t>
+              <a:t>2019/7/15</a:t>
             </a:fld>
             <a:endParaRPr kumimoji="1" lang="zh-CN" altLang="en-US"/>
           </a:p>
@@ -2978,7 +2979,7 @@
           <a:p>
             <a:fld id="{3A737EFC-D787-6544-BBED-AC7F5B40DC0C}" type="datetimeFigureOut">
               <a:rPr kumimoji="1" lang="zh-CN" altLang="en-US" smtClean="0"/>
-              <a:t>2019/7/11</a:t>
+              <a:t>2019/7/15</a:t>
             </a:fld>
             <a:endParaRPr kumimoji="1" lang="zh-CN" altLang="en-US"/>
           </a:p>
@@ -3073,7 +3074,7 @@
           <a:p>
             <a:fld id="{3A737EFC-D787-6544-BBED-AC7F5B40DC0C}" type="datetimeFigureOut">
               <a:rPr kumimoji="1" lang="zh-CN" altLang="en-US" smtClean="0"/>
-              <a:t>2019/7/11</a:t>
+              <a:t>2019/7/15</a:t>
             </a:fld>
             <a:endParaRPr kumimoji="1" lang="zh-CN" altLang="en-US"/>
           </a:p>
@@ -3348,7 +3349,7 @@
           <a:p>
             <a:fld id="{3A737EFC-D787-6544-BBED-AC7F5B40DC0C}" type="datetimeFigureOut">
               <a:rPr kumimoji="1" lang="zh-CN" altLang="en-US" smtClean="0"/>
-              <a:t>2019/7/11</a:t>
+              <a:t>2019/7/15</a:t>
             </a:fld>
             <a:endParaRPr kumimoji="1" lang="zh-CN" altLang="en-US"/>
           </a:p>
@@ -3600,7 +3601,7 @@
           <a:p>
             <a:fld id="{3A737EFC-D787-6544-BBED-AC7F5B40DC0C}" type="datetimeFigureOut">
               <a:rPr kumimoji="1" lang="zh-CN" altLang="en-US" smtClean="0"/>
-              <a:t>2019/7/11</a:t>
+              <a:t>2019/7/15</a:t>
             </a:fld>
             <a:endParaRPr kumimoji="1" lang="zh-CN" altLang="en-US"/>
           </a:p>
@@ -3811,7 +3812,7 @@
           <a:p>
             <a:fld id="{3A737EFC-D787-6544-BBED-AC7F5B40DC0C}" type="datetimeFigureOut">
               <a:rPr kumimoji="1" lang="zh-CN" altLang="en-US" smtClean="0"/>
-              <a:t>2019/7/11</a:t>
+              <a:t>2019/7/15</a:t>
             </a:fld>
             <a:endParaRPr kumimoji="1" lang="zh-CN" altLang="en-US"/>
           </a:p>
@@ -4442,7 +4443,7 @@
           <a:p>
             <a:r>
               <a:rPr lang="zh-CN" altLang="en-US" dirty="0"/>
-              <a:t>压缩和分割代码</a:t>
+              <a:t>压缩、分割代码</a:t>
             </a:r>
           </a:p>
         </p:txBody>
@@ -4493,6 +4494,109 @@
 </file>
 
 <file path=ppt/slides/slide12.xml><?xml version="1.0" encoding="utf-8"?>
+<p:sld xmlns:a="http://schemas.openxmlformats.org/drawingml/2006/main" xmlns:r="http://schemas.openxmlformats.org/officeDocument/2006/relationships" xmlns:p="http://schemas.openxmlformats.org/presentationml/2006/main">
+  <p:cSld>
+    <p:spTree>
+      <p:nvGrpSpPr>
+        <p:cNvPr id="1" name=""/>
+        <p:cNvGrpSpPr/>
+        <p:nvPr/>
+      </p:nvGrpSpPr>
+      <p:grpSpPr>
+        <a:xfrm>
+          <a:off x="0" y="0"/>
+          <a:ext cx="0" cy="0"/>
+          <a:chOff x="0" y="0"/>
+          <a:chExt cx="0" cy="0"/>
+        </a:xfrm>
+      </p:grpSpPr>
+      <p:sp>
+        <p:nvSpPr>
+          <p:cNvPr id="2" name="标题 1">
+            <a:extLst>
+              <a:ext uri="{FF2B5EF4-FFF2-40B4-BE49-F238E27FC236}">
+                <a16:creationId xmlns:a16="http://schemas.microsoft.com/office/drawing/2014/main" id="{66865105-F5D1-4C8D-9036-D8BFEFE28F9A}"/>
+              </a:ext>
+            </a:extLst>
+          </p:cNvPr>
+          <p:cNvSpPr>
+            <a:spLocks noGrp="1"/>
+          </p:cNvSpPr>
+          <p:nvPr>
+            <p:ph type="title"/>
+          </p:nvPr>
+        </p:nvSpPr>
+        <p:spPr/>
+        <p:txBody>
+          <a:bodyPr/>
+          <a:lstStyle/>
+          <a:p>
+            <a:r>
+              <a:rPr lang="zh-CN" altLang="en-US" dirty="0"/>
+              <a:t>删除线上环境</a:t>
+            </a:r>
+            <a:r>
+              <a:rPr lang="en-US" altLang="zh-CN" dirty="0"/>
+              <a:t>console.log</a:t>
+            </a:r>
+            <a:r>
+              <a:rPr lang="zh-CN" altLang="en-US" dirty="0"/>
+              <a:t>和</a:t>
+            </a:r>
+            <a:r>
+              <a:rPr lang="en-US" altLang="zh-CN" dirty="0"/>
+              <a:t>debugger</a:t>
+            </a:r>
+            <a:endParaRPr lang="zh-CN" altLang="en-US" dirty="0"/>
+          </a:p>
+        </p:txBody>
+      </p:sp>
+      <p:pic>
+        <p:nvPicPr>
+          <p:cNvPr id="4" name="内容占位符 3">
+            <a:extLst>
+              <a:ext uri="{FF2B5EF4-FFF2-40B4-BE49-F238E27FC236}">
+                <a16:creationId xmlns:a16="http://schemas.microsoft.com/office/drawing/2014/main" id="{C453A5A1-7905-4293-89B1-F9C6BC585D82}"/>
+              </a:ext>
+            </a:extLst>
+          </p:cNvPr>
+          <p:cNvPicPr>
+            <a:picLocks noGrp="1" noChangeAspect="1"/>
+          </p:cNvPicPr>
+          <p:nvPr>
+            <p:ph idx="1"/>
+          </p:nvPr>
+        </p:nvPicPr>
+        <p:blipFill>
+          <a:blip r:embed="rId2"/>
+          <a:stretch>
+            <a:fillRect/>
+          </a:stretch>
+        </p:blipFill>
+        <p:spPr>
+          <a:xfrm>
+            <a:off x="838200" y="1690688"/>
+            <a:ext cx="10096500" cy="933450"/>
+          </a:xfrm>
+          <a:prstGeom prst="rect">
+            <a:avLst/>
+          </a:prstGeom>
+        </p:spPr>
+      </p:pic>
+    </p:spTree>
+    <p:extLst>
+      <p:ext uri="{BB962C8B-B14F-4D97-AF65-F5344CB8AC3E}">
+        <p14:creationId xmlns:p14="http://schemas.microsoft.com/office/powerpoint/2010/main" val="2764698145"/>
+      </p:ext>
+    </p:extLst>
+  </p:cSld>
+  <p:clrMapOvr>
+    <a:masterClrMapping/>
+  </p:clrMapOvr>
+</p:sld>
+</file>
+
+<file path=ppt/slides/slide13.xml><?xml version="1.0" encoding="utf-8"?>
 <p:sld xmlns:a="http://schemas.openxmlformats.org/drawingml/2006/main" xmlns:r="http://schemas.openxmlformats.org/officeDocument/2006/relationships" xmlns:p="http://schemas.openxmlformats.org/presentationml/2006/main">
   <p:cSld>
     <p:spTree>
@@ -4689,7 +4793,7 @@
 </p:sld>
 </file>
 
-<file path=ppt/slides/slide13.xml><?xml version="1.0" encoding="utf-8"?>
+<file path=ppt/slides/slide14.xml><?xml version="1.0" encoding="utf-8"?>
 <p:sld xmlns:a="http://schemas.openxmlformats.org/drawingml/2006/main" xmlns:r="http://schemas.openxmlformats.org/officeDocument/2006/relationships" xmlns:p="http://schemas.openxmlformats.org/presentationml/2006/main">
   <p:cSld>
     <p:spTree>
@@ -4805,6 +4909,36 @@
           </a:prstGeom>
         </p:spPr>
       </p:pic>
+      <p:pic>
+        <p:nvPicPr>
+          <p:cNvPr id="3" name="图片 2">
+            <a:extLst>
+              <a:ext uri="{FF2B5EF4-FFF2-40B4-BE49-F238E27FC236}">
+                <a16:creationId xmlns:a16="http://schemas.microsoft.com/office/drawing/2014/main" id="{98DB7BA4-2EFF-4E64-B855-841152DC0546}"/>
+              </a:ext>
+            </a:extLst>
+          </p:cNvPr>
+          <p:cNvPicPr>
+            <a:picLocks noChangeAspect="1"/>
+          </p:cNvPicPr>
+          <p:nvPr/>
+        </p:nvPicPr>
+        <p:blipFill>
+          <a:blip r:embed="rId4"/>
+          <a:stretch>
+            <a:fillRect/>
+          </a:stretch>
+        </p:blipFill>
+        <p:spPr>
+          <a:xfrm>
+            <a:off x="838200" y="4850306"/>
+            <a:ext cx="4191000" cy="1181100"/>
+          </a:xfrm>
+          <a:prstGeom prst="rect">
+            <a:avLst/>
+          </a:prstGeom>
+        </p:spPr>
+      </p:pic>
     </p:spTree>
     <p:extLst>
       <p:ext uri="{BB962C8B-B14F-4D97-AF65-F5344CB8AC3E}">
@@ -4818,7 +4952,7 @@
 </p:sld>
 </file>
 
-<file path=ppt/slides/slide14.xml><?xml version="1.0" encoding="utf-8"?>
+<file path=ppt/slides/slide15.xml><?xml version="1.0" encoding="utf-8"?>
 <p:sld xmlns:a="http://schemas.openxmlformats.org/drawingml/2006/main" xmlns:r="http://schemas.openxmlformats.org/officeDocument/2006/relationships" xmlns:p="http://schemas.openxmlformats.org/presentationml/2006/main">
   <p:cSld>
     <p:spTree>

--- a/doc/vue-cli3.pptx
+++ b/doc/vue-cli3.pptx
@@ -211,7 +211,7 @@
           <a:p>
             <a:fld id="{3A8FA370-709D-4F72-8E6C-0710CCA00D33}" type="datetimeFigureOut">
               <a:rPr lang="zh-CN" altLang="en-US" smtClean="0"/>
-              <a:t>2019/7/15</a:t>
+              <a:t>2019/7/16</a:t>
             </a:fld>
             <a:endParaRPr lang="zh-CN" altLang="en-US"/>
           </a:p>
@@ -1510,7 +1510,7 @@
           <a:p>
             <a:fld id="{3A737EFC-D787-6544-BBED-AC7F5B40DC0C}" type="datetimeFigureOut">
               <a:rPr kumimoji="1" lang="zh-CN" altLang="en-US" smtClean="0"/>
-              <a:t>2019/7/15</a:t>
+              <a:t>2019/7/16</a:t>
             </a:fld>
             <a:endParaRPr kumimoji="1" lang="zh-CN" altLang="en-US"/>
           </a:p>
@@ -1678,7 +1678,7 @@
           <a:p>
             <a:fld id="{3A737EFC-D787-6544-BBED-AC7F5B40DC0C}" type="datetimeFigureOut">
               <a:rPr kumimoji="1" lang="zh-CN" altLang="en-US" smtClean="0"/>
-              <a:t>2019/7/15</a:t>
+              <a:t>2019/7/16</a:t>
             </a:fld>
             <a:endParaRPr kumimoji="1" lang="zh-CN" altLang="en-US"/>
           </a:p>
@@ -1856,7 +1856,7 @@
           <a:p>
             <a:fld id="{3A737EFC-D787-6544-BBED-AC7F5B40DC0C}" type="datetimeFigureOut">
               <a:rPr kumimoji="1" lang="zh-CN" altLang="en-US" smtClean="0"/>
-              <a:t>2019/7/15</a:t>
+              <a:t>2019/7/16</a:t>
             </a:fld>
             <a:endParaRPr kumimoji="1" lang="zh-CN" altLang="en-US"/>
           </a:p>
@@ -2024,7 +2024,7 @@
           <a:p>
             <a:fld id="{3A737EFC-D787-6544-BBED-AC7F5B40DC0C}" type="datetimeFigureOut">
               <a:rPr kumimoji="1" lang="zh-CN" altLang="en-US" smtClean="0"/>
-              <a:t>2019/7/15</a:t>
+              <a:t>2019/7/16</a:t>
             </a:fld>
             <a:endParaRPr kumimoji="1" lang="zh-CN" altLang="en-US"/>
           </a:p>
@@ -2269,7 +2269,7 @@
           <a:p>
             <a:fld id="{3A737EFC-D787-6544-BBED-AC7F5B40DC0C}" type="datetimeFigureOut">
               <a:rPr kumimoji="1" lang="zh-CN" altLang="en-US" smtClean="0"/>
-              <a:t>2019/7/15</a:t>
+              <a:t>2019/7/16</a:t>
             </a:fld>
             <a:endParaRPr kumimoji="1" lang="zh-CN" altLang="en-US"/>
           </a:p>
@@ -2498,7 +2498,7 @@
           <a:p>
             <a:fld id="{3A737EFC-D787-6544-BBED-AC7F5B40DC0C}" type="datetimeFigureOut">
               <a:rPr kumimoji="1" lang="zh-CN" altLang="en-US" smtClean="0"/>
-              <a:t>2019/7/15</a:t>
+              <a:t>2019/7/16</a:t>
             </a:fld>
             <a:endParaRPr kumimoji="1" lang="zh-CN" altLang="en-US"/>
           </a:p>
@@ -2862,7 +2862,7 @@
           <a:p>
             <a:fld id="{3A737EFC-D787-6544-BBED-AC7F5B40DC0C}" type="datetimeFigureOut">
               <a:rPr kumimoji="1" lang="zh-CN" altLang="en-US" smtClean="0"/>
-              <a:t>2019/7/15</a:t>
+              <a:t>2019/7/16</a:t>
             </a:fld>
             <a:endParaRPr kumimoji="1" lang="zh-CN" altLang="en-US"/>
           </a:p>
@@ -2979,7 +2979,7 @@
           <a:p>
             <a:fld id="{3A737EFC-D787-6544-BBED-AC7F5B40DC0C}" type="datetimeFigureOut">
               <a:rPr kumimoji="1" lang="zh-CN" altLang="en-US" smtClean="0"/>
-              <a:t>2019/7/15</a:t>
+              <a:t>2019/7/16</a:t>
             </a:fld>
             <a:endParaRPr kumimoji="1" lang="zh-CN" altLang="en-US"/>
           </a:p>
@@ -3074,7 +3074,7 @@
           <a:p>
             <a:fld id="{3A737EFC-D787-6544-BBED-AC7F5B40DC0C}" type="datetimeFigureOut">
               <a:rPr kumimoji="1" lang="zh-CN" altLang="en-US" smtClean="0"/>
-              <a:t>2019/7/15</a:t>
+              <a:t>2019/7/16</a:t>
             </a:fld>
             <a:endParaRPr kumimoji="1" lang="zh-CN" altLang="en-US"/>
           </a:p>
@@ -3349,7 +3349,7 @@
           <a:p>
             <a:fld id="{3A737EFC-D787-6544-BBED-AC7F5B40DC0C}" type="datetimeFigureOut">
               <a:rPr kumimoji="1" lang="zh-CN" altLang="en-US" smtClean="0"/>
-              <a:t>2019/7/15</a:t>
+              <a:t>2019/7/16</a:t>
             </a:fld>
             <a:endParaRPr kumimoji="1" lang="zh-CN" altLang="en-US"/>
           </a:p>
@@ -3601,7 +3601,7 @@
           <a:p>
             <a:fld id="{3A737EFC-D787-6544-BBED-AC7F5B40DC0C}" type="datetimeFigureOut">
               <a:rPr kumimoji="1" lang="zh-CN" altLang="en-US" smtClean="0"/>
-              <a:t>2019/7/15</a:t>
+              <a:t>2019/7/16</a:t>
             </a:fld>
             <a:endParaRPr kumimoji="1" lang="zh-CN" altLang="en-US"/>
           </a:p>
@@ -3812,7 +3812,7 @@
           <a:p>
             <a:fld id="{3A737EFC-D787-6544-BBED-AC7F5B40DC0C}" type="datetimeFigureOut">
               <a:rPr kumimoji="1" lang="zh-CN" altLang="en-US" smtClean="0"/>
-              <a:t>2019/7/15</a:t>
+              <a:t>2019/7/16</a:t>
             </a:fld>
             <a:endParaRPr kumimoji="1" lang="zh-CN" altLang="en-US"/>
           </a:p>
@@ -4575,8 +4575,38 @@
         </p:blipFill>
         <p:spPr>
           <a:xfrm>
-            <a:off x="838200" y="1690688"/>
+            <a:off x="838200" y="1659158"/>
             <a:ext cx="10096500" cy="933450"/>
+          </a:xfrm>
+          <a:prstGeom prst="rect">
+            <a:avLst/>
+          </a:prstGeom>
+        </p:spPr>
+      </p:pic>
+      <p:pic>
+        <p:nvPicPr>
+          <p:cNvPr id="3" name="图片 2">
+            <a:extLst>
+              <a:ext uri="{FF2B5EF4-FFF2-40B4-BE49-F238E27FC236}">
+                <a16:creationId xmlns:a16="http://schemas.microsoft.com/office/drawing/2014/main" id="{E9A474A5-AF0B-4764-BB3F-1BEBC9B5838D}"/>
+              </a:ext>
+            </a:extLst>
+          </p:cNvPr>
+          <p:cNvPicPr>
+            <a:picLocks noChangeAspect="1"/>
+          </p:cNvPicPr>
+          <p:nvPr/>
+        </p:nvPicPr>
+        <p:blipFill>
+          <a:blip r:embed="rId3"/>
+          <a:stretch>
+            <a:fillRect/>
+          </a:stretch>
+        </p:blipFill>
+        <p:spPr>
+          <a:xfrm>
+            <a:off x="838200" y="2751575"/>
+            <a:ext cx="7667625" cy="3667125"/>
           </a:xfrm>
           <a:prstGeom prst="rect">
             <a:avLst/>

--- a/doc/vue-cli3.pptx
+++ b/doc/vue-cli3.pptx
@@ -5,7 +5,7 @@
     <p:sldMasterId id="2147483648" r:id="rId1"/>
   </p:sldMasterIdLst>
   <p:notesMasterIdLst>
-    <p:notesMasterId r:id="rId17"/>
+    <p:notesMasterId r:id="rId18"/>
   </p:notesMasterIdLst>
   <p:sldIdLst>
     <p:sldId id="256" r:id="rId2"/>
@@ -23,6 +23,7 @@
     <p:sldId id="267" r:id="rId14"/>
     <p:sldId id="265" r:id="rId15"/>
     <p:sldId id="264" r:id="rId16"/>
+    <p:sldId id="271" r:id="rId17"/>
   </p:sldIdLst>
   <p:sldSz cx="12192000" cy="6858000"/>
   <p:notesSz cx="6858000" cy="9144000"/>
@@ -211,7 +212,7 @@
           <a:p>
             <a:fld id="{3A8FA370-709D-4F72-8E6C-0710CCA00D33}" type="datetimeFigureOut">
               <a:rPr lang="zh-CN" altLang="en-US" smtClean="0"/>
-              <a:t>2019/7/16</a:t>
+              <a:t>2019/7/17</a:t>
             </a:fld>
             <a:endParaRPr lang="zh-CN" altLang="en-US"/>
           </a:p>
@@ -1510,7 +1511,7 @@
           <a:p>
             <a:fld id="{3A737EFC-D787-6544-BBED-AC7F5B40DC0C}" type="datetimeFigureOut">
               <a:rPr kumimoji="1" lang="zh-CN" altLang="en-US" smtClean="0"/>
-              <a:t>2019/7/16</a:t>
+              <a:t>2019/7/17</a:t>
             </a:fld>
             <a:endParaRPr kumimoji="1" lang="zh-CN" altLang="en-US"/>
           </a:p>
@@ -1678,7 +1679,7 @@
           <a:p>
             <a:fld id="{3A737EFC-D787-6544-BBED-AC7F5B40DC0C}" type="datetimeFigureOut">
               <a:rPr kumimoji="1" lang="zh-CN" altLang="en-US" smtClean="0"/>
-              <a:t>2019/7/16</a:t>
+              <a:t>2019/7/17</a:t>
             </a:fld>
             <a:endParaRPr kumimoji="1" lang="zh-CN" altLang="en-US"/>
           </a:p>
@@ -1856,7 +1857,7 @@
           <a:p>
             <a:fld id="{3A737EFC-D787-6544-BBED-AC7F5B40DC0C}" type="datetimeFigureOut">
               <a:rPr kumimoji="1" lang="zh-CN" altLang="en-US" smtClean="0"/>
-              <a:t>2019/7/16</a:t>
+              <a:t>2019/7/17</a:t>
             </a:fld>
             <a:endParaRPr kumimoji="1" lang="zh-CN" altLang="en-US"/>
           </a:p>
@@ -2024,7 +2025,7 @@
           <a:p>
             <a:fld id="{3A737EFC-D787-6544-BBED-AC7F5B40DC0C}" type="datetimeFigureOut">
               <a:rPr kumimoji="1" lang="zh-CN" altLang="en-US" smtClean="0"/>
-              <a:t>2019/7/16</a:t>
+              <a:t>2019/7/17</a:t>
             </a:fld>
             <a:endParaRPr kumimoji="1" lang="zh-CN" altLang="en-US"/>
           </a:p>
@@ -2269,7 +2270,7 @@
           <a:p>
             <a:fld id="{3A737EFC-D787-6544-BBED-AC7F5B40DC0C}" type="datetimeFigureOut">
               <a:rPr kumimoji="1" lang="zh-CN" altLang="en-US" smtClean="0"/>
-              <a:t>2019/7/16</a:t>
+              <a:t>2019/7/17</a:t>
             </a:fld>
             <a:endParaRPr kumimoji="1" lang="zh-CN" altLang="en-US"/>
           </a:p>
@@ -2498,7 +2499,7 @@
           <a:p>
             <a:fld id="{3A737EFC-D787-6544-BBED-AC7F5B40DC0C}" type="datetimeFigureOut">
               <a:rPr kumimoji="1" lang="zh-CN" altLang="en-US" smtClean="0"/>
-              <a:t>2019/7/16</a:t>
+              <a:t>2019/7/17</a:t>
             </a:fld>
             <a:endParaRPr kumimoji="1" lang="zh-CN" altLang="en-US"/>
           </a:p>
@@ -2862,7 +2863,7 @@
           <a:p>
             <a:fld id="{3A737EFC-D787-6544-BBED-AC7F5B40DC0C}" type="datetimeFigureOut">
               <a:rPr kumimoji="1" lang="zh-CN" altLang="en-US" smtClean="0"/>
-              <a:t>2019/7/16</a:t>
+              <a:t>2019/7/17</a:t>
             </a:fld>
             <a:endParaRPr kumimoji="1" lang="zh-CN" altLang="en-US"/>
           </a:p>
@@ -2979,7 +2980,7 @@
           <a:p>
             <a:fld id="{3A737EFC-D787-6544-BBED-AC7F5B40DC0C}" type="datetimeFigureOut">
               <a:rPr kumimoji="1" lang="zh-CN" altLang="en-US" smtClean="0"/>
-              <a:t>2019/7/16</a:t>
+              <a:t>2019/7/17</a:t>
             </a:fld>
             <a:endParaRPr kumimoji="1" lang="zh-CN" altLang="en-US"/>
           </a:p>
@@ -3074,7 +3075,7 @@
           <a:p>
             <a:fld id="{3A737EFC-D787-6544-BBED-AC7F5B40DC0C}" type="datetimeFigureOut">
               <a:rPr kumimoji="1" lang="zh-CN" altLang="en-US" smtClean="0"/>
-              <a:t>2019/7/16</a:t>
+              <a:t>2019/7/17</a:t>
             </a:fld>
             <a:endParaRPr kumimoji="1" lang="zh-CN" altLang="en-US"/>
           </a:p>
@@ -3349,7 +3350,7 @@
           <a:p>
             <a:fld id="{3A737EFC-D787-6544-BBED-AC7F5B40DC0C}" type="datetimeFigureOut">
               <a:rPr kumimoji="1" lang="zh-CN" altLang="en-US" smtClean="0"/>
-              <a:t>2019/7/16</a:t>
+              <a:t>2019/7/17</a:t>
             </a:fld>
             <a:endParaRPr kumimoji="1" lang="zh-CN" altLang="en-US"/>
           </a:p>
@@ -3601,7 +3602,7 @@
           <a:p>
             <a:fld id="{3A737EFC-D787-6544-BBED-AC7F5B40DC0C}" type="datetimeFigureOut">
               <a:rPr kumimoji="1" lang="zh-CN" altLang="en-US" smtClean="0"/>
-              <a:t>2019/7/16</a:t>
+              <a:t>2019/7/17</a:t>
             </a:fld>
             <a:endParaRPr kumimoji="1" lang="zh-CN" altLang="en-US"/>
           </a:p>
@@ -3812,7 +3813,7 @@
           <a:p>
             <a:fld id="{3A737EFC-D787-6544-BBED-AC7F5B40DC0C}" type="datetimeFigureOut">
               <a:rPr kumimoji="1" lang="zh-CN" altLang="en-US" smtClean="0"/>
-              <a:t>2019/7/16</a:t>
+              <a:t>2019/7/17</a:t>
             </a:fld>
             <a:endParaRPr kumimoji="1" lang="zh-CN" altLang="en-US"/>
           </a:p>
@@ -4575,7 +4576,7 @@
         </p:blipFill>
         <p:spPr>
           <a:xfrm>
-            <a:off x="838200" y="1659158"/>
+            <a:off x="838200" y="1690688"/>
             <a:ext cx="10096500" cy="933450"/>
           </a:xfrm>
           <a:prstGeom prst="rect">
@@ -4605,7 +4606,7 @@
         </p:blipFill>
         <p:spPr>
           <a:xfrm>
-            <a:off x="838200" y="2751575"/>
+            <a:off x="838200" y="3016251"/>
             <a:ext cx="7667625" cy="3667125"/>
           </a:xfrm>
           <a:prstGeom prst="rect">
@@ -4613,6 +4614,112 @@
           </a:prstGeom>
         </p:spPr>
       </p:pic>
+      <p:sp>
+        <p:nvSpPr>
+          <p:cNvPr id="6" name="矩形: 圆角 5">
+            <a:extLst>
+              <a:ext uri="{FF2B5EF4-FFF2-40B4-BE49-F238E27FC236}">
+                <a16:creationId xmlns:a16="http://schemas.microsoft.com/office/drawing/2014/main" id="{2625080B-F5EE-43F8-A15A-D9BEF537684F}"/>
+              </a:ext>
+            </a:extLst>
+          </p:cNvPr>
+          <p:cNvSpPr/>
+          <p:nvPr/>
+        </p:nvSpPr>
+        <p:spPr>
+          <a:xfrm>
+            <a:off x="838200" y="2701389"/>
+            <a:ext cx="2362200" cy="286189"/>
+          </a:xfrm>
+          <a:prstGeom prst="roundRect">
+            <a:avLst/>
+          </a:prstGeom>
+          <a:noFill/>
+        </p:spPr>
+        <p:style>
+          <a:lnRef idx="2">
+            <a:schemeClr val="accent1">
+              <a:shade val="50000"/>
+            </a:schemeClr>
+          </a:lnRef>
+          <a:fillRef idx="1">
+            <a:schemeClr val="accent1"/>
+          </a:fillRef>
+          <a:effectRef idx="0">
+            <a:schemeClr val="accent1"/>
+          </a:effectRef>
+          <a:fontRef idx="minor">
+            <a:schemeClr val="lt1"/>
+          </a:fontRef>
+        </p:style>
+        <p:txBody>
+          <a:bodyPr rtlCol="0" anchor="ctr"/>
+          <a:lstStyle/>
+          <a:p>
+            <a:r>
+              <a:rPr lang="zh-CN" altLang="en-US" dirty="0">
+                <a:solidFill>
+                  <a:schemeClr val="tx1"/>
+                </a:solidFill>
+              </a:rPr>
+              <a:t>第二种方式</a:t>
+            </a:r>
+          </a:p>
+        </p:txBody>
+      </p:sp>
+      <p:sp>
+        <p:nvSpPr>
+          <p:cNvPr id="7" name="矩形: 圆角 6">
+            <a:extLst>
+              <a:ext uri="{FF2B5EF4-FFF2-40B4-BE49-F238E27FC236}">
+                <a16:creationId xmlns:a16="http://schemas.microsoft.com/office/drawing/2014/main" id="{4227E6DC-B7EE-4319-A9A6-4D07EBE0E88D}"/>
+              </a:ext>
+            </a:extLst>
+          </p:cNvPr>
+          <p:cNvSpPr/>
+          <p:nvPr/>
+        </p:nvSpPr>
+        <p:spPr>
+          <a:xfrm>
+            <a:off x="838200" y="1367260"/>
+            <a:ext cx="2362200" cy="286189"/>
+          </a:xfrm>
+          <a:prstGeom prst="roundRect">
+            <a:avLst/>
+          </a:prstGeom>
+          <a:noFill/>
+        </p:spPr>
+        <p:style>
+          <a:lnRef idx="2">
+            <a:schemeClr val="accent1">
+              <a:shade val="50000"/>
+            </a:schemeClr>
+          </a:lnRef>
+          <a:fillRef idx="1">
+            <a:schemeClr val="accent1"/>
+          </a:fillRef>
+          <a:effectRef idx="0">
+            <a:schemeClr val="accent1"/>
+          </a:effectRef>
+          <a:fontRef idx="minor">
+            <a:schemeClr val="lt1"/>
+          </a:fontRef>
+        </p:style>
+        <p:txBody>
+          <a:bodyPr rtlCol="0" anchor="ctr"/>
+          <a:lstStyle/>
+          <a:p>
+            <a:r>
+              <a:rPr lang="zh-CN" altLang="en-US" dirty="0">
+                <a:solidFill>
+                  <a:schemeClr val="tx1"/>
+                </a:solidFill>
+              </a:rPr>
+              <a:t>第一种方式</a:t>
+            </a:r>
+          </a:p>
+        </p:txBody>
+      </p:sp>
     </p:spTree>
     <p:extLst>
       <p:ext uri="{BB962C8B-B14F-4D97-AF65-F5344CB8AC3E}">
@@ -5127,6 +5234,98 @@
     <p:extLst>
       <p:ext uri="{BB962C8B-B14F-4D97-AF65-F5344CB8AC3E}">
         <p14:creationId xmlns:p14="http://schemas.microsoft.com/office/powerpoint/2010/main" val="220138568"/>
+      </p:ext>
+    </p:extLst>
+  </p:cSld>
+  <p:clrMapOvr>
+    <a:masterClrMapping/>
+  </p:clrMapOvr>
+</p:sld>
+</file>
+
+<file path=ppt/slides/slide16.xml><?xml version="1.0" encoding="utf-8"?>
+<p:sld xmlns:a="http://schemas.openxmlformats.org/drawingml/2006/main" xmlns:r="http://schemas.openxmlformats.org/officeDocument/2006/relationships" xmlns:p="http://schemas.openxmlformats.org/presentationml/2006/main">
+  <p:cSld>
+    <p:spTree>
+      <p:nvGrpSpPr>
+        <p:cNvPr id="1" name=""/>
+        <p:cNvGrpSpPr/>
+        <p:nvPr/>
+      </p:nvGrpSpPr>
+      <p:grpSpPr>
+        <a:xfrm>
+          <a:off x="0" y="0"/>
+          <a:ext cx="0" cy="0"/>
+          <a:chOff x="0" y="0"/>
+          <a:chExt cx="0" cy="0"/>
+        </a:xfrm>
+      </p:grpSpPr>
+      <p:sp>
+        <p:nvSpPr>
+          <p:cNvPr id="2" name="标题 1">
+            <a:extLst>
+              <a:ext uri="{FF2B5EF4-FFF2-40B4-BE49-F238E27FC236}">
+                <a16:creationId xmlns:a16="http://schemas.microsoft.com/office/drawing/2014/main" id="{3B91F0BC-C9CC-427C-BB8E-4AB958908704}"/>
+              </a:ext>
+            </a:extLst>
+          </p:cNvPr>
+          <p:cNvSpPr>
+            <a:spLocks noGrp="1"/>
+          </p:cNvSpPr>
+          <p:nvPr>
+            <p:ph type="title"/>
+          </p:nvPr>
+        </p:nvSpPr>
+        <p:spPr/>
+        <p:txBody>
+          <a:bodyPr/>
+          <a:lstStyle/>
+          <a:p>
+            <a:pPr algn="ctr"/>
+            <a:r>
+              <a:rPr lang="zh-CN" altLang="en-US" dirty="0"/>
+              <a:t>谢谢大家</a:t>
+            </a:r>
+          </a:p>
+        </p:txBody>
+      </p:sp>
+      <p:sp>
+        <p:nvSpPr>
+          <p:cNvPr id="3" name="内容占位符 2">
+            <a:extLst>
+              <a:ext uri="{FF2B5EF4-FFF2-40B4-BE49-F238E27FC236}">
+                <a16:creationId xmlns:a16="http://schemas.microsoft.com/office/drawing/2014/main" id="{31C33EE6-D08F-4B07-865B-90F382C3AA09}"/>
+              </a:ext>
+            </a:extLst>
+          </p:cNvPr>
+          <p:cNvSpPr>
+            <a:spLocks noGrp="1"/>
+          </p:cNvSpPr>
+          <p:nvPr>
+            <p:ph idx="1"/>
+          </p:nvPr>
+        </p:nvSpPr>
+        <p:spPr/>
+        <p:txBody>
+          <a:bodyPr/>
+          <a:lstStyle/>
+          <a:p>
+            <a:r>
+              <a:rPr lang="zh-CN" altLang="en-US" dirty="0"/>
+              <a:t>源码地址：</a:t>
+            </a:r>
+            <a:r>
+              <a:rPr lang="en-US" altLang="zh-CN" dirty="0"/>
+              <a:t>https://github.com/liwenxin-jam/vuecli3-starter</a:t>
+            </a:r>
+            <a:endParaRPr lang="zh-CN" altLang="en-US" dirty="0"/>
+          </a:p>
+        </p:txBody>
+      </p:sp>
+    </p:spTree>
+    <p:extLst>
+      <p:ext uri="{BB962C8B-B14F-4D97-AF65-F5344CB8AC3E}">
+        <p14:creationId xmlns:p14="http://schemas.microsoft.com/office/powerpoint/2010/main" val="3207071298"/>
       </p:ext>
     </p:extLst>
   </p:cSld>

--- a/doc/vue-cli3.pptx
+++ b/doc/vue-cli3.pptx
@@ -5,25 +5,28 @@
     <p:sldMasterId id="2147483648" r:id="rId1"/>
   </p:sldMasterIdLst>
   <p:notesMasterIdLst>
-    <p:notesMasterId r:id="rId18"/>
+    <p:notesMasterId r:id="rId21"/>
   </p:notesMasterIdLst>
   <p:sldIdLst>
     <p:sldId id="256" r:id="rId2"/>
-    <p:sldId id="257" r:id="rId3"/>
-    <p:sldId id="258" r:id="rId4"/>
-    <p:sldId id="259" r:id="rId5"/>
-    <p:sldId id="260" r:id="rId6"/>
-    <p:sldId id="261" r:id="rId7"/>
-    <p:sldId id="262" r:id="rId8"/>
-    <p:sldId id="263" r:id="rId9"/>
-    <p:sldId id="266" r:id="rId10"/>
+    <p:sldId id="272" r:id="rId3"/>
+    <p:sldId id="257" r:id="rId4"/>
+    <p:sldId id="258" r:id="rId5"/>
+    <p:sldId id="259" r:id="rId6"/>
+    <p:sldId id="273" r:id="rId7"/>
+    <p:sldId id="274" r:id="rId8"/>
+    <p:sldId id="262" r:id="rId9"/>
+    <p:sldId id="263" r:id="rId10"/>
     <p:sldId id="268" r:id="rId11"/>
     <p:sldId id="269" r:id="rId12"/>
     <p:sldId id="270" r:id="rId13"/>
-    <p:sldId id="267" r:id="rId14"/>
-    <p:sldId id="265" r:id="rId15"/>
-    <p:sldId id="264" r:id="rId16"/>
-    <p:sldId id="271" r:id="rId17"/>
+    <p:sldId id="261" r:id="rId14"/>
+    <p:sldId id="267" r:id="rId15"/>
+    <p:sldId id="266" r:id="rId16"/>
+    <p:sldId id="260" r:id="rId17"/>
+    <p:sldId id="265" r:id="rId18"/>
+    <p:sldId id="264" r:id="rId19"/>
+    <p:sldId id="271" r:id="rId20"/>
   </p:sldIdLst>
   <p:sldSz cx="12192000" cy="6858000"/>
   <p:notesSz cx="6858000" cy="9144000"/>
@@ -859,7 +862,7 @@
           <a:p>
             <a:fld id="{7B978FAE-FC0D-4A1C-A95D-8FF8EA3D1B3F}" type="slidenum">
               <a:rPr lang="zh-CN" altLang="en-US" smtClean="0"/>
-              <a:t>2</a:t>
+              <a:t>3</a:t>
             </a:fld>
             <a:endParaRPr lang="zh-CN" altLang="en-US"/>
           </a:p>
@@ -1167,7 +1170,7 @@
           <a:p>
             <a:fld id="{7B978FAE-FC0D-4A1C-A95D-8FF8EA3D1B3F}" type="slidenum">
               <a:rPr lang="zh-CN" altLang="en-US" smtClean="0"/>
-              <a:t>3</a:t>
+              <a:t>4</a:t>
             </a:fld>
             <a:endParaRPr lang="zh-CN" altLang="en-US"/>
           </a:p>
@@ -1279,7 +1282,7 @@
           <a:p>
             <a:fld id="{7B978FAE-FC0D-4A1C-A95D-8FF8EA3D1B3F}" type="slidenum">
               <a:rPr lang="zh-CN" altLang="en-US" smtClean="0"/>
-              <a:t>4</a:t>
+              <a:t>5</a:t>
             </a:fld>
             <a:endParaRPr lang="zh-CN" altLang="en-US"/>
           </a:p>
@@ -1363,7 +1366,7 @@
           <a:p>
             <a:fld id="{7B978FAE-FC0D-4A1C-A95D-8FF8EA3D1B3F}" type="slidenum">
               <a:rPr lang="zh-CN" altLang="en-US" smtClean="0"/>
-              <a:t>8</a:t>
+              <a:t>9</a:t>
             </a:fld>
             <a:endParaRPr lang="zh-CN" altLang="en-US"/>
           </a:p>
@@ -4319,6 +4322,14 @@
           <a:lstStyle/>
           <a:p>
             <a:r>
+              <a:rPr lang="en-US" altLang="zh-CN" dirty="0"/>
+              <a:t>5</a:t>
+            </a:r>
+            <a:r>
+              <a:rPr lang="zh-CN" altLang="en-US" dirty="0"/>
+              <a:t>、</a:t>
+            </a:r>
+            <a:r>
               <a:rPr lang="en-US" altLang="zh-CN" dirty="0" err="1"/>
               <a:t>css</a:t>
             </a:r>
@@ -4443,8 +4454,12 @@
           <a:lstStyle/>
           <a:p>
             <a:r>
+              <a:rPr lang="en-US" altLang="zh-CN" dirty="0"/>
+              <a:t>5</a:t>
+            </a:r>
+            <a:r>
               <a:rPr lang="zh-CN" altLang="en-US" dirty="0"/>
-              <a:t>压缩、分割代码</a:t>
+              <a:t>、压缩、分割代码</a:t>
             </a:r>
           </a:p>
         </p:txBody>
@@ -4533,8 +4548,12 @@
           <a:lstStyle/>
           <a:p>
             <a:r>
+              <a:rPr lang="en-US" altLang="zh-CN" dirty="0"/>
+              <a:t>5</a:t>
+            </a:r>
+            <a:r>
               <a:rPr lang="zh-CN" altLang="en-US" dirty="0"/>
-              <a:t>删除线上环境</a:t>
+              <a:t>、删除线上环境</a:t>
             </a:r>
             <a:r>
               <a:rPr lang="en-US" altLang="zh-CN" dirty="0"/>
@@ -4752,6 +4771,170 @@
       </p:grpSpPr>
       <p:sp>
         <p:nvSpPr>
+          <p:cNvPr id="2" name="标题 1"/>
+          <p:cNvSpPr>
+            <a:spLocks noGrp="1"/>
+          </p:cNvSpPr>
+          <p:nvPr>
+            <p:ph type="title"/>
+          </p:nvPr>
+        </p:nvSpPr>
+        <p:spPr/>
+        <p:txBody>
+          <a:bodyPr/>
+          <a:lstStyle/>
+          <a:p>
+            <a:r>
+              <a:rPr kumimoji="1" lang="en-US" altLang="zh-CN" dirty="0"/>
+              <a:t>5</a:t>
+            </a:r>
+            <a:r>
+              <a:rPr kumimoji="1" lang="zh-CN" altLang="en-US" dirty="0"/>
+              <a:t>、</a:t>
+            </a:r>
+            <a:r>
+              <a:rPr kumimoji="1" lang="en-US" altLang="zh-CN" dirty="0"/>
+              <a:t>CSS</a:t>
+            </a:r>
+            <a:r>
+              <a:rPr kumimoji="1" lang="zh-CN" altLang="en-US" dirty="0"/>
+              <a:t>、</a:t>
+            </a:r>
+            <a:r>
+              <a:rPr kumimoji="1" lang="en-US" altLang="zh-CN" dirty="0"/>
+              <a:t>JS</a:t>
+            </a:r>
+            <a:r>
+              <a:rPr kumimoji="1" lang="zh-CN" altLang="en-US" dirty="0"/>
+              <a:t>预加载</a:t>
+            </a:r>
+          </a:p>
+        </p:txBody>
+      </p:sp>
+      <p:pic>
+        <p:nvPicPr>
+          <p:cNvPr id="7" name="内容占位符 6">
+            <a:extLst>
+              <a:ext uri="{FF2B5EF4-FFF2-40B4-BE49-F238E27FC236}">
+                <a16:creationId xmlns:a16="http://schemas.microsoft.com/office/drawing/2014/main" id="{CA6EDDFE-5C59-47EC-9A38-E484C87D27B1}"/>
+              </a:ext>
+            </a:extLst>
+          </p:cNvPr>
+          <p:cNvPicPr>
+            <a:picLocks noGrp="1" noChangeAspect="1"/>
+          </p:cNvPicPr>
+          <p:nvPr>
+            <p:ph idx="1"/>
+          </p:nvPr>
+        </p:nvPicPr>
+        <p:blipFill>
+          <a:blip r:embed="rId2"/>
+          <a:stretch>
+            <a:fillRect/>
+          </a:stretch>
+        </p:blipFill>
+        <p:spPr>
+          <a:xfrm>
+            <a:off x="838200" y="1743238"/>
+            <a:ext cx="4200525" cy="857250"/>
+          </a:xfrm>
+          <a:prstGeom prst="rect">
+            <a:avLst/>
+          </a:prstGeom>
+        </p:spPr>
+      </p:pic>
+      <p:pic>
+        <p:nvPicPr>
+          <p:cNvPr id="9" name="图片 8">
+            <a:extLst>
+              <a:ext uri="{FF2B5EF4-FFF2-40B4-BE49-F238E27FC236}">
+                <a16:creationId xmlns:a16="http://schemas.microsoft.com/office/drawing/2014/main" id="{2BFDA313-BA1C-4FBF-8F39-CBDF77E32DE0}"/>
+              </a:ext>
+            </a:extLst>
+          </p:cNvPr>
+          <p:cNvPicPr>
+            <a:picLocks noChangeAspect="1"/>
+          </p:cNvPicPr>
+          <p:nvPr/>
+        </p:nvPicPr>
+        <p:blipFill>
+          <a:blip r:embed="rId3"/>
+          <a:stretch>
+            <a:fillRect/>
+          </a:stretch>
+        </p:blipFill>
+        <p:spPr>
+          <a:xfrm>
+            <a:off x="838200" y="3095463"/>
+            <a:ext cx="4391025" cy="1162050"/>
+          </a:xfrm>
+          <a:prstGeom prst="rect">
+            <a:avLst/>
+          </a:prstGeom>
+        </p:spPr>
+      </p:pic>
+      <p:pic>
+        <p:nvPicPr>
+          <p:cNvPr id="10" name="图片 9">
+            <a:extLst>
+              <a:ext uri="{FF2B5EF4-FFF2-40B4-BE49-F238E27FC236}">
+                <a16:creationId xmlns:a16="http://schemas.microsoft.com/office/drawing/2014/main" id="{C5E3DBAA-B031-4AC5-9FC4-8808D8A9F802}"/>
+              </a:ext>
+            </a:extLst>
+          </p:cNvPr>
+          <p:cNvPicPr>
+            <a:picLocks noChangeAspect="1"/>
+          </p:cNvPicPr>
+          <p:nvPr/>
+        </p:nvPicPr>
+        <p:blipFill>
+          <a:blip r:embed="rId4"/>
+          <a:stretch>
+            <a:fillRect/>
+          </a:stretch>
+        </p:blipFill>
+        <p:spPr>
+          <a:xfrm>
+            <a:off x="838200" y="4842804"/>
+            <a:ext cx="3562350" cy="1171575"/>
+          </a:xfrm>
+          <a:prstGeom prst="rect">
+            <a:avLst/>
+          </a:prstGeom>
+        </p:spPr>
+      </p:pic>
+    </p:spTree>
+    <p:extLst>
+      <p:ext uri="{BB962C8B-B14F-4D97-AF65-F5344CB8AC3E}">
+        <p14:creationId xmlns:p14="http://schemas.microsoft.com/office/powerpoint/2010/main" val="25676653"/>
+      </p:ext>
+    </p:extLst>
+  </p:cSld>
+  <p:clrMapOvr>
+    <a:masterClrMapping/>
+  </p:clrMapOvr>
+</p:sld>
+</file>
+
+<file path=ppt/slides/slide14.xml><?xml version="1.0" encoding="utf-8"?>
+<p:sld xmlns:a="http://schemas.openxmlformats.org/drawingml/2006/main" xmlns:r="http://schemas.openxmlformats.org/officeDocument/2006/relationships" xmlns:p="http://schemas.openxmlformats.org/presentationml/2006/main">
+  <p:cSld>
+    <p:spTree>
+      <p:nvGrpSpPr>
+        <p:cNvPr id="1" name=""/>
+        <p:cNvGrpSpPr/>
+        <p:nvPr/>
+      </p:nvGrpSpPr>
+      <p:grpSpPr>
+        <a:xfrm>
+          <a:off x="0" y="0"/>
+          <a:ext cx="0" cy="0"/>
+          <a:chOff x="0" y="0"/>
+          <a:chExt cx="0" cy="0"/>
+        </a:xfrm>
+      </p:grpSpPr>
+      <p:sp>
+        <p:nvSpPr>
           <p:cNvPr id="2" name="标题 1">
             <a:extLst>
               <a:ext uri="{FF2B5EF4-FFF2-40B4-BE49-F238E27FC236}">
@@ -4772,8 +4955,12 @@
           <a:lstStyle/>
           <a:p>
             <a:r>
+              <a:rPr lang="en-US" altLang="zh-CN" b="1" dirty="0"/>
+              <a:t>5</a:t>
+            </a:r>
+            <a:r>
               <a:rPr lang="zh-CN" altLang="en-US" b="1" dirty="0"/>
-              <a:t>配置</a:t>
+              <a:t>、配置</a:t>
             </a:r>
             <a:r>
               <a:rPr lang="en-US" altLang="zh-CN" b="1" dirty="0"/>
@@ -4930,165 +5117,6 @@
 </p:sld>
 </file>
 
-<file path=ppt/slides/slide14.xml><?xml version="1.0" encoding="utf-8"?>
-<p:sld xmlns:a="http://schemas.openxmlformats.org/drawingml/2006/main" xmlns:r="http://schemas.openxmlformats.org/officeDocument/2006/relationships" xmlns:p="http://schemas.openxmlformats.org/presentationml/2006/main">
-  <p:cSld>
-    <p:spTree>
-      <p:nvGrpSpPr>
-        <p:cNvPr id="1" name=""/>
-        <p:cNvGrpSpPr/>
-        <p:nvPr/>
-      </p:nvGrpSpPr>
-      <p:grpSpPr>
-        <a:xfrm>
-          <a:off x="0" y="0"/>
-          <a:ext cx="0" cy="0"/>
-          <a:chOff x="0" y="0"/>
-          <a:chExt cx="0" cy="0"/>
-        </a:xfrm>
-      </p:grpSpPr>
-      <p:sp>
-        <p:nvSpPr>
-          <p:cNvPr id="2" name="标题 1">
-            <a:extLst>
-              <a:ext uri="{FF2B5EF4-FFF2-40B4-BE49-F238E27FC236}">
-                <a16:creationId xmlns:a16="http://schemas.microsoft.com/office/drawing/2014/main" id="{8453748D-7095-48E9-A34B-803B3E1CA6DF}"/>
-              </a:ext>
-            </a:extLst>
-          </p:cNvPr>
-          <p:cNvSpPr>
-            <a:spLocks noGrp="1"/>
-          </p:cNvSpPr>
-          <p:nvPr>
-            <p:ph type="title"/>
-          </p:nvPr>
-        </p:nvSpPr>
-        <p:spPr/>
-        <p:txBody>
-          <a:bodyPr/>
-          <a:lstStyle/>
-          <a:p>
-            <a:r>
-              <a:rPr lang="zh-CN" altLang="en-US" dirty="0"/>
-              <a:t>打包环境配置和</a:t>
-            </a:r>
-            <a:r>
-              <a:rPr lang="en-US" altLang="zh-CN" dirty="0"/>
-              <a:t>babel-</a:t>
-            </a:r>
-            <a:r>
-              <a:rPr lang="en-US" altLang="zh-CN" dirty="0" err="1"/>
-              <a:t>polyfill</a:t>
-            </a:r>
-            <a:endParaRPr lang="zh-CN" altLang="en-US" dirty="0"/>
-          </a:p>
-        </p:txBody>
-      </p:sp>
-      <p:pic>
-        <p:nvPicPr>
-          <p:cNvPr id="4" name="内容占位符 3">
-            <a:extLst>
-              <a:ext uri="{FF2B5EF4-FFF2-40B4-BE49-F238E27FC236}">
-                <a16:creationId xmlns:a16="http://schemas.microsoft.com/office/drawing/2014/main" id="{C6DA2931-5A7B-4CA2-9780-112DF5E6115B}"/>
-              </a:ext>
-            </a:extLst>
-          </p:cNvPr>
-          <p:cNvPicPr>
-            <a:picLocks noGrp="1" noChangeAspect="1"/>
-          </p:cNvPicPr>
-          <p:nvPr>
-            <p:ph idx="1"/>
-          </p:nvPr>
-        </p:nvPicPr>
-        <p:blipFill>
-          <a:blip r:embed="rId2"/>
-          <a:stretch>
-            <a:fillRect/>
-          </a:stretch>
-        </p:blipFill>
-        <p:spPr>
-          <a:xfrm>
-            <a:off x="838200" y="1690688"/>
-            <a:ext cx="9829800" cy="1905000"/>
-          </a:xfrm>
-          <a:prstGeom prst="rect">
-            <a:avLst/>
-          </a:prstGeom>
-        </p:spPr>
-      </p:pic>
-      <p:pic>
-        <p:nvPicPr>
-          <p:cNvPr id="5" name="图片 4">
-            <a:extLst>
-              <a:ext uri="{FF2B5EF4-FFF2-40B4-BE49-F238E27FC236}">
-                <a16:creationId xmlns:a16="http://schemas.microsoft.com/office/drawing/2014/main" id="{C2C7916F-58E4-43D9-B9C0-377639CBE010}"/>
-              </a:ext>
-            </a:extLst>
-          </p:cNvPr>
-          <p:cNvPicPr>
-            <a:picLocks noChangeAspect="1"/>
-          </p:cNvPicPr>
-          <p:nvPr/>
-        </p:nvPicPr>
-        <p:blipFill>
-          <a:blip r:embed="rId3"/>
-          <a:stretch>
-            <a:fillRect/>
-          </a:stretch>
-        </p:blipFill>
-        <p:spPr>
-          <a:xfrm>
-            <a:off x="838200" y="4136806"/>
-            <a:ext cx="5600700" cy="476250"/>
-          </a:xfrm>
-          <a:prstGeom prst="rect">
-            <a:avLst/>
-          </a:prstGeom>
-        </p:spPr>
-      </p:pic>
-      <p:pic>
-        <p:nvPicPr>
-          <p:cNvPr id="3" name="图片 2">
-            <a:extLst>
-              <a:ext uri="{FF2B5EF4-FFF2-40B4-BE49-F238E27FC236}">
-                <a16:creationId xmlns:a16="http://schemas.microsoft.com/office/drawing/2014/main" id="{98DB7BA4-2EFF-4E64-B855-841152DC0546}"/>
-              </a:ext>
-            </a:extLst>
-          </p:cNvPr>
-          <p:cNvPicPr>
-            <a:picLocks noChangeAspect="1"/>
-          </p:cNvPicPr>
-          <p:nvPr/>
-        </p:nvPicPr>
-        <p:blipFill>
-          <a:blip r:embed="rId4"/>
-          <a:stretch>
-            <a:fillRect/>
-          </a:stretch>
-        </p:blipFill>
-        <p:spPr>
-          <a:xfrm>
-            <a:off x="838200" y="4850306"/>
-            <a:ext cx="4191000" cy="1181100"/>
-          </a:xfrm>
-          <a:prstGeom prst="rect">
-            <a:avLst/>
-          </a:prstGeom>
-        </p:spPr>
-      </p:pic>
-    </p:spTree>
-    <p:extLst>
-      <p:ext uri="{BB962C8B-B14F-4D97-AF65-F5344CB8AC3E}">
-        <p14:creationId xmlns:p14="http://schemas.microsoft.com/office/powerpoint/2010/main" val="1362637602"/>
-      </p:ext>
-    </p:extLst>
-  </p:cSld>
-  <p:clrMapOvr>
-    <a:masterClrMapping/>
-  </p:clrMapOvr>
-</p:sld>
-</file>
-
 <file path=ppt/slides/slide15.xml><?xml version="1.0" encoding="utf-8"?>
 <p:sld xmlns:a="http://schemas.openxmlformats.org/drawingml/2006/main" xmlns:r="http://schemas.openxmlformats.org/officeDocument/2006/relationships" xmlns:p="http://schemas.openxmlformats.org/presentationml/2006/main">
   <p:cSld>
@@ -5111,1435 +5139,6 @@
           <p:cNvPr id="2" name="标题 1">
             <a:extLst>
               <a:ext uri="{FF2B5EF4-FFF2-40B4-BE49-F238E27FC236}">
-                <a16:creationId xmlns:a16="http://schemas.microsoft.com/office/drawing/2014/main" id="{842326CC-66E2-4459-A01E-E717E5EF55AD}"/>
-              </a:ext>
-            </a:extLst>
-          </p:cNvPr>
-          <p:cNvSpPr>
-            <a:spLocks noGrp="1"/>
-          </p:cNvSpPr>
-          <p:nvPr>
-            <p:ph type="title"/>
-          </p:nvPr>
-        </p:nvSpPr>
-        <p:spPr/>
-        <p:txBody>
-          <a:bodyPr/>
-          <a:lstStyle/>
-          <a:p>
-            <a:r>
-              <a:rPr lang="en-US" altLang="zh-CN" dirty="0"/>
-              <a:t>VS Code </a:t>
-            </a:r>
-            <a:r>
-              <a:rPr lang="zh-CN" altLang="en-US" dirty="0"/>
-              <a:t>断点调试</a:t>
-            </a:r>
-          </a:p>
-        </p:txBody>
-      </p:sp>
-      <p:pic>
-        <p:nvPicPr>
-          <p:cNvPr id="4" name="内容占位符 3">
-            <a:extLst>
-              <a:ext uri="{FF2B5EF4-FFF2-40B4-BE49-F238E27FC236}">
-                <a16:creationId xmlns:a16="http://schemas.microsoft.com/office/drawing/2014/main" id="{9AC104E4-0E4D-4FDE-8B31-F38A0567BAEB}"/>
-              </a:ext>
-            </a:extLst>
-          </p:cNvPr>
-          <p:cNvPicPr>
-            <a:picLocks noGrp="1" noChangeAspect="1"/>
-          </p:cNvPicPr>
-          <p:nvPr>
-            <p:ph idx="1"/>
-          </p:nvPr>
-        </p:nvPicPr>
-        <p:blipFill>
-          <a:blip r:embed="rId2"/>
-          <a:stretch>
-            <a:fillRect/>
-          </a:stretch>
-        </p:blipFill>
-        <p:spPr>
-          <a:xfrm>
-            <a:off x="984523" y="1498846"/>
-            <a:ext cx="4505325" cy="3638550"/>
-          </a:xfrm>
-          <a:prstGeom prst="rect">
-            <a:avLst/>
-          </a:prstGeom>
-        </p:spPr>
-      </p:pic>
-      <p:pic>
-        <p:nvPicPr>
-          <p:cNvPr id="5" name="图片 4">
-            <a:extLst>
-              <a:ext uri="{FF2B5EF4-FFF2-40B4-BE49-F238E27FC236}">
-                <a16:creationId xmlns:a16="http://schemas.microsoft.com/office/drawing/2014/main" id="{B4B78E45-1D11-4CF5-B096-87B8D294D479}"/>
-              </a:ext>
-            </a:extLst>
-          </p:cNvPr>
-          <p:cNvPicPr>
-            <a:picLocks noChangeAspect="1"/>
-          </p:cNvPicPr>
-          <p:nvPr/>
-        </p:nvPicPr>
-        <p:blipFill>
-          <a:blip r:embed="rId3"/>
-          <a:stretch>
-            <a:fillRect/>
-          </a:stretch>
-        </p:blipFill>
-        <p:spPr>
-          <a:xfrm>
-            <a:off x="984523" y="5311775"/>
-            <a:ext cx="3943350" cy="1181100"/>
-          </a:xfrm>
-          <a:prstGeom prst="rect">
-            <a:avLst/>
-          </a:prstGeom>
-        </p:spPr>
-      </p:pic>
-      <p:pic>
-        <p:nvPicPr>
-          <p:cNvPr id="7" name="图片 6">
-            <a:extLst>
-              <a:ext uri="{FF2B5EF4-FFF2-40B4-BE49-F238E27FC236}">
-                <a16:creationId xmlns:a16="http://schemas.microsoft.com/office/drawing/2014/main" id="{F41D5DDC-98C7-40D6-83E3-A0CB0AE5182B}"/>
-              </a:ext>
-            </a:extLst>
-          </p:cNvPr>
-          <p:cNvPicPr>
-            <a:picLocks noChangeAspect="1"/>
-          </p:cNvPicPr>
-          <p:nvPr/>
-        </p:nvPicPr>
-        <p:blipFill>
-          <a:blip r:embed="rId4"/>
-          <a:stretch>
-            <a:fillRect/>
-          </a:stretch>
-        </p:blipFill>
-        <p:spPr>
-          <a:xfrm>
-            <a:off x="6096000" y="570295"/>
-            <a:ext cx="3924300" cy="5943600"/>
-          </a:xfrm>
-          <a:prstGeom prst="rect">
-            <a:avLst/>
-          </a:prstGeom>
-        </p:spPr>
-      </p:pic>
-    </p:spTree>
-    <p:extLst>
-      <p:ext uri="{BB962C8B-B14F-4D97-AF65-F5344CB8AC3E}">
-        <p14:creationId xmlns:p14="http://schemas.microsoft.com/office/powerpoint/2010/main" val="220138568"/>
-      </p:ext>
-    </p:extLst>
-  </p:cSld>
-  <p:clrMapOvr>
-    <a:masterClrMapping/>
-  </p:clrMapOvr>
-</p:sld>
-</file>
-
-<file path=ppt/slides/slide16.xml><?xml version="1.0" encoding="utf-8"?>
-<p:sld xmlns:a="http://schemas.openxmlformats.org/drawingml/2006/main" xmlns:r="http://schemas.openxmlformats.org/officeDocument/2006/relationships" xmlns:p="http://schemas.openxmlformats.org/presentationml/2006/main">
-  <p:cSld>
-    <p:spTree>
-      <p:nvGrpSpPr>
-        <p:cNvPr id="1" name=""/>
-        <p:cNvGrpSpPr/>
-        <p:nvPr/>
-      </p:nvGrpSpPr>
-      <p:grpSpPr>
-        <a:xfrm>
-          <a:off x="0" y="0"/>
-          <a:ext cx="0" cy="0"/>
-          <a:chOff x="0" y="0"/>
-          <a:chExt cx="0" cy="0"/>
-        </a:xfrm>
-      </p:grpSpPr>
-      <p:sp>
-        <p:nvSpPr>
-          <p:cNvPr id="2" name="标题 1">
-            <a:extLst>
-              <a:ext uri="{FF2B5EF4-FFF2-40B4-BE49-F238E27FC236}">
-                <a16:creationId xmlns:a16="http://schemas.microsoft.com/office/drawing/2014/main" id="{3B91F0BC-C9CC-427C-BB8E-4AB958908704}"/>
-              </a:ext>
-            </a:extLst>
-          </p:cNvPr>
-          <p:cNvSpPr>
-            <a:spLocks noGrp="1"/>
-          </p:cNvSpPr>
-          <p:nvPr>
-            <p:ph type="title"/>
-          </p:nvPr>
-        </p:nvSpPr>
-        <p:spPr/>
-        <p:txBody>
-          <a:bodyPr/>
-          <a:lstStyle/>
-          <a:p>
-            <a:pPr algn="ctr"/>
-            <a:r>
-              <a:rPr lang="zh-CN" altLang="en-US" dirty="0"/>
-              <a:t>谢谢大家</a:t>
-            </a:r>
-          </a:p>
-        </p:txBody>
-      </p:sp>
-      <p:sp>
-        <p:nvSpPr>
-          <p:cNvPr id="3" name="内容占位符 2">
-            <a:extLst>
-              <a:ext uri="{FF2B5EF4-FFF2-40B4-BE49-F238E27FC236}">
-                <a16:creationId xmlns:a16="http://schemas.microsoft.com/office/drawing/2014/main" id="{31C33EE6-D08F-4B07-865B-90F382C3AA09}"/>
-              </a:ext>
-            </a:extLst>
-          </p:cNvPr>
-          <p:cNvSpPr>
-            <a:spLocks noGrp="1"/>
-          </p:cNvSpPr>
-          <p:nvPr>
-            <p:ph idx="1"/>
-          </p:nvPr>
-        </p:nvSpPr>
-        <p:spPr/>
-        <p:txBody>
-          <a:bodyPr/>
-          <a:lstStyle/>
-          <a:p>
-            <a:r>
-              <a:rPr lang="zh-CN" altLang="en-US" dirty="0"/>
-              <a:t>源码地址：</a:t>
-            </a:r>
-            <a:r>
-              <a:rPr lang="en-US" altLang="zh-CN" dirty="0"/>
-              <a:t>https://github.com/liwenxin-jam/vuecli3-starter</a:t>
-            </a:r>
-            <a:endParaRPr lang="zh-CN" altLang="en-US" dirty="0"/>
-          </a:p>
-        </p:txBody>
-      </p:sp>
-    </p:spTree>
-    <p:extLst>
-      <p:ext uri="{BB962C8B-B14F-4D97-AF65-F5344CB8AC3E}">
-        <p14:creationId xmlns:p14="http://schemas.microsoft.com/office/powerpoint/2010/main" val="3207071298"/>
-      </p:ext>
-    </p:extLst>
-  </p:cSld>
-  <p:clrMapOvr>
-    <a:masterClrMapping/>
-  </p:clrMapOvr>
-</p:sld>
-</file>
-
-<file path=ppt/slides/slide2.xml><?xml version="1.0" encoding="utf-8"?>
-<p:sld xmlns:a="http://schemas.openxmlformats.org/drawingml/2006/main" xmlns:r="http://schemas.openxmlformats.org/officeDocument/2006/relationships" xmlns:p="http://schemas.openxmlformats.org/presentationml/2006/main">
-  <p:cSld>
-    <p:spTree>
-      <p:nvGrpSpPr>
-        <p:cNvPr id="1" name=""/>
-        <p:cNvGrpSpPr/>
-        <p:nvPr/>
-      </p:nvGrpSpPr>
-      <p:grpSpPr>
-        <a:xfrm>
-          <a:off x="0" y="0"/>
-          <a:ext cx="0" cy="0"/>
-          <a:chOff x="0" y="0"/>
-          <a:chExt cx="0" cy="0"/>
-        </a:xfrm>
-      </p:grpSpPr>
-      <p:sp>
-        <p:nvSpPr>
-          <p:cNvPr id="2" name="标题 1"/>
-          <p:cNvSpPr>
-            <a:spLocks noGrp="1"/>
-          </p:cNvSpPr>
-          <p:nvPr>
-            <p:ph type="title"/>
-          </p:nvPr>
-        </p:nvSpPr>
-        <p:spPr/>
-        <p:txBody>
-          <a:bodyPr/>
-          <a:lstStyle/>
-          <a:p>
-            <a:r>
-              <a:rPr kumimoji="1" lang="zh-CN" altLang="en-US" dirty="0"/>
-              <a:t>创建脚手架模板</a:t>
-            </a:r>
-          </a:p>
-        </p:txBody>
-      </p:sp>
-      <p:sp>
-        <p:nvSpPr>
-          <p:cNvPr id="3" name="内容占位符 2"/>
-          <p:cNvSpPr>
-            <a:spLocks noGrp="1"/>
-          </p:cNvSpPr>
-          <p:nvPr>
-            <p:ph idx="1"/>
-          </p:nvPr>
-        </p:nvSpPr>
-        <p:spPr/>
-        <p:txBody>
-          <a:bodyPr/>
-          <a:lstStyle/>
-          <a:p>
-            <a:r>
-              <a:rPr kumimoji="1" lang="en-US" altLang="zh-CN" dirty="0" err="1"/>
-              <a:t>vue</a:t>
-            </a:r>
-            <a:r>
-              <a:rPr kumimoji="1" lang="zh-CN" altLang="en-US" dirty="0"/>
-              <a:t> </a:t>
-            </a:r>
-            <a:r>
-              <a:rPr kumimoji="1" lang="en-US" altLang="zh-CN" dirty="0" err="1"/>
-              <a:t>ui</a:t>
-            </a:r>
-            <a:r>
-              <a:rPr kumimoji="1" lang="zh-CN" altLang="en-US" dirty="0"/>
-              <a:t> </a:t>
-            </a:r>
-            <a:r>
-              <a:rPr kumimoji="1" lang="en-US" altLang="zh-CN" dirty="0"/>
-              <a:t>(</a:t>
-            </a:r>
-            <a:r>
-              <a:rPr kumimoji="1" lang="zh-CN" altLang="en-US" dirty="0"/>
-              <a:t>可视化</a:t>
-            </a:r>
-            <a:r>
-              <a:rPr kumimoji="1" lang="en-US" altLang="zh-CN" dirty="0"/>
-              <a:t>)</a:t>
-            </a:r>
-            <a:endParaRPr kumimoji="1" lang="zh-CN" altLang="en-US" dirty="0"/>
-          </a:p>
-          <a:p>
-            <a:r>
-              <a:rPr kumimoji="1" lang="en-US" altLang="zh-CN" dirty="0" err="1"/>
-              <a:t>vue</a:t>
-            </a:r>
-            <a:r>
-              <a:rPr kumimoji="1" lang="zh-CN" altLang="en-US" dirty="0"/>
-              <a:t> </a:t>
-            </a:r>
-            <a:r>
-              <a:rPr kumimoji="1" lang="en-US" altLang="zh-CN" dirty="0"/>
-              <a:t>create</a:t>
-            </a:r>
-            <a:r>
-              <a:rPr kumimoji="1" lang="zh-CN" altLang="en-US" dirty="0"/>
-              <a:t> </a:t>
-            </a:r>
-            <a:r>
-              <a:rPr kumimoji="1" lang="en-US" altLang="zh-CN" dirty="0"/>
-              <a:t>‘</a:t>
-            </a:r>
-            <a:r>
-              <a:rPr kumimoji="1" lang="en-US" altLang="zh-CN" dirty="0" err="1"/>
-              <a:t>projectName</a:t>
-            </a:r>
-            <a:r>
-              <a:rPr kumimoji="1" lang="en-US" altLang="zh-CN" dirty="0"/>
-              <a:t>’</a:t>
-            </a:r>
-            <a:r>
-              <a:rPr kumimoji="1" lang="zh-CN" altLang="en-US" dirty="0"/>
-              <a:t>  </a:t>
-            </a:r>
-            <a:r>
-              <a:rPr kumimoji="1" lang="en-US" altLang="zh-CN" dirty="0"/>
-              <a:t>(</a:t>
-            </a:r>
-            <a:r>
-              <a:rPr kumimoji="1" lang="zh-CN" altLang="en-US" dirty="0"/>
-              <a:t>方向键上下切换，空格选择，回车确定</a:t>
-            </a:r>
-            <a:r>
-              <a:rPr kumimoji="1" lang="en-US" altLang="zh-CN" dirty="0"/>
-              <a:t>)</a:t>
-            </a:r>
-            <a:endParaRPr kumimoji="1" lang="zh-CN" altLang="en-US" dirty="0"/>
-          </a:p>
-          <a:p>
-            <a:pPr marL="0" indent="0">
-              <a:buNone/>
-            </a:pPr>
-            <a:endParaRPr kumimoji="1" lang="zh-CN" altLang="en-US" dirty="0"/>
-          </a:p>
-        </p:txBody>
-      </p:sp>
-      <p:pic>
-        <p:nvPicPr>
-          <p:cNvPr id="4" name="图片 3"/>
-          <p:cNvPicPr>
-            <a:picLocks noChangeAspect="1"/>
-          </p:cNvPicPr>
-          <p:nvPr/>
-        </p:nvPicPr>
-        <p:blipFill>
-          <a:blip r:embed="rId3"/>
-          <a:stretch>
-            <a:fillRect/>
-          </a:stretch>
-        </p:blipFill>
-        <p:spPr>
-          <a:xfrm>
-            <a:off x="950495" y="2854826"/>
-            <a:ext cx="3365500" cy="1854200"/>
-          </a:xfrm>
-          <a:prstGeom prst="rect">
-            <a:avLst/>
-          </a:prstGeom>
-        </p:spPr>
-      </p:pic>
-      <p:pic>
-        <p:nvPicPr>
-          <p:cNvPr id="5" name="图片 4"/>
-          <p:cNvPicPr>
-            <a:picLocks noChangeAspect="1"/>
-          </p:cNvPicPr>
-          <p:nvPr/>
-        </p:nvPicPr>
-        <p:blipFill>
-          <a:blip r:embed="rId4"/>
-          <a:stretch>
-            <a:fillRect/>
-          </a:stretch>
-        </p:blipFill>
-        <p:spPr>
-          <a:xfrm>
-            <a:off x="6481679" y="2836863"/>
-            <a:ext cx="4724400" cy="3340100"/>
-          </a:xfrm>
-          <a:prstGeom prst="rect">
-            <a:avLst/>
-          </a:prstGeom>
-        </p:spPr>
-      </p:pic>
-    </p:spTree>
-    <p:extLst>
-      <p:ext uri="{BB962C8B-B14F-4D97-AF65-F5344CB8AC3E}">
-        <p14:creationId xmlns:p14="http://schemas.microsoft.com/office/powerpoint/2010/main" val="1354892031"/>
-      </p:ext>
-    </p:extLst>
-  </p:cSld>
-  <p:clrMapOvr>
-    <a:masterClrMapping/>
-  </p:clrMapOvr>
-</p:sld>
-</file>
-
-<file path=ppt/slides/slide3.xml><?xml version="1.0" encoding="utf-8"?>
-<p:sld xmlns:a="http://schemas.openxmlformats.org/drawingml/2006/main" xmlns:r="http://schemas.openxmlformats.org/officeDocument/2006/relationships" xmlns:p="http://schemas.openxmlformats.org/presentationml/2006/main">
-  <p:cSld>
-    <p:spTree>
-      <p:nvGrpSpPr>
-        <p:cNvPr id="1" name=""/>
-        <p:cNvGrpSpPr/>
-        <p:nvPr/>
-      </p:nvGrpSpPr>
-      <p:grpSpPr>
-        <a:xfrm>
-          <a:off x="0" y="0"/>
-          <a:ext cx="0" cy="0"/>
-          <a:chOff x="0" y="0"/>
-          <a:chExt cx="0" cy="0"/>
-        </a:xfrm>
-      </p:grpSpPr>
-      <p:sp>
-        <p:nvSpPr>
-          <p:cNvPr id="2" name="标题 1"/>
-          <p:cNvSpPr>
-            <a:spLocks noGrp="1"/>
-          </p:cNvSpPr>
-          <p:nvPr>
-            <p:ph type="title"/>
-          </p:nvPr>
-        </p:nvSpPr>
-        <p:spPr/>
-        <p:txBody>
-          <a:bodyPr/>
-          <a:lstStyle/>
-          <a:p>
-            <a:r>
-              <a:rPr kumimoji="1" lang="zh-CN" altLang="en-US" dirty="0"/>
-              <a:t>配置项</a:t>
-            </a:r>
-            <a:r>
-              <a:rPr kumimoji="1" lang="en-US" altLang="zh-CN" dirty="0"/>
-              <a:t>(router</a:t>
-            </a:r>
-            <a:r>
-              <a:rPr kumimoji="1" lang="zh-CN" altLang="en-US" dirty="0"/>
-              <a:t>、</a:t>
-            </a:r>
-            <a:r>
-              <a:rPr kumimoji="1" lang="en-US" altLang="zh-CN" dirty="0"/>
-              <a:t>sass)</a:t>
-            </a:r>
-            <a:endParaRPr kumimoji="1" lang="zh-CN" altLang="en-US" dirty="0"/>
-          </a:p>
-        </p:txBody>
-      </p:sp>
-      <p:pic>
-        <p:nvPicPr>
-          <p:cNvPr id="4" name="内容占位符 3"/>
-          <p:cNvPicPr>
-            <a:picLocks noGrp="1" noChangeAspect="1"/>
-          </p:cNvPicPr>
-          <p:nvPr>
-            <p:ph idx="1"/>
-          </p:nvPr>
-        </p:nvPicPr>
-        <p:blipFill>
-          <a:blip r:embed="rId3"/>
-          <a:stretch>
-            <a:fillRect/>
-          </a:stretch>
-        </p:blipFill>
-        <p:spPr>
-          <a:xfrm>
-            <a:off x="838200" y="1486693"/>
-            <a:ext cx="7124700" cy="1981200"/>
-          </a:xfrm>
-          <a:prstGeom prst="rect">
-            <a:avLst/>
-          </a:prstGeom>
-        </p:spPr>
-      </p:pic>
-      <p:pic>
-        <p:nvPicPr>
-          <p:cNvPr id="5" name="图片 4"/>
-          <p:cNvPicPr>
-            <a:picLocks noChangeAspect="1"/>
-          </p:cNvPicPr>
-          <p:nvPr/>
-        </p:nvPicPr>
-        <p:blipFill>
-          <a:blip r:embed="rId4"/>
-          <a:stretch>
-            <a:fillRect/>
-          </a:stretch>
-        </p:blipFill>
-        <p:spPr>
-          <a:xfrm>
-            <a:off x="838200" y="3775576"/>
-            <a:ext cx="7124700" cy="2451100"/>
-          </a:xfrm>
-          <a:prstGeom prst="rect">
-            <a:avLst/>
-          </a:prstGeom>
-        </p:spPr>
-      </p:pic>
-    </p:spTree>
-    <p:extLst>
-      <p:ext uri="{BB962C8B-B14F-4D97-AF65-F5344CB8AC3E}">
-        <p14:creationId xmlns:p14="http://schemas.microsoft.com/office/powerpoint/2010/main" val="1998324219"/>
-      </p:ext>
-    </p:extLst>
-  </p:cSld>
-  <p:clrMapOvr>
-    <a:masterClrMapping/>
-  </p:clrMapOvr>
-</p:sld>
-</file>
-
-<file path=ppt/slides/slide4.xml><?xml version="1.0" encoding="utf-8"?>
-<p:sld xmlns:a="http://schemas.openxmlformats.org/drawingml/2006/main" xmlns:r="http://schemas.openxmlformats.org/officeDocument/2006/relationships" xmlns:p="http://schemas.openxmlformats.org/presentationml/2006/main">
-  <p:cSld>
-    <p:spTree>
-      <p:nvGrpSpPr>
-        <p:cNvPr id="1" name=""/>
-        <p:cNvGrpSpPr/>
-        <p:nvPr/>
-      </p:nvGrpSpPr>
-      <p:grpSpPr>
-        <a:xfrm>
-          <a:off x="0" y="0"/>
-          <a:ext cx="0" cy="0"/>
-          <a:chOff x="0" y="0"/>
-          <a:chExt cx="0" cy="0"/>
-        </a:xfrm>
-      </p:grpSpPr>
-      <p:sp>
-        <p:nvSpPr>
-          <p:cNvPr id="2" name="标题 1"/>
-          <p:cNvSpPr>
-            <a:spLocks noGrp="1"/>
-          </p:cNvSpPr>
-          <p:nvPr>
-            <p:ph type="title"/>
-          </p:nvPr>
-        </p:nvSpPr>
-        <p:spPr/>
-        <p:txBody>
-          <a:bodyPr/>
-          <a:lstStyle/>
-          <a:p>
-            <a:r>
-              <a:rPr kumimoji="1" lang="zh-CN" altLang="en-US" dirty="0"/>
-              <a:t>配置项</a:t>
-            </a:r>
-            <a:r>
-              <a:rPr kumimoji="1" lang="en-US" altLang="zh-CN" dirty="0"/>
-              <a:t>(</a:t>
-            </a:r>
-            <a:r>
-              <a:rPr kumimoji="1" lang="en-US" altLang="zh-CN" dirty="0" err="1"/>
-              <a:t>eslint</a:t>
-            </a:r>
-            <a:r>
-              <a:rPr kumimoji="1" lang="zh-CN" altLang="en-US" dirty="0"/>
-              <a:t>、单元测试、保存项</a:t>
-            </a:r>
-            <a:r>
-              <a:rPr kumimoji="1" lang="en-US" altLang="zh-CN" dirty="0"/>
-              <a:t>)</a:t>
-            </a:r>
-            <a:endParaRPr kumimoji="1" lang="zh-CN" altLang="en-US" dirty="0"/>
-          </a:p>
-        </p:txBody>
-      </p:sp>
-      <p:pic>
-        <p:nvPicPr>
-          <p:cNvPr id="4" name="内容占位符 3"/>
-          <p:cNvPicPr>
-            <a:picLocks noGrp="1" noChangeAspect="1"/>
-          </p:cNvPicPr>
-          <p:nvPr>
-            <p:ph idx="1"/>
-          </p:nvPr>
-        </p:nvPicPr>
-        <p:blipFill>
-          <a:blip r:embed="rId3"/>
-          <a:stretch>
-            <a:fillRect/>
-          </a:stretch>
-        </p:blipFill>
-        <p:spPr>
-          <a:xfrm>
-            <a:off x="958516" y="1707212"/>
-            <a:ext cx="7162800" cy="1206500"/>
-          </a:xfrm>
-          <a:prstGeom prst="rect">
-            <a:avLst/>
-          </a:prstGeom>
-        </p:spPr>
-      </p:pic>
-      <p:pic>
-        <p:nvPicPr>
-          <p:cNvPr id="5" name="图片 4"/>
-          <p:cNvPicPr>
-            <a:picLocks noChangeAspect="1"/>
-          </p:cNvPicPr>
-          <p:nvPr/>
-        </p:nvPicPr>
-        <p:blipFill>
-          <a:blip r:embed="rId4"/>
-          <a:stretch>
-            <a:fillRect/>
-          </a:stretch>
-        </p:blipFill>
-        <p:spPr>
-          <a:xfrm>
-            <a:off x="958516" y="3241774"/>
-            <a:ext cx="7175500" cy="1016000"/>
-          </a:xfrm>
-          <a:prstGeom prst="rect">
-            <a:avLst/>
-          </a:prstGeom>
-        </p:spPr>
-      </p:pic>
-      <p:pic>
-        <p:nvPicPr>
-          <p:cNvPr id="7" name="图片 6"/>
-          <p:cNvPicPr>
-            <a:picLocks noChangeAspect="1"/>
-          </p:cNvPicPr>
-          <p:nvPr/>
-        </p:nvPicPr>
-        <p:blipFill>
-          <a:blip r:embed="rId5"/>
-          <a:stretch>
-            <a:fillRect/>
-          </a:stretch>
-        </p:blipFill>
-        <p:spPr>
-          <a:xfrm>
-            <a:off x="958516" y="4549925"/>
-            <a:ext cx="7035800" cy="711200"/>
-          </a:xfrm>
-          <a:prstGeom prst="rect">
-            <a:avLst/>
-          </a:prstGeom>
-        </p:spPr>
-      </p:pic>
-      <p:pic>
-        <p:nvPicPr>
-          <p:cNvPr id="8" name="图片 7"/>
-          <p:cNvPicPr>
-            <a:picLocks noChangeAspect="1"/>
-          </p:cNvPicPr>
-          <p:nvPr/>
-        </p:nvPicPr>
-        <p:blipFill>
-          <a:blip r:embed="rId6"/>
-          <a:stretch>
-            <a:fillRect/>
-          </a:stretch>
-        </p:blipFill>
-        <p:spPr>
-          <a:xfrm>
-            <a:off x="958516" y="5518785"/>
-            <a:ext cx="5130800" cy="279400"/>
-          </a:xfrm>
-          <a:prstGeom prst="rect">
-            <a:avLst/>
-          </a:prstGeom>
-        </p:spPr>
-      </p:pic>
-    </p:spTree>
-    <p:extLst>
-      <p:ext uri="{BB962C8B-B14F-4D97-AF65-F5344CB8AC3E}">
-        <p14:creationId xmlns:p14="http://schemas.microsoft.com/office/powerpoint/2010/main" val="1632474422"/>
-      </p:ext>
-    </p:extLst>
-  </p:cSld>
-  <p:clrMapOvr>
-    <a:masterClrMapping/>
-  </p:clrMapOvr>
-</p:sld>
-</file>
-
-<file path=ppt/slides/slide5.xml><?xml version="1.0" encoding="utf-8"?>
-<p:sld xmlns:a="http://schemas.openxmlformats.org/drawingml/2006/main" xmlns:r="http://schemas.openxmlformats.org/officeDocument/2006/relationships" xmlns:p="http://schemas.openxmlformats.org/presentationml/2006/main">
-  <p:cSld>
-    <p:spTree>
-      <p:nvGrpSpPr>
-        <p:cNvPr id="1" name=""/>
-        <p:cNvGrpSpPr/>
-        <p:nvPr/>
-      </p:nvGrpSpPr>
-      <p:grpSpPr>
-        <a:xfrm>
-          <a:off x="0" y="0"/>
-          <a:ext cx="0" cy="0"/>
-          <a:chOff x="0" y="0"/>
-          <a:chExt cx="0" cy="0"/>
-        </a:xfrm>
-      </p:grpSpPr>
-      <p:sp>
-        <p:nvSpPr>
-          <p:cNvPr id="2" name="标题 1"/>
-          <p:cNvSpPr>
-            <a:spLocks noGrp="1"/>
-          </p:cNvSpPr>
-          <p:nvPr>
-            <p:ph type="title"/>
-          </p:nvPr>
-        </p:nvSpPr>
-        <p:spPr/>
-        <p:txBody>
-          <a:bodyPr/>
-          <a:lstStyle/>
-          <a:p>
-            <a:r>
-              <a:rPr kumimoji="1" lang="zh-CN" altLang="en-US" dirty="0"/>
-              <a:t>路由懒加载</a:t>
-            </a:r>
-          </a:p>
-        </p:txBody>
-      </p:sp>
-      <p:sp>
-        <p:nvSpPr>
-          <p:cNvPr id="3" name="内容占位符 2"/>
-          <p:cNvSpPr>
-            <a:spLocks noGrp="1"/>
-          </p:cNvSpPr>
-          <p:nvPr>
-            <p:ph idx="1"/>
-          </p:nvPr>
-        </p:nvSpPr>
-        <p:spPr/>
-        <p:txBody>
-          <a:bodyPr/>
-          <a:lstStyle/>
-          <a:p>
-            <a:endParaRPr kumimoji="1" lang="en-US" altLang="zh-CN" dirty="0"/>
-          </a:p>
-          <a:p>
-            <a:endParaRPr kumimoji="1" lang="zh-CN" altLang="en-US" dirty="0"/>
-          </a:p>
-        </p:txBody>
-      </p:sp>
-      <p:pic>
-        <p:nvPicPr>
-          <p:cNvPr id="5" name="图片 4">
-            <a:extLst>
-              <a:ext uri="{FF2B5EF4-FFF2-40B4-BE49-F238E27FC236}">
-                <a16:creationId xmlns:a16="http://schemas.microsoft.com/office/drawing/2014/main" id="{F1F6FFE1-940C-490B-A3EB-DFE6F59FA743}"/>
-              </a:ext>
-            </a:extLst>
-          </p:cNvPr>
-          <p:cNvPicPr>
-            <a:picLocks noChangeAspect="1"/>
-          </p:cNvPicPr>
-          <p:nvPr/>
-        </p:nvPicPr>
-        <p:blipFill>
-          <a:blip r:embed="rId2"/>
-          <a:stretch>
-            <a:fillRect/>
-          </a:stretch>
-        </p:blipFill>
-        <p:spPr>
-          <a:xfrm>
-            <a:off x="838200" y="1473200"/>
-            <a:ext cx="10096500" cy="5019675"/>
-          </a:xfrm>
-          <a:prstGeom prst="rect">
-            <a:avLst/>
-          </a:prstGeom>
-        </p:spPr>
-      </p:pic>
-    </p:spTree>
-    <p:extLst>
-      <p:ext uri="{BB962C8B-B14F-4D97-AF65-F5344CB8AC3E}">
-        <p14:creationId xmlns:p14="http://schemas.microsoft.com/office/powerpoint/2010/main" val="1439187200"/>
-      </p:ext>
-    </p:extLst>
-  </p:cSld>
-  <p:clrMapOvr>
-    <a:masterClrMapping/>
-  </p:clrMapOvr>
-</p:sld>
-</file>
-
-<file path=ppt/slides/slide6.xml><?xml version="1.0" encoding="utf-8"?>
-<p:sld xmlns:a="http://schemas.openxmlformats.org/drawingml/2006/main" xmlns:r="http://schemas.openxmlformats.org/officeDocument/2006/relationships" xmlns:p="http://schemas.openxmlformats.org/presentationml/2006/main">
-  <p:cSld>
-    <p:spTree>
-      <p:nvGrpSpPr>
-        <p:cNvPr id="1" name=""/>
-        <p:cNvGrpSpPr/>
-        <p:nvPr/>
-      </p:nvGrpSpPr>
-      <p:grpSpPr>
-        <a:xfrm>
-          <a:off x="0" y="0"/>
-          <a:ext cx="0" cy="0"/>
-          <a:chOff x="0" y="0"/>
-          <a:chExt cx="0" cy="0"/>
-        </a:xfrm>
-      </p:grpSpPr>
-      <p:sp>
-        <p:nvSpPr>
-          <p:cNvPr id="2" name="标题 1"/>
-          <p:cNvSpPr>
-            <a:spLocks noGrp="1"/>
-          </p:cNvSpPr>
-          <p:nvPr>
-            <p:ph type="title"/>
-          </p:nvPr>
-        </p:nvSpPr>
-        <p:spPr/>
-        <p:txBody>
-          <a:bodyPr/>
-          <a:lstStyle/>
-          <a:p>
-            <a:r>
-              <a:rPr kumimoji="1" lang="en-US" altLang="zh-CN" dirty="0"/>
-              <a:t>CSS</a:t>
-            </a:r>
-            <a:r>
-              <a:rPr kumimoji="1" lang="zh-CN" altLang="en-US" dirty="0"/>
-              <a:t>、</a:t>
-            </a:r>
-            <a:r>
-              <a:rPr kumimoji="1" lang="en-US" altLang="zh-CN" dirty="0"/>
-              <a:t>JS</a:t>
-            </a:r>
-            <a:r>
-              <a:rPr kumimoji="1" lang="zh-CN" altLang="en-US" dirty="0"/>
-              <a:t>预加载</a:t>
-            </a:r>
-          </a:p>
-        </p:txBody>
-      </p:sp>
-      <p:pic>
-        <p:nvPicPr>
-          <p:cNvPr id="7" name="内容占位符 6">
-            <a:extLst>
-              <a:ext uri="{FF2B5EF4-FFF2-40B4-BE49-F238E27FC236}">
-                <a16:creationId xmlns:a16="http://schemas.microsoft.com/office/drawing/2014/main" id="{CA6EDDFE-5C59-47EC-9A38-E484C87D27B1}"/>
-              </a:ext>
-            </a:extLst>
-          </p:cNvPr>
-          <p:cNvPicPr>
-            <a:picLocks noGrp="1" noChangeAspect="1"/>
-          </p:cNvPicPr>
-          <p:nvPr>
-            <p:ph idx="1"/>
-          </p:nvPr>
-        </p:nvPicPr>
-        <p:blipFill>
-          <a:blip r:embed="rId2"/>
-          <a:stretch>
-            <a:fillRect/>
-          </a:stretch>
-        </p:blipFill>
-        <p:spPr>
-          <a:xfrm>
-            <a:off x="838200" y="1743238"/>
-            <a:ext cx="4200525" cy="857250"/>
-          </a:xfrm>
-          <a:prstGeom prst="rect">
-            <a:avLst/>
-          </a:prstGeom>
-        </p:spPr>
-      </p:pic>
-      <p:pic>
-        <p:nvPicPr>
-          <p:cNvPr id="9" name="图片 8">
-            <a:extLst>
-              <a:ext uri="{FF2B5EF4-FFF2-40B4-BE49-F238E27FC236}">
-                <a16:creationId xmlns:a16="http://schemas.microsoft.com/office/drawing/2014/main" id="{2BFDA313-BA1C-4FBF-8F39-CBDF77E32DE0}"/>
-              </a:ext>
-            </a:extLst>
-          </p:cNvPr>
-          <p:cNvPicPr>
-            <a:picLocks noChangeAspect="1"/>
-          </p:cNvPicPr>
-          <p:nvPr/>
-        </p:nvPicPr>
-        <p:blipFill>
-          <a:blip r:embed="rId3"/>
-          <a:stretch>
-            <a:fillRect/>
-          </a:stretch>
-        </p:blipFill>
-        <p:spPr>
-          <a:xfrm>
-            <a:off x="838200" y="3095463"/>
-            <a:ext cx="4391025" cy="1162050"/>
-          </a:xfrm>
-          <a:prstGeom prst="rect">
-            <a:avLst/>
-          </a:prstGeom>
-        </p:spPr>
-      </p:pic>
-      <p:pic>
-        <p:nvPicPr>
-          <p:cNvPr id="10" name="图片 9">
-            <a:extLst>
-              <a:ext uri="{FF2B5EF4-FFF2-40B4-BE49-F238E27FC236}">
-                <a16:creationId xmlns:a16="http://schemas.microsoft.com/office/drawing/2014/main" id="{C5E3DBAA-B031-4AC5-9FC4-8808D8A9F802}"/>
-              </a:ext>
-            </a:extLst>
-          </p:cNvPr>
-          <p:cNvPicPr>
-            <a:picLocks noChangeAspect="1"/>
-          </p:cNvPicPr>
-          <p:nvPr/>
-        </p:nvPicPr>
-        <p:blipFill>
-          <a:blip r:embed="rId4"/>
-          <a:stretch>
-            <a:fillRect/>
-          </a:stretch>
-        </p:blipFill>
-        <p:spPr>
-          <a:xfrm>
-            <a:off x="838200" y="4842804"/>
-            <a:ext cx="3562350" cy="1171575"/>
-          </a:xfrm>
-          <a:prstGeom prst="rect">
-            <a:avLst/>
-          </a:prstGeom>
-        </p:spPr>
-      </p:pic>
-    </p:spTree>
-    <p:extLst>
-      <p:ext uri="{BB962C8B-B14F-4D97-AF65-F5344CB8AC3E}">
-        <p14:creationId xmlns:p14="http://schemas.microsoft.com/office/powerpoint/2010/main" val="25676653"/>
-      </p:ext>
-    </p:extLst>
-  </p:cSld>
-  <p:clrMapOvr>
-    <a:masterClrMapping/>
-  </p:clrMapOvr>
-</p:sld>
-</file>
-
-<file path=ppt/slides/slide7.xml><?xml version="1.0" encoding="utf-8"?>
-<p:sld xmlns:a="http://schemas.openxmlformats.org/drawingml/2006/main" xmlns:r="http://schemas.openxmlformats.org/officeDocument/2006/relationships" xmlns:p="http://schemas.openxmlformats.org/presentationml/2006/main">
-  <p:cSld>
-    <p:spTree>
-      <p:nvGrpSpPr>
-        <p:cNvPr id="1" name=""/>
-        <p:cNvGrpSpPr/>
-        <p:nvPr/>
-      </p:nvGrpSpPr>
-      <p:grpSpPr>
-        <a:xfrm>
-          <a:off x="0" y="0"/>
-          <a:ext cx="0" cy="0"/>
-          <a:chOff x="0" y="0"/>
-          <a:chExt cx="0" cy="0"/>
-        </a:xfrm>
-      </p:grpSpPr>
-      <p:sp>
-        <p:nvSpPr>
-          <p:cNvPr id="2" name="标题 1"/>
-          <p:cNvSpPr>
-            <a:spLocks noGrp="1"/>
-          </p:cNvSpPr>
-          <p:nvPr>
-            <p:ph type="title"/>
-          </p:nvPr>
-        </p:nvSpPr>
-        <p:spPr/>
-        <p:txBody>
-          <a:bodyPr/>
-          <a:lstStyle/>
-          <a:p>
-            <a:r>
-              <a:rPr lang="zh-CN" altLang="en-US" dirty="0"/>
-              <a:t>资源</a:t>
-            </a:r>
-            <a:r>
-              <a:rPr lang="en-US" altLang="zh-CN" dirty="0"/>
-              <a:t>alias</a:t>
-            </a:r>
-            <a:r>
-              <a:rPr lang="zh-CN" altLang="en-US" dirty="0"/>
-              <a:t>别名和全局组件</a:t>
-            </a:r>
-            <a:endParaRPr kumimoji="1" lang="zh-CN" altLang="en-US" dirty="0"/>
-          </a:p>
-        </p:txBody>
-      </p:sp>
-      <p:pic>
-        <p:nvPicPr>
-          <p:cNvPr id="4" name="内容占位符 3">
-            <a:extLst>
-              <a:ext uri="{FF2B5EF4-FFF2-40B4-BE49-F238E27FC236}">
-                <a16:creationId xmlns:a16="http://schemas.microsoft.com/office/drawing/2014/main" id="{F8792C88-E79E-4A94-926C-332D2D796C80}"/>
-              </a:ext>
-            </a:extLst>
-          </p:cNvPr>
-          <p:cNvPicPr>
-            <a:picLocks noGrp="1" noChangeAspect="1"/>
-          </p:cNvPicPr>
-          <p:nvPr>
-            <p:ph idx="1"/>
-          </p:nvPr>
-        </p:nvPicPr>
-        <p:blipFill>
-          <a:blip r:embed="rId2"/>
-          <a:stretch>
-            <a:fillRect/>
-          </a:stretch>
-        </p:blipFill>
-        <p:spPr>
-          <a:xfrm>
-            <a:off x="927538" y="1417419"/>
-            <a:ext cx="4724400" cy="1171575"/>
-          </a:xfrm>
-          <a:prstGeom prst="rect">
-            <a:avLst/>
-          </a:prstGeom>
-        </p:spPr>
-      </p:pic>
-      <p:pic>
-        <p:nvPicPr>
-          <p:cNvPr id="5" name="图片 4">
-            <a:extLst>
-              <a:ext uri="{FF2B5EF4-FFF2-40B4-BE49-F238E27FC236}">
-                <a16:creationId xmlns:a16="http://schemas.microsoft.com/office/drawing/2014/main" id="{D6FC1EC9-5728-4F74-AFA9-4556119AE99D}"/>
-              </a:ext>
-            </a:extLst>
-          </p:cNvPr>
-          <p:cNvPicPr>
-            <a:picLocks noChangeAspect="1"/>
-          </p:cNvPicPr>
-          <p:nvPr/>
-        </p:nvPicPr>
-        <p:blipFill>
-          <a:blip r:embed="rId3"/>
-          <a:stretch>
-            <a:fillRect/>
-          </a:stretch>
-        </p:blipFill>
-        <p:spPr>
-          <a:xfrm>
-            <a:off x="927538" y="5170490"/>
-            <a:ext cx="4476750" cy="1257300"/>
-          </a:xfrm>
-          <a:prstGeom prst="rect">
-            <a:avLst/>
-          </a:prstGeom>
-        </p:spPr>
-      </p:pic>
-      <p:pic>
-        <p:nvPicPr>
-          <p:cNvPr id="6" name="内容占位符 3">
-            <a:extLst>
-              <a:ext uri="{FF2B5EF4-FFF2-40B4-BE49-F238E27FC236}">
-                <a16:creationId xmlns:a16="http://schemas.microsoft.com/office/drawing/2014/main" id="{15F2150D-EB48-440E-8028-3969D63E2D5A}"/>
-              </a:ext>
-            </a:extLst>
-          </p:cNvPr>
-          <p:cNvPicPr>
-            <a:picLocks noChangeAspect="1"/>
-          </p:cNvPicPr>
-          <p:nvPr/>
-        </p:nvPicPr>
-        <p:blipFill>
-          <a:blip r:embed="rId4"/>
-          <a:stretch>
-            <a:fillRect/>
-          </a:stretch>
-        </p:blipFill>
-        <p:spPr>
-          <a:xfrm>
-            <a:off x="927538" y="2721962"/>
-            <a:ext cx="6696075" cy="2305050"/>
-          </a:xfrm>
-          <a:prstGeom prst="rect">
-            <a:avLst/>
-          </a:prstGeom>
-        </p:spPr>
-      </p:pic>
-    </p:spTree>
-    <p:extLst>
-      <p:ext uri="{BB962C8B-B14F-4D97-AF65-F5344CB8AC3E}">
-        <p14:creationId xmlns:p14="http://schemas.microsoft.com/office/powerpoint/2010/main" val="306101447"/>
-      </p:ext>
-    </p:extLst>
-  </p:cSld>
-  <p:clrMapOvr>
-    <a:masterClrMapping/>
-  </p:clrMapOvr>
-</p:sld>
-</file>
-
-<file path=ppt/slides/slide8.xml><?xml version="1.0" encoding="utf-8"?>
-<p:sld xmlns:a="http://schemas.openxmlformats.org/drawingml/2006/main" xmlns:r="http://schemas.openxmlformats.org/officeDocument/2006/relationships" xmlns:p="http://schemas.openxmlformats.org/presentationml/2006/main">
-  <p:cSld>
-    <p:spTree>
-      <p:nvGrpSpPr>
-        <p:cNvPr id="1" name=""/>
-        <p:cNvGrpSpPr/>
-        <p:nvPr/>
-      </p:nvGrpSpPr>
-      <p:grpSpPr>
-        <a:xfrm>
-          <a:off x="0" y="0"/>
-          <a:ext cx="0" cy="0"/>
-          <a:chOff x="0" y="0"/>
-          <a:chExt cx="0" cy="0"/>
-        </a:xfrm>
-      </p:grpSpPr>
-      <p:sp>
-        <p:nvSpPr>
-          <p:cNvPr id="2" name="标题 1"/>
-          <p:cNvSpPr>
-            <a:spLocks noGrp="1"/>
-          </p:cNvSpPr>
-          <p:nvPr>
-            <p:ph type="title"/>
-          </p:nvPr>
-        </p:nvSpPr>
-        <p:spPr/>
-        <p:txBody>
-          <a:bodyPr/>
-          <a:lstStyle/>
-          <a:p>
-            <a:r>
-              <a:rPr kumimoji="1" lang="en-US" altLang="zh-CN" dirty="0" err="1"/>
-              <a:t>svg</a:t>
-            </a:r>
-            <a:r>
-              <a:rPr kumimoji="1" lang="en-US" altLang="zh-CN" dirty="0"/>
-              <a:t>-icon</a:t>
-            </a:r>
-            <a:r>
-              <a:rPr kumimoji="1" lang="zh-CN" altLang="en-US" dirty="0"/>
-              <a:t>组件使用</a:t>
-            </a:r>
-          </a:p>
-        </p:txBody>
-      </p:sp>
-      <p:pic>
-        <p:nvPicPr>
-          <p:cNvPr id="6" name="内容占位符 5">
-            <a:extLst>
-              <a:ext uri="{FF2B5EF4-FFF2-40B4-BE49-F238E27FC236}">
-                <a16:creationId xmlns:a16="http://schemas.microsoft.com/office/drawing/2014/main" id="{238922FC-5EC4-49AB-8CEF-CA0BDEF4970D}"/>
-              </a:ext>
-            </a:extLst>
-          </p:cNvPr>
-          <p:cNvPicPr>
-            <a:picLocks noGrp="1" noChangeAspect="1"/>
-          </p:cNvPicPr>
-          <p:nvPr>
-            <p:ph idx="1"/>
-          </p:nvPr>
-        </p:nvPicPr>
-        <p:blipFill>
-          <a:blip r:embed="rId3"/>
-          <a:stretch>
-            <a:fillRect/>
-          </a:stretch>
-        </p:blipFill>
-        <p:spPr>
-          <a:xfrm>
-            <a:off x="838200" y="1774768"/>
-            <a:ext cx="7696200" cy="2514600"/>
-          </a:xfrm>
-          <a:prstGeom prst="rect">
-            <a:avLst/>
-          </a:prstGeom>
-        </p:spPr>
-      </p:pic>
-      <p:pic>
-        <p:nvPicPr>
-          <p:cNvPr id="7" name="图片 6">
-            <a:extLst>
-              <a:ext uri="{FF2B5EF4-FFF2-40B4-BE49-F238E27FC236}">
-                <a16:creationId xmlns:a16="http://schemas.microsoft.com/office/drawing/2014/main" id="{E97495AC-31E9-4E4A-A75B-11713BB964F3}"/>
-              </a:ext>
-            </a:extLst>
-          </p:cNvPr>
-          <p:cNvPicPr>
-            <a:picLocks noChangeAspect="1"/>
-          </p:cNvPicPr>
-          <p:nvPr/>
-        </p:nvPicPr>
-        <p:blipFill>
-          <a:blip r:embed="rId4"/>
-          <a:stretch>
-            <a:fillRect/>
-          </a:stretch>
-        </p:blipFill>
-        <p:spPr>
-          <a:xfrm>
-            <a:off x="838200" y="4381825"/>
-            <a:ext cx="2362200" cy="676275"/>
-          </a:xfrm>
-          <a:prstGeom prst="rect">
-            <a:avLst/>
-          </a:prstGeom>
-        </p:spPr>
-      </p:pic>
-      <p:pic>
-        <p:nvPicPr>
-          <p:cNvPr id="8" name="图片 7">
-            <a:extLst>
-              <a:ext uri="{FF2B5EF4-FFF2-40B4-BE49-F238E27FC236}">
-                <a16:creationId xmlns:a16="http://schemas.microsoft.com/office/drawing/2014/main" id="{69FB918F-23E0-43AE-9E83-6E7BCF05C0DF}"/>
-              </a:ext>
-            </a:extLst>
-          </p:cNvPr>
-          <p:cNvPicPr>
-            <a:picLocks noChangeAspect="1"/>
-          </p:cNvPicPr>
-          <p:nvPr/>
-        </p:nvPicPr>
-        <p:blipFill>
-          <a:blip r:embed="rId5"/>
-          <a:stretch>
-            <a:fillRect/>
-          </a:stretch>
-        </p:blipFill>
-        <p:spPr>
-          <a:xfrm>
-            <a:off x="838200" y="5731584"/>
-            <a:ext cx="4724400" cy="523875"/>
-          </a:xfrm>
-          <a:prstGeom prst="rect">
-            <a:avLst/>
-          </a:prstGeom>
-        </p:spPr>
-      </p:pic>
-      <p:sp>
-        <p:nvSpPr>
-          <p:cNvPr id="9" name="矩形: 圆角 8">
-            <a:extLst>
-              <a:ext uri="{FF2B5EF4-FFF2-40B4-BE49-F238E27FC236}">
-                <a16:creationId xmlns:a16="http://schemas.microsoft.com/office/drawing/2014/main" id="{6947E7DA-C0D0-4A5E-B7BA-31EB85674354}"/>
-              </a:ext>
-            </a:extLst>
-          </p:cNvPr>
-          <p:cNvSpPr/>
-          <p:nvPr/>
-        </p:nvSpPr>
-        <p:spPr>
-          <a:xfrm>
-            <a:off x="838200" y="5318232"/>
-            <a:ext cx="2362200" cy="286189"/>
-          </a:xfrm>
-          <a:prstGeom prst="roundRect">
-            <a:avLst/>
-          </a:prstGeom>
-          <a:noFill/>
-        </p:spPr>
-        <p:style>
-          <a:lnRef idx="2">
-            <a:schemeClr val="accent1">
-              <a:shade val="50000"/>
-            </a:schemeClr>
-          </a:lnRef>
-          <a:fillRef idx="1">
-            <a:schemeClr val="accent1"/>
-          </a:fillRef>
-          <a:effectRef idx="0">
-            <a:schemeClr val="accent1"/>
-          </a:effectRef>
-          <a:fontRef idx="minor">
-            <a:schemeClr val="lt1"/>
-          </a:fontRef>
-        </p:style>
-        <p:txBody>
-          <a:bodyPr rtlCol="0" anchor="ctr"/>
-          <a:lstStyle/>
-          <a:p>
-            <a:r>
-              <a:rPr lang="zh-CN" altLang="en-US" dirty="0">
-                <a:solidFill>
-                  <a:schemeClr val="tx1"/>
-                </a:solidFill>
-              </a:rPr>
-              <a:t>第二种方式</a:t>
-            </a:r>
-          </a:p>
-        </p:txBody>
-      </p:sp>
-      <p:sp>
-        <p:nvSpPr>
-          <p:cNvPr id="11" name="矩形: 圆角 10">
-            <a:extLst>
-              <a:ext uri="{FF2B5EF4-FFF2-40B4-BE49-F238E27FC236}">
-                <a16:creationId xmlns:a16="http://schemas.microsoft.com/office/drawing/2014/main" id="{6A449CD4-4281-40C8-851B-3AA8A42E7A19}"/>
-              </a:ext>
-            </a:extLst>
-          </p:cNvPr>
-          <p:cNvSpPr/>
-          <p:nvPr/>
-        </p:nvSpPr>
-        <p:spPr>
-          <a:xfrm>
-            <a:off x="838200" y="1411944"/>
-            <a:ext cx="2362200" cy="286189"/>
-          </a:xfrm>
-          <a:prstGeom prst="roundRect">
-            <a:avLst/>
-          </a:prstGeom>
-          <a:noFill/>
-        </p:spPr>
-        <p:style>
-          <a:lnRef idx="2">
-            <a:schemeClr val="accent1">
-              <a:shade val="50000"/>
-            </a:schemeClr>
-          </a:lnRef>
-          <a:fillRef idx="1">
-            <a:schemeClr val="accent1"/>
-          </a:fillRef>
-          <a:effectRef idx="0">
-            <a:schemeClr val="accent1"/>
-          </a:effectRef>
-          <a:fontRef idx="minor">
-            <a:schemeClr val="lt1"/>
-          </a:fontRef>
-        </p:style>
-        <p:txBody>
-          <a:bodyPr rtlCol="0" anchor="ctr"/>
-          <a:lstStyle/>
-          <a:p>
-            <a:r>
-              <a:rPr lang="zh-CN" altLang="en-US" dirty="0">
-                <a:solidFill>
-                  <a:schemeClr val="tx1"/>
-                </a:solidFill>
-              </a:rPr>
-              <a:t>第一种方式</a:t>
-            </a:r>
-          </a:p>
-        </p:txBody>
-      </p:sp>
-      <p:pic>
-        <p:nvPicPr>
-          <p:cNvPr id="12" name="图片 11">
-            <a:extLst>
-              <a:ext uri="{FF2B5EF4-FFF2-40B4-BE49-F238E27FC236}">
-                <a16:creationId xmlns:a16="http://schemas.microsoft.com/office/drawing/2014/main" id="{20EA6791-01FD-41E2-B214-C0F3866C8C9D}"/>
-              </a:ext>
-            </a:extLst>
-          </p:cNvPr>
-          <p:cNvPicPr>
-            <a:picLocks noChangeAspect="1"/>
-          </p:cNvPicPr>
-          <p:nvPr/>
-        </p:nvPicPr>
-        <p:blipFill>
-          <a:blip r:embed="rId6"/>
-          <a:stretch>
-            <a:fillRect/>
-          </a:stretch>
-        </p:blipFill>
-        <p:spPr>
-          <a:xfrm>
-            <a:off x="5949840" y="5283909"/>
-            <a:ext cx="4895850" cy="971550"/>
-          </a:xfrm>
-          <a:prstGeom prst="rect">
-            <a:avLst/>
-          </a:prstGeom>
-        </p:spPr>
-      </p:pic>
-    </p:spTree>
-    <p:extLst>
-      <p:ext uri="{BB962C8B-B14F-4D97-AF65-F5344CB8AC3E}">
-        <p14:creationId xmlns:p14="http://schemas.microsoft.com/office/powerpoint/2010/main" val="613756474"/>
-      </p:ext>
-    </p:extLst>
-  </p:cSld>
-  <p:clrMapOvr>
-    <a:masterClrMapping/>
-  </p:clrMapOvr>
-</p:sld>
-</file>
-
-<file path=ppt/slides/slide9.xml><?xml version="1.0" encoding="utf-8"?>
-<p:sld xmlns:a="http://schemas.openxmlformats.org/drawingml/2006/main" xmlns:r="http://schemas.openxmlformats.org/officeDocument/2006/relationships" xmlns:p="http://schemas.openxmlformats.org/presentationml/2006/main">
-  <p:cSld>
-    <p:spTree>
-      <p:nvGrpSpPr>
-        <p:cNvPr id="1" name=""/>
-        <p:cNvGrpSpPr/>
-        <p:nvPr/>
-      </p:nvGrpSpPr>
-      <p:grpSpPr>
-        <a:xfrm>
-          <a:off x="0" y="0"/>
-          <a:ext cx="0" cy="0"/>
-          <a:chOff x="0" y="0"/>
-          <a:chExt cx="0" cy="0"/>
-        </a:xfrm>
-      </p:grpSpPr>
-      <p:sp>
-        <p:nvSpPr>
-          <p:cNvPr id="2" name="标题 1">
-            <a:extLst>
-              <a:ext uri="{FF2B5EF4-FFF2-40B4-BE49-F238E27FC236}">
                 <a16:creationId xmlns:a16="http://schemas.microsoft.com/office/drawing/2014/main" id="{C7A72104-81E9-4C30-8FF6-52E38914AD17}"/>
               </a:ext>
             </a:extLst>
@@ -6557,8 +5156,12 @@
           <a:lstStyle/>
           <a:p>
             <a:r>
+              <a:rPr lang="en-US" altLang="zh-CN" dirty="0"/>
+              <a:t>6</a:t>
+            </a:r>
+            <a:r>
               <a:rPr lang="zh-CN" altLang="en-US" dirty="0"/>
-              <a:t>环境配置和代理设置</a:t>
+              <a:t>、环境配置和代理设置</a:t>
             </a:r>
           </a:p>
         </p:txBody>
@@ -6689,6 +5292,1914 @@
     <p:extLst>
       <p:ext uri="{BB962C8B-B14F-4D97-AF65-F5344CB8AC3E}">
         <p14:creationId xmlns:p14="http://schemas.microsoft.com/office/powerpoint/2010/main" val="1076439889"/>
+      </p:ext>
+    </p:extLst>
+  </p:cSld>
+  <p:clrMapOvr>
+    <a:masterClrMapping/>
+  </p:clrMapOvr>
+</p:sld>
+</file>
+
+<file path=ppt/slides/slide16.xml><?xml version="1.0" encoding="utf-8"?>
+<p:sld xmlns:a="http://schemas.openxmlformats.org/drawingml/2006/main" xmlns:r="http://schemas.openxmlformats.org/officeDocument/2006/relationships" xmlns:p="http://schemas.openxmlformats.org/presentationml/2006/main">
+  <p:cSld>
+    <p:spTree>
+      <p:nvGrpSpPr>
+        <p:cNvPr id="1" name=""/>
+        <p:cNvGrpSpPr/>
+        <p:nvPr/>
+      </p:nvGrpSpPr>
+      <p:grpSpPr>
+        <a:xfrm>
+          <a:off x="0" y="0"/>
+          <a:ext cx="0" cy="0"/>
+          <a:chOff x="0" y="0"/>
+          <a:chExt cx="0" cy="0"/>
+        </a:xfrm>
+      </p:grpSpPr>
+      <p:sp>
+        <p:nvSpPr>
+          <p:cNvPr id="2" name="标题 1"/>
+          <p:cNvSpPr>
+            <a:spLocks noGrp="1"/>
+          </p:cNvSpPr>
+          <p:nvPr>
+            <p:ph type="title"/>
+          </p:nvPr>
+        </p:nvSpPr>
+        <p:spPr/>
+        <p:txBody>
+          <a:bodyPr/>
+          <a:lstStyle/>
+          <a:p>
+            <a:r>
+              <a:rPr lang="en-US" altLang="zh-CN" dirty="0"/>
+              <a:t>6</a:t>
+            </a:r>
+            <a:r>
+              <a:rPr lang="zh-CN" altLang="en-US" dirty="0"/>
+              <a:t>、</a:t>
+            </a:r>
+            <a:r>
+              <a:rPr kumimoji="1" lang="zh-CN" altLang="en-US" dirty="0"/>
+              <a:t>路由懒加载</a:t>
+            </a:r>
+          </a:p>
+        </p:txBody>
+      </p:sp>
+      <p:sp>
+        <p:nvSpPr>
+          <p:cNvPr id="3" name="内容占位符 2"/>
+          <p:cNvSpPr>
+            <a:spLocks noGrp="1"/>
+          </p:cNvSpPr>
+          <p:nvPr>
+            <p:ph idx="1"/>
+          </p:nvPr>
+        </p:nvSpPr>
+        <p:spPr/>
+        <p:txBody>
+          <a:bodyPr/>
+          <a:lstStyle/>
+          <a:p>
+            <a:endParaRPr kumimoji="1" lang="en-US" altLang="zh-CN" dirty="0"/>
+          </a:p>
+          <a:p>
+            <a:endParaRPr kumimoji="1" lang="zh-CN" altLang="en-US" dirty="0"/>
+          </a:p>
+        </p:txBody>
+      </p:sp>
+      <p:pic>
+        <p:nvPicPr>
+          <p:cNvPr id="5" name="图片 4">
+            <a:extLst>
+              <a:ext uri="{FF2B5EF4-FFF2-40B4-BE49-F238E27FC236}">
+                <a16:creationId xmlns:a16="http://schemas.microsoft.com/office/drawing/2014/main" id="{F1F6FFE1-940C-490B-A3EB-DFE6F59FA743}"/>
+              </a:ext>
+            </a:extLst>
+          </p:cNvPr>
+          <p:cNvPicPr>
+            <a:picLocks noChangeAspect="1"/>
+          </p:cNvPicPr>
+          <p:nvPr/>
+        </p:nvPicPr>
+        <p:blipFill>
+          <a:blip r:embed="rId2"/>
+          <a:stretch>
+            <a:fillRect/>
+          </a:stretch>
+        </p:blipFill>
+        <p:spPr>
+          <a:xfrm>
+            <a:off x="838200" y="1473200"/>
+            <a:ext cx="10096500" cy="5019675"/>
+          </a:xfrm>
+          <a:prstGeom prst="rect">
+            <a:avLst/>
+          </a:prstGeom>
+        </p:spPr>
+      </p:pic>
+    </p:spTree>
+    <p:extLst>
+      <p:ext uri="{BB962C8B-B14F-4D97-AF65-F5344CB8AC3E}">
+        <p14:creationId xmlns:p14="http://schemas.microsoft.com/office/powerpoint/2010/main" val="1439187200"/>
+      </p:ext>
+    </p:extLst>
+  </p:cSld>
+  <p:clrMapOvr>
+    <a:masterClrMapping/>
+  </p:clrMapOvr>
+</p:sld>
+</file>
+
+<file path=ppt/slides/slide17.xml><?xml version="1.0" encoding="utf-8"?>
+<p:sld xmlns:a="http://schemas.openxmlformats.org/drawingml/2006/main" xmlns:r="http://schemas.openxmlformats.org/officeDocument/2006/relationships" xmlns:p="http://schemas.openxmlformats.org/presentationml/2006/main">
+  <p:cSld>
+    <p:spTree>
+      <p:nvGrpSpPr>
+        <p:cNvPr id="1" name=""/>
+        <p:cNvGrpSpPr/>
+        <p:nvPr/>
+      </p:nvGrpSpPr>
+      <p:grpSpPr>
+        <a:xfrm>
+          <a:off x="0" y="0"/>
+          <a:ext cx="0" cy="0"/>
+          <a:chOff x="0" y="0"/>
+          <a:chExt cx="0" cy="0"/>
+        </a:xfrm>
+      </p:grpSpPr>
+      <p:sp>
+        <p:nvSpPr>
+          <p:cNvPr id="2" name="标题 1">
+            <a:extLst>
+              <a:ext uri="{FF2B5EF4-FFF2-40B4-BE49-F238E27FC236}">
+                <a16:creationId xmlns:a16="http://schemas.microsoft.com/office/drawing/2014/main" id="{8453748D-7095-48E9-A34B-803B3E1CA6DF}"/>
+              </a:ext>
+            </a:extLst>
+          </p:cNvPr>
+          <p:cNvSpPr>
+            <a:spLocks noGrp="1"/>
+          </p:cNvSpPr>
+          <p:nvPr>
+            <p:ph type="title"/>
+          </p:nvPr>
+        </p:nvSpPr>
+        <p:spPr/>
+        <p:txBody>
+          <a:bodyPr/>
+          <a:lstStyle/>
+          <a:p>
+            <a:r>
+              <a:rPr lang="en-US" altLang="zh-CN" dirty="0"/>
+              <a:t>6</a:t>
+            </a:r>
+            <a:r>
+              <a:rPr lang="zh-CN" altLang="en-US" dirty="0"/>
+              <a:t>、打包环境配置和</a:t>
+            </a:r>
+            <a:r>
+              <a:rPr lang="en-US" altLang="zh-CN" dirty="0"/>
+              <a:t>babel-</a:t>
+            </a:r>
+            <a:r>
+              <a:rPr lang="en-US" altLang="zh-CN" dirty="0" err="1"/>
+              <a:t>polyfill</a:t>
+            </a:r>
+            <a:endParaRPr lang="zh-CN" altLang="en-US" dirty="0"/>
+          </a:p>
+        </p:txBody>
+      </p:sp>
+      <p:pic>
+        <p:nvPicPr>
+          <p:cNvPr id="4" name="内容占位符 3">
+            <a:extLst>
+              <a:ext uri="{FF2B5EF4-FFF2-40B4-BE49-F238E27FC236}">
+                <a16:creationId xmlns:a16="http://schemas.microsoft.com/office/drawing/2014/main" id="{C6DA2931-5A7B-4CA2-9780-112DF5E6115B}"/>
+              </a:ext>
+            </a:extLst>
+          </p:cNvPr>
+          <p:cNvPicPr>
+            <a:picLocks noGrp="1" noChangeAspect="1"/>
+          </p:cNvPicPr>
+          <p:nvPr>
+            <p:ph idx="1"/>
+          </p:nvPr>
+        </p:nvPicPr>
+        <p:blipFill>
+          <a:blip r:embed="rId2"/>
+          <a:stretch>
+            <a:fillRect/>
+          </a:stretch>
+        </p:blipFill>
+        <p:spPr>
+          <a:xfrm>
+            <a:off x="838200" y="1690688"/>
+            <a:ext cx="9829800" cy="1905000"/>
+          </a:xfrm>
+          <a:prstGeom prst="rect">
+            <a:avLst/>
+          </a:prstGeom>
+        </p:spPr>
+      </p:pic>
+      <p:pic>
+        <p:nvPicPr>
+          <p:cNvPr id="5" name="图片 4">
+            <a:extLst>
+              <a:ext uri="{FF2B5EF4-FFF2-40B4-BE49-F238E27FC236}">
+                <a16:creationId xmlns:a16="http://schemas.microsoft.com/office/drawing/2014/main" id="{C2C7916F-58E4-43D9-B9C0-377639CBE010}"/>
+              </a:ext>
+            </a:extLst>
+          </p:cNvPr>
+          <p:cNvPicPr>
+            <a:picLocks noChangeAspect="1"/>
+          </p:cNvPicPr>
+          <p:nvPr/>
+        </p:nvPicPr>
+        <p:blipFill>
+          <a:blip r:embed="rId3"/>
+          <a:stretch>
+            <a:fillRect/>
+          </a:stretch>
+        </p:blipFill>
+        <p:spPr>
+          <a:xfrm>
+            <a:off x="838200" y="4136806"/>
+            <a:ext cx="5600700" cy="476250"/>
+          </a:xfrm>
+          <a:prstGeom prst="rect">
+            <a:avLst/>
+          </a:prstGeom>
+        </p:spPr>
+      </p:pic>
+      <p:pic>
+        <p:nvPicPr>
+          <p:cNvPr id="3" name="图片 2">
+            <a:extLst>
+              <a:ext uri="{FF2B5EF4-FFF2-40B4-BE49-F238E27FC236}">
+                <a16:creationId xmlns:a16="http://schemas.microsoft.com/office/drawing/2014/main" id="{98DB7BA4-2EFF-4E64-B855-841152DC0546}"/>
+              </a:ext>
+            </a:extLst>
+          </p:cNvPr>
+          <p:cNvPicPr>
+            <a:picLocks noChangeAspect="1"/>
+          </p:cNvPicPr>
+          <p:nvPr/>
+        </p:nvPicPr>
+        <p:blipFill>
+          <a:blip r:embed="rId4"/>
+          <a:stretch>
+            <a:fillRect/>
+          </a:stretch>
+        </p:blipFill>
+        <p:spPr>
+          <a:xfrm>
+            <a:off x="838200" y="4850306"/>
+            <a:ext cx="4191000" cy="1181100"/>
+          </a:xfrm>
+          <a:prstGeom prst="rect">
+            <a:avLst/>
+          </a:prstGeom>
+        </p:spPr>
+      </p:pic>
+    </p:spTree>
+    <p:extLst>
+      <p:ext uri="{BB962C8B-B14F-4D97-AF65-F5344CB8AC3E}">
+        <p14:creationId xmlns:p14="http://schemas.microsoft.com/office/powerpoint/2010/main" val="1362637602"/>
+      </p:ext>
+    </p:extLst>
+  </p:cSld>
+  <p:clrMapOvr>
+    <a:masterClrMapping/>
+  </p:clrMapOvr>
+</p:sld>
+</file>
+
+<file path=ppt/slides/slide18.xml><?xml version="1.0" encoding="utf-8"?>
+<p:sld xmlns:a="http://schemas.openxmlformats.org/drawingml/2006/main" xmlns:r="http://schemas.openxmlformats.org/officeDocument/2006/relationships" xmlns:p="http://schemas.openxmlformats.org/presentationml/2006/main">
+  <p:cSld>
+    <p:spTree>
+      <p:nvGrpSpPr>
+        <p:cNvPr id="1" name=""/>
+        <p:cNvGrpSpPr/>
+        <p:nvPr/>
+      </p:nvGrpSpPr>
+      <p:grpSpPr>
+        <a:xfrm>
+          <a:off x="0" y="0"/>
+          <a:ext cx="0" cy="0"/>
+          <a:chOff x="0" y="0"/>
+          <a:chExt cx="0" cy="0"/>
+        </a:xfrm>
+      </p:grpSpPr>
+      <p:sp>
+        <p:nvSpPr>
+          <p:cNvPr id="2" name="标题 1">
+            <a:extLst>
+              <a:ext uri="{FF2B5EF4-FFF2-40B4-BE49-F238E27FC236}">
+                <a16:creationId xmlns:a16="http://schemas.microsoft.com/office/drawing/2014/main" id="{842326CC-66E2-4459-A01E-E717E5EF55AD}"/>
+              </a:ext>
+            </a:extLst>
+          </p:cNvPr>
+          <p:cNvSpPr>
+            <a:spLocks noGrp="1"/>
+          </p:cNvSpPr>
+          <p:nvPr>
+            <p:ph type="title"/>
+          </p:nvPr>
+        </p:nvSpPr>
+        <p:spPr/>
+        <p:txBody>
+          <a:bodyPr/>
+          <a:lstStyle/>
+          <a:p>
+            <a:r>
+              <a:rPr lang="en-US" altLang="zh-CN" dirty="0"/>
+              <a:t>6</a:t>
+            </a:r>
+            <a:r>
+              <a:rPr lang="zh-CN" altLang="en-US" dirty="0"/>
+              <a:t>、 </a:t>
+            </a:r>
+            <a:r>
+              <a:rPr lang="en-US" altLang="zh-CN" dirty="0"/>
+              <a:t>VS Code </a:t>
+            </a:r>
+            <a:r>
+              <a:rPr lang="zh-CN" altLang="en-US" dirty="0"/>
+              <a:t>断点调试</a:t>
+            </a:r>
+          </a:p>
+        </p:txBody>
+      </p:sp>
+      <p:pic>
+        <p:nvPicPr>
+          <p:cNvPr id="4" name="内容占位符 3">
+            <a:extLst>
+              <a:ext uri="{FF2B5EF4-FFF2-40B4-BE49-F238E27FC236}">
+                <a16:creationId xmlns:a16="http://schemas.microsoft.com/office/drawing/2014/main" id="{9AC104E4-0E4D-4FDE-8B31-F38A0567BAEB}"/>
+              </a:ext>
+            </a:extLst>
+          </p:cNvPr>
+          <p:cNvPicPr>
+            <a:picLocks noGrp="1" noChangeAspect="1"/>
+          </p:cNvPicPr>
+          <p:nvPr>
+            <p:ph idx="1"/>
+          </p:nvPr>
+        </p:nvPicPr>
+        <p:blipFill>
+          <a:blip r:embed="rId2"/>
+          <a:stretch>
+            <a:fillRect/>
+          </a:stretch>
+        </p:blipFill>
+        <p:spPr>
+          <a:xfrm>
+            <a:off x="984523" y="1498846"/>
+            <a:ext cx="4505325" cy="3638550"/>
+          </a:xfrm>
+          <a:prstGeom prst="rect">
+            <a:avLst/>
+          </a:prstGeom>
+        </p:spPr>
+      </p:pic>
+      <p:pic>
+        <p:nvPicPr>
+          <p:cNvPr id="5" name="图片 4">
+            <a:extLst>
+              <a:ext uri="{FF2B5EF4-FFF2-40B4-BE49-F238E27FC236}">
+                <a16:creationId xmlns:a16="http://schemas.microsoft.com/office/drawing/2014/main" id="{B4B78E45-1D11-4CF5-B096-87B8D294D479}"/>
+              </a:ext>
+            </a:extLst>
+          </p:cNvPr>
+          <p:cNvPicPr>
+            <a:picLocks noChangeAspect="1"/>
+          </p:cNvPicPr>
+          <p:nvPr/>
+        </p:nvPicPr>
+        <p:blipFill>
+          <a:blip r:embed="rId3"/>
+          <a:stretch>
+            <a:fillRect/>
+          </a:stretch>
+        </p:blipFill>
+        <p:spPr>
+          <a:xfrm>
+            <a:off x="984523" y="5311775"/>
+            <a:ext cx="3943350" cy="1181100"/>
+          </a:xfrm>
+          <a:prstGeom prst="rect">
+            <a:avLst/>
+          </a:prstGeom>
+        </p:spPr>
+      </p:pic>
+      <p:pic>
+        <p:nvPicPr>
+          <p:cNvPr id="7" name="图片 6">
+            <a:extLst>
+              <a:ext uri="{FF2B5EF4-FFF2-40B4-BE49-F238E27FC236}">
+                <a16:creationId xmlns:a16="http://schemas.microsoft.com/office/drawing/2014/main" id="{F41D5DDC-98C7-40D6-83E3-A0CB0AE5182B}"/>
+              </a:ext>
+            </a:extLst>
+          </p:cNvPr>
+          <p:cNvPicPr>
+            <a:picLocks noChangeAspect="1"/>
+          </p:cNvPicPr>
+          <p:nvPr/>
+        </p:nvPicPr>
+        <p:blipFill>
+          <a:blip r:embed="rId4"/>
+          <a:stretch>
+            <a:fillRect/>
+          </a:stretch>
+        </p:blipFill>
+        <p:spPr>
+          <a:xfrm>
+            <a:off x="6096000" y="570295"/>
+            <a:ext cx="3924300" cy="5943600"/>
+          </a:xfrm>
+          <a:prstGeom prst="rect">
+            <a:avLst/>
+          </a:prstGeom>
+        </p:spPr>
+      </p:pic>
+    </p:spTree>
+    <p:extLst>
+      <p:ext uri="{BB962C8B-B14F-4D97-AF65-F5344CB8AC3E}">
+        <p14:creationId xmlns:p14="http://schemas.microsoft.com/office/powerpoint/2010/main" val="220138568"/>
+      </p:ext>
+    </p:extLst>
+  </p:cSld>
+  <p:clrMapOvr>
+    <a:masterClrMapping/>
+  </p:clrMapOvr>
+</p:sld>
+</file>
+
+<file path=ppt/slides/slide19.xml><?xml version="1.0" encoding="utf-8"?>
+<p:sld xmlns:a="http://schemas.openxmlformats.org/drawingml/2006/main" xmlns:r="http://schemas.openxmlformats.org/officeDocument/2006/relationships" xmlns:p="http://schemas.openxmlformats.org/presentationml/2006/main">
+  <p:cSld>
+    <p:spTree>
+      <p:nvGrpSpPr>
+        <p:cNvPr id="1" name=""/>
+        <p:cNvGrpSpPr/>
+        <p:nvPr/>
+      </p:nvGrpSpPr>
+      <p:grpSpPr>
+        <a:xfrm>
+          <a:off x="0" y="0"/>
+          <a:ext cx="0" cy="0"/>
+          <a:chOff x="0" y="0"/>
+          <a:chExt cx="0" cy="0"/>
+        </a:xfrm>
+      </p:grpSpPr>
+      <p:sp>
+        <p:nvSpPr>
+          <p:cNvPr id="2" name="标题 1">
+            <a:extLst>
+              <a:ext uri="{FF2B5EF4-FFF2-40B4-BE49-F238E27FC236}">
+                <a16:creationId xmlns:a16="http://schemas.microsoft.com/office/drawing/2014/main" id="{3B91F0BC-C9CC-427C-BB8E-4AB958908704}"/>
+              </a:ext>
+            </a:extLst>
+          </p:cNvPr>
+          <p:cNvSpPr>
+            <a:spLocks noGrp="1"/>
+          </p:cNvSpPr>
+          <p:nvPr>
+            <p:ph type="title"/>
+          </p:nvPr>
+        </p:nvSpPr>
+        <p:spPr/>
+        <p:txBody>
+          <a:bodyPr/>
+          <a:lstStyle/>
+          <a:p>
+            <a:pPr algn="ctr"/>
+            <a:r>
+              <a:rPr lang="zh-CN" altLang="en-US" dirty="0"/>
+              <a:t>谢谢大家</a:t>
+            </a:r>
+          </a:p>
+        </p:txBody>
+      </p:sp>
+      <p:sp>
+        <p:nvSpPr>
+          <p:cNvPr id="3" name="内容占位符 2">
+            <a:extLst>
+              <a:ext uri="{FF2B5EF4-FFF2-40B4-BE49-F238E27FC236}">
+                <a16:creationId xmlns:a16="http://schemas.microsoft.com/office/drawing/2014/main" id="{31C33EE6-D08F-4B07-865B-90F382C3AA09}"/>
+              </a:ext>
+            </a:extLst>
+          </p:cNvPr>
+          <p:cNvSpPr>
+            <a:spLocks noGrp="1"/>
+          </p:cNvSpPr>
+          <p:nvPr>
+            <p:ph idx="1"/>
+          </p:nvPr>
+        </p:nvSpPr>
+        <p:spPr/>
+        <p:txBody>
+          <a:bodyPr/>
+          <a:lstStyle/>
+          <a:p>
+            <a:r>
+              <a:rPr lang="zh-CN" altLang="en-US" dirty="0"/>
+              <a:t>源码地址：</a:t>
+            </a:r>
+            <a:r>
+              <a:rPr lang="en-US" altLang="zh-CN" dirty="0"/>
+              <a:t>https://github.com/liwenxin-jam/vuecli3-starter</a:t>
+            </a:r>
+            <a:endParaRPr lang="zh-CN" altLang="en-US" dirty="0"/>
+          </a:p>
+        </p:txBody>
+      </p:sp>
+    </p:spTree>
+    <p:extLst>
+      <p:ext uri="{BB962C8B-B14F-4D97-AF65-F5344CB8AC3E}">
+        <p14:creationId xmlns:p14="http://schemas.microsoft.com/office/powerpoint/2010/main" val="3207071298"/>
+      </p:ext>
+    </p:extLst>
+  </p:cSld>
+  <p:clrMapOvr>
+    <a:masterClrMapping/>
+  </p:clrMapOvr>
+</p:sld>
+</file>
+
+<file path=ppt/slides/slide2.xml><?xml version="1.0" encoding="utf-8"?>
+<p:sld xmlns:a="http://schemas.openxmlformats.org/drawingml/2006/main" xmlns:r="http://schemas.openxmlformats.org/officeDocument/2006/relationships" xmlns:p="http://schemas.openxmlformats.org/presentationml/2006/main">
+  <p:cSld>
+    <p:spTree>
+      <p:nvGrpSpPr>
+        <p:cNvPr id="1" name=""/>
+        <p:cNvGrpSpPr/>
+        <p:nvPr/>
+      </p:nvGrpSpPr>
+      <p:grpSpPr>
+        <a:xfrm>
+          <a:off x="0" y="0"/>
+          <a:ext cx="0" cy="0"/>
+          <a:chOff x="0" y="0"/>
+          <a:chExt cx="0" cy="0"/>
+        </a:xfrm>
+      </p:grpSpPr>
+      <p:sp>
+        <p:nvSpPr>
+          <p:cNvPr id="2" name="标题 1">
+            <a:extLst>
+              <a:ext uri="{FF2B5EF4-FFF2-40B4-BE49-F238E27FC236}">
+                <a16:creationId xmlns:a16="http://schemas.microsoft.com/office/drawing/2014/main" id="{9D1684B9-985E-47F5-A474-082B14F95D79}"/>
+              </a:ext>
+            </a:extLst>
+          </p:cNvPr>
+          <p:cNvSpPr>
+            <a:spLocks noGrp="1"/>
+          </p:cNvSpPr>
+          <p:nvPr>
+            <p:ph type="title"/>
+          </p:nvPr>
+        </p:nvSpPr>
+        <p:spPr/>
+        <p:txBody>
+          <a:bodyPr/>
+          <a:lstStyle/>
+          <a:p>
+            <a:pPr algn="ctr"/>
+            <a:r>
+              <a:rPr lang="zh-CN" altLang="en-US" dirty="0"/>
+              <a:t>目录</a:t>
+            </a:r>
+          </a:p>
+        </p:txBody>
+      </p:sp>
+      <p:sp>
+        <p:nvSpPr>
+          <p:cNvPr id="3" name="内容占位符 2">
+            <a:extLst>
+              <a:ext uri="{FF2B5EF4-FFF2-40B4-BE49-F238E27FC236}">
+                <a16:creationId xmlns:a16="http://schemas.microsoft.com/office/drawing/2014/main" id="{689B31AB-61F7-4340-B9A5-5F1098608018}"/>
+              </a:ext>
+            </a:extLst>
+          </p:cNvPr>
+          <p:cNvSpPr>
+            <a:spLocks noGrp="1"/>
+          </p:cNvSpPr>
+          <p:nvPr>
+            <p:ph idx="1"/>
+          </p:nvPr>
+        </p:nvSpPr>
+        <p:spPr/>
+        <p:txBody>
+          <a:bodyPr/>
+          <a:lstStyle/>
+          <a:p>
+            <a:pPr marL="0" indent="0">
+              <a:buNone/>
+            </a:pPr>
+            <a:r>
+              <a:rPr lang="en-US" altLang="zh-CN" dirty="0"/>
+              <a:t>1</a:t>
+            </a:r>
+            <a:r>
+              <a:rPr lang="zh-CN" altLang="en-US" dirty="0"/>
+              <a:t>、初始化构建</a:t>
+            </a:r>
+            <a:endParaRPr lang="en-US" altLang="zh-CN" dirty="0"/>
+          </a:p>
+          <a:p>
+            <a:pPr marL="0" indent="0">
+              <a:buNone/>
+            </a:pPr>
+            <a:r>
+              <a:rPr lang="en-US" altLang="zh-CN" dirty="0"/>
+              <a:t>2</a:t>
+            </a:r>
+            <a:r>
+              <a:rPr lang="zh-CN" altLang="en-US" dirty="0"/>
+              <a:t>、生命周期</a:t>
+            </a:r>
+            <a:r>
+              <a:rPr lang="en-US" altLang="zh-CN" dirty="0"/>
+              <a:t>(TODO)</a:t>
+            </a:r>
+          </a:p>
+          <a:p>
+            <a:pPr marL="0" indent="0">
+              <a:buNone/>
+            </a:pPr>
+            <a:r>
+              <a:rPr lang="en-US" altLang="zh-CN" dirty="0"/>
+              <a:t>3</a:t>
+            </a:r>
+            <a:r>
+              <a:rPr lang="zh-CN" altLang="en-US" dirty="0"/>
+              <a:t>、双向绑定</a:t>
+            </a:r>
+            <a:r>
+              <a:rPr lang="en-US" altLang="zh-CN" dirty="0"/>
+              <a:t>(TODO)</a:t>
+            </a:r>
+          </a:p>
+          <a:p>
+            <a:pPr marL="0" indent="0">
+              <a:buNone/>
+            </a:pPr>
+            <a:r>
+              <a:rPr lang="en-US" altLang="zh-CN" dirty="0"/>
+              <a:t>4</a:t>
+            </a:r>
+            <a:r>
+              <a:rPr lang="zh-CN" altLang="en-US" dirty="0"/>
+              <a:t>、组件和组件通信</a:t>
+            </a:r>
+            <a:r>
+              <a:rPr lang="en-US" altLang="zh-CN" dirty="0"/>
+              <a:t>(TODO) </a:t>
+            </a:r>
+          </a:p>
+          <a:p>
+            <a:pPr marL="0" indent="0">
+              <a:buNone/>
+            </a:pPr>
+            <a:r>
+              <a:rPr lang="en-US" altLang="zh-CN" dirty="0"/>
+              <a:t>5</a:t>
+            </a:r>
+            <a:r>
+              <a:rPr lang="zh-CN" altLang="en-US" dirty="0"/>
+              <a:t>、</a:t>
+            </a:r>
+            <a:r>
+              <a:rPr lang="en-US" altLang="zh-CN" dirty="0"/>
+              <a:t>CSS</a:t>
+            </a:r>
+            <a:r>
+              <a:rPr lang="zh-CN" altLang="en-US" dirty="0"/>
+              <a:t>和</a:t>
+            </a:r>
+            <a:r>
+              <a:rPr lang="en-US" altLang="zh-CN" dirty="0"/>
+              <a:t>JS</a:t>
+            </a:r>
+            <a:r>
+              <a:rPr lang="zh-CN" altLang="en-US" dirty="0"/>
+              <a:t>相关优化配置</a:t>
+            </a:r>
+            <a:endParaRPr lang="en-US" altLang="zh-CN" dirty="0"/>
+          </a:p>
+          <a:p>
+            <a:pPr marL="0" indent="0">
+              <a:buNone/>
+            </a:pPr>
+            <a:r>
+              <a:rPr lang="en-US" altLang="zh-CN" dirty="0"/>
+              <a:t>6</a:t>
+            </a:r>
+            <a:r>
+              <a:rPr lang="zh-CN" altLang="en-US" dirty="0"/>
+              <a:t>、环境配置与调试</a:t>
+            </a:r>
+            <a:endParaRPr lang="en-US" altLang="zh-CN" dirty="0"/>
+          </a:p>
+          <a:p>
+            <a:pPr marL="0" indent="0">
+              <a:buNone/>
+            </a:pPr>
+            <a:endParaRPr lang="en-US" altLang="zh-CN" dirty="0"/>
+          </a:p>
+          <a:p>
+            <a:pPr marL="0" indent="0">
+              <a:buNone/>
+            </a:pPr>
+            <a:endParaRPr lang="en-US" altLang="zh-CN" dirty="0"/>
+          </a:p>
+          <a:p>
+            <a:endParaRPr lang="en-US" altLang="zh-CN" dirty="0"/>
+          </a:p>
+          <a:p>
+            <a:endParaRPr lang="en-US" altLang="zh-CN" dirty="0"/>
+          </a:p>
+        </p:txBody>
+      </p:sp>
+    </p:spTree>
+    <p:extLst>
+      <p:ext uri="{BB962C8B-B14F-4D97-AF65-F5344CB8AC3E}">
+        <p14:creationId xmlns:p14="http://schemas.microsoft.com/office/powerpoint/2010/main" val="3112565650"/>
+      </p:ext>
+    </p:extLst>
+  </p:cSld>
+  <p:clrMapOvr>
+    <a:masterClrMapping/>
+  </p:clrMapOvr>
+</p:sld>
+</file>
+
+<file path=ppt/slides/slide3.xml><?xml version="1.0" encoding="utf-8"?>
+<p:sld xmlns:a="http://schemas.openxmlformats.org/drawingml/2006/main" xmlns:r="http://schemas.openxmlformats.org/officeDocument/2006/relationships" xmlns:p="http://schemas.openxmlformats.org/presentationml/2006/main">
+  <p:cSld>
+    <p:spTree>
+      <p:nvGrpSpPr>
+        <p:cNvPr id="1" name=""/>
+        <p:cNvGrpSpPr/>
+        <p:nvPr/>
+      </p:nvGrpSpPr>
+      <p:grpSpPr>
+        <a:xfrm>
+          <a:off x="0" y="0"/>
+          <a:ext cx="0" cy="0"/>
+          <a:chOff x="0" y="0"/>
+          <a:chExt cx="0" cy="0"/>
+        </a:xfrm>
+      </p:grpSpPr>
+      <p:sp>
+        <p:nvSpPr>
+          <p:cNvPr id="2" name="标题 1"/>
+          <p:cNvSpPr>
+            <a:spLocks noGrp="1"/>
+          </p:cNvSpPr>
+          <p:nvPr>
+            <p:ph type="title"/>
+          </p:nvPr>
+        </p:nvSpPr>
+        <p:spPr/>
+        <p:txBody>
+          <a:bodyPr/>
+          <a:lstStyle/>
+          <a:p>
+            <a:r>
+              <a:rPr kumimoji="1" lang="en-US" altLang="zh-CN" dirty="0"/>
+              <a:t>1</a:t>
+            </a:r>
+            <a:r>
+              <a:rPr kumimoji="1" lang="zh-CN" altLang="en-US" dirty="0"/>
+              <a:t>、创建脚手架模板</a:t>
+            </a:r>
+          </a:p>
+        </p:txBody>
+      </p:sp>
+      <p:sp>
+        <p:nvSpPr>
+          <p:cNvPr id="3" name="内容占位符 2"/>
+          <p:cNvSpPr>
+            <a:spLocks noGrp="1"/>
+          </p:cNvSpPr>
+          <p:nvPr>
+            <p:ph idx="1"/>
+          </p:nvPr>
+        </p:nvSpPr>
+        <p:spPr/>
+        <p:txBody>
+          <a:bodyPr/>
+          <a:lstStyle/>
+          <a:p>
+            <a:r>
+              <a:rPr kumimoji="1" lang="en-US" altLang="zh-CN" dirty="0" err="1"/>
+              <a:t>vue</a:t>
+            </a:r>
+            <a:r>
+              <a:rPr kumimoji="1" lang="zh-CN" altLang="en-US" dirty="0"/>
+              <a:t> </a:t>
+            </a:r>
+            <a:r>
+              <a:rPr kumimoji="1" lang="en-US" altLang="zh-CN" dirty="0" err="1"/>
+              <a:t>ui</a:t>
+            </a:r>
+            <a:r>
+              <a:rPr kumimoji="1" lang="zh-CN" altLang="en-US" dirty="0"/>
+              <a:t> </a:t>
+            </a:r>
+            <a:r>
+              <a:rPr kumimoji="1" lang="en-US" altLang="zh-CN" dirty="0"/>
+              <a:t>(</a:t>
+            </a:r>
+            <a:r>
+              <a:rPr kumimoji="1" lang="zh-CN" altLang="en-US" dirty="0"/>
+              <a:t>可视化</a:t>
+            </a:r>
+            <a:r>
+              <a:rPr kumimoji="1" lang="en-US" altLang="zh-CN" dirty="0"/>
+              <a:t>)</a:t>
+            </a:r>
+            <a:endParaRPr kumimoji="1" lang="zh-CN" altLang="en-US" dirty="0"/>
+          </a:p>
+          <a:p>
+            <a:r>
+              <a:rPr kumimoji="1" lang="en-US" altLang="zh-CN" dirty="0" err="1"/>
+              <a:t>vue</a:t>
+            </a:r>
+            <a:r>
+              <a:rPr kumimoji="1" lang="zh-CN" altLang="en-US" dirty="0"/>
+              <a:t> </a:t>
+            </a:r>
+            <a:r>
+              <a:rPr kumimoji="1" lang="en-US" altLang="zh-CN" dirty="0"/>
+              <a:t>create</a:t>
+            </a:r>
+            <a:r>
+              <a:rPr kumimoji="1" lang="zh-CN" altLang="en-US" dirty="0"/>
+              <a:t> </a:t>
+            </a:r>
+            <a:r>
+              <a:rPr kumimoji="1" lang="en-US" altLang="zh-CN" dirty="0"/>
+              <a:t>‘</a:t>
+            </a:r>
+            <a:r>
+              <a:rPr kumimoji="1" lang="en-US" altLang="zh-CN" dirty="0" err="1"/>
+              <a:t>projectName</a:t>
+            </a:r>
+            <a:r>
+              <a:rPr kumimoji="1" lang="en-US" altLang="zh-CN" dirty="0"/>
+              <a:t>’</a:t>
+            </a:r>
+            <a:r>
+              <a:rPr kumimoji="1" lang="zh-CN" altLang="en-US" dirty="0"/>
+              <a:t>  </a:t>
+            </a:r>
+            <a:r>
+              <a:rPr kumimoji="1" lang="en-US" altLang="zh-CN" dirty="0"/>
+              <a:t>(</a:t>
+            </a:r>
+            <a:r>
+              <a:rPr kumimoji="1" lang="zh-CN" altLang="en-US" dirty="0"/>
+              <a:t>方向键上下切换，空格选择，回车确定</a:t>
+            </a:r>
+            <a:r>
+              <a:rPr kumimoji="1" lang="en-US" altLang="zh-CN" dirty="0"/>
+              <a:t>)</a:t>
+            </a:r>
+            <a:endParaRPr kumimoji="1" lang="zh-CN" altLang="en-US" dirty="0"/>
+          </a:p>
+          <a:p>
+            <a:pPr marL="0" indent="0">
+              <a:buNone/>
+            </a:pPr>
+            <a:endParaRPr kumimoji="1" lang="zh-CN" altLang="en-US" dirty="0"/>
+          </a:p>
+        </p:txBody>
+      </p:sp>
+      <p:pic>
+        <p:nvPicPr>
+          <p:cNvPr id="4" name="图片 3"/>
+          <p:cNvPicPr>
+            <a:picLocks noChangeAspect="1"/>
+          </p:cNvPicPr>
+          <p:nvPr/>
+        </p:nvPicPr>
+        <p:blipFill>
+          <a:blip r:embed="rId3"/>
+          <a:stretch>
+            <a:fillRect/>
+          </a:stretch>
+        </p:blipFill>
+        <p:spPr>
+          <a:xfrm>
+            <a:off x="950495" y="2854826"/>
+            <a:ext cx="3365500" cy="1854200"/>
+          </a:xfrm>
+          <a:prstGeom prst="rect">
+            <a:avLst/>
+          </a:prstGeom>
+        </p:spPr>
+      </p:pic>
+      <p:pic>
+        <p:nvPicPr>
+          <p:cNvPr id="5" name="图片 4"/>
+          <p:cNvPicPr>
+            <a:picLocks noChangeAspect="1"/>
+          </p:cNvPicPr>
+          <p:nvPr/>
+        </p:nvPicPr>
+        <p:blipFill>
+          <a:blip r:embed="rId4"/>
+          <a:stretch>
+            <a:fillRect/>
+          </a:stretch>
+        </p:blipFill>
+        <p:spPr>
+          <a:xfrm>
+            <a:off x="6481679" y="2836863"/>
+            <a:ext cx="4724400" cy="3340100"/>
+          </a:xfrm>
+          <a:prstGeom prst="rect">
+            <a:avLst/>
+          </a:prstGeom>
+        </p:spPr>
+      </p:pic>
+    </p:spTree>
+    <p:extLst>
+      <p:ext uri="{BB962C8B-B14F-4D97-AF65-F5344CB8AC3E}">
+        <p14:creationId xmlns:p14="http://schemas.microsoft.com/office/powerpoint/2010/main" val="1354892031"/>
+      </p:ext>
+    </p:extLst>
+  </p:cSld>
+  <p:clrMapOvr>
+    <a:masterClrMapping/>
+  </p:clrMapOvr>
+</p:sld>
+</file>
+
+<file path=ppt/slides/slide4.xml><?xml version="1.0" encoding="utf-8"?>
+<p:sld xmlns:a="http://schemas.openxmlformats.org/drawingml/2006/main" xmlns:r="http://schemas.openxmlformats.org/officeDocument/2006/relationships" xmlns:p="http://schemas.openxmlformats.org/presentationml/2006/main">
+  <p:cSld>
+    <p:spTree>
+      <p:nvGrpSpPr>
+        <p:cNvPr id="1" name=""/>
+        <p:cNvGrpSpPr/>
+        <p:nvPr/>
+      </p:nvGrpSpPr>
+      <p:grpSpPr>
+        <a:xfrm>
+          <a:off x="0" y="0"/>
+          <a:ext cx="0" cy="0"/>
+          <a:chOff x="0" y="0"/>
+          <a:chExt cx="0" cy="0"/>
+        </a:xfrm>
+      </p:grpSpPr>
+      <p:sp>
+        <p:nvSpPr>
+          <p:cNvPr id="2" name="标题 1"/>
+          <p:cNvSpPr>
+            <a:spLocks noGrp="1"/>
+          </p:cNvSpPr>
+          <p:nvPr>
+            <p:ph type="title"/>
+          </p:nvPr>
+        </p:nvSpPr>
+        <p:spPr/>
+        <p:txBody>
+          <a:bodyPr/>
+          <a:lstStyle/>
+          <a:p>
+            <a:r>
+              <a:rPr kumimoji="1" lang="en-US" altLang="zh-CN" dirty="0"/>
+              <a:t>1</a:t>
+            </a:r>
+            <a:r>
+              <a:rPr kumimoji="1" lang="zh-CN" altLang="en-US" dirty="0"/>
+              <a:t>、配置项</a:t>
+            </a:r>
+            <a:r>
+              <a:rPr kumimoji="1" lang="en-US" altLang="zh-CN" dirty="0"/>
+              <a:t>(router</a:t>
+            </a:r>
+            <a:r>
+              <a:rPr kumimoji="1" lang="zh-CN" altLang="en-US" dirty="0"/>
+              <a:t>、</a:t>
+            </a:r>
+            <a:r>
+              <a:rPr kumimoji="1" lang="en-US" altLang="zh-CN" dirty="0"/>
+              <a:t>sass)</a:t>
+            </a:r>
+            <a:endParaRPr kumimoji="1" lang="zh-CN" altLang="en-US" dirty="0"/>
+          </a:p>
+        </p:txBody>
+      </p:sp>
+      <p:pic>
+        <p:nvPicPr>
+          <p:cNvPr id="4" name="内容占位符 3"/>
+          <p:cNvPicPr>
+            <a:picLocks noGrp="1" noChangeAspect="1"/>
+          </p:cNvPicPr>
+          <p:nvPr>
+            <p:ph idx="1"/>
+          </p:nvPr>
+        </p:nvPicPr>
+        <p:blipFill>
+          <a:blip r:embed="rId3"/>
+          <a:stretch>
+            <a:fillRect/>
+          </a:stretch>
+        </p:blipFill>
+        <p:spPr>
+          <a:xfrm>
+            <a:off x="838200" y="1486693"/>
+            <a:ext cx="7124700" cy="1981200"/>
+          </a:xfrm>
+          <a:prstGeom prst="rect">
+            <a:avLst/>
+          </a:prstGeom>
+        </p:spPr>
+      </p:pic>
+      <p:pic>
+        <p:nvPicPr>
+          <p:cNvPr id="5" name="图片 4"/>
+          <p:cNvPicPr>
+            <a:picLocks noChangeAspect="1"/>
+          </p:cNvPicPr>
+          <p:nvPr/>
+        </p:nvPicPr>
+        <p:blipFill>
+          <a:blip r:embed="rId4"/>
+          <a:stretch>
+            <a:fillRect/>
+          </a:stretch>
+        </p:blipFill>
+        <p:spPr>
+          <a:xfrm>
+            <a:off x="838200" y="3775576"/>
+            <a:ext cx="7124700" cy="2451100"/>
+          </a:xfrm>
+          <a:prstGeom prst="rect">
+            <a:avLst/>
+          </a:prstGeom>
+        </p:spPr>
+      </p:pic>
+    </p:spTree>
+    <p:extLst>
+      <p:ext uri="{BB962C8B-B14F-4D97-AF65-F5344CB8AC3E}">
+        <p14:creationId xmlns:p14="http://schemas.microsoft.com/office/powerpoint/2010/main" val="1998324219"/>
+      </p:ext>
+    </p:extLst>
+  </p:cSld>
+  <p:clrMapOvr>
+    <a:masterClrMapping/>
+  </p:clrMapOvr>
+</p:sld>
+</file>
+
+<file path=ppt/slides/slide5.xml><?xml version="1.0" encoding="utf-8"?>
+<p:sld xmlns:a="http://schemas.openxmlformats.org/drawingml/2006/main" xmlns:r="http://schemas.openxmlformats.org/officeDocument/2006/relationships" xmlns:p="http://schemas.openxmlformats.org/presentationml/2006/main">
+  <p:cSld>
+    <p:spTree>
+      <p:nvGrpSpPr>
+        <p:cNvPr id="1" name=""/>
+        <p:cNvGrpSpPr/>
+        <p:nvPr/>
+      </p:nvGrpSpPr>
+      <p:grpSpPr>
+        <a:xfrm>
+          <a:off x="0" y="0"/>
+          <a:ext cx="0" cy="0"/>
+          <a:chOff x="0" y="0"/>
+          <a:chExt cx="0" cy="0"/>
+        </a:xfrm>
+      </p:grpSpPr>
+      <p:sp>
+        <p:nvSpPr>
+          <p:cNvPr id="2" name="标题 1"/>
+          <p:cNvSpPr>
+            <a:spLocks noGrp="1"/>
+          </p:cNvSpPr>
+          <p:nvPr>
+            <p:ph type="title"/>
+          </p:nvPr>
+        </p:nvSpPr>
+        <p:spPr/>
+        <p:txBody>
+          <a:bodyPr/>
+          <a:lstStyle/>
+          <a:p>
+            <a:r>
+              <a:rPr kumimoji="1" lang="en-US" altLang="zh-CN" dirty="0"/>
+              <a:t>1</a:t>
+            </a:r>
+            <a:r>
+              <a:rPr kumimoji="1" lang="zh-CN" altLang="en-US" dirty="0"/>
+              <a:t>、配置项</a:t>
+            </a:r>
+            <a:r>
+              <a:rPr kumimoji="1" lang="en-US" altLang="zh-CN" dirty="0"/>
+              <a:t>(</a:t>
+            </a:r>
+            <a:r>
+              <a:rPr kumimoji="1" lang="en-US" altLang="zh-CN" dirty="0" err="1"/>
+              <a:t>eslint</a:t>
+            </a:r>
+            <a:r>
+              <a:rPr kumimoji="1" lang="zh-CN" altLang="en-US" dirty="0"/>
+              <a:t>、单元测试、保存项</a:t>
+            </a:r>
+            <a:r>
+              <a:rPr kumimoji="1" lang="en-US" altLang="zh-CN" dirty="0"/>
+              <a:t>)</a:t>
+            </a:r>
+            <a:endParaRPr kumimoji="1" lang="zh-CN" altLang="en-US" dirty="0"/>
+          </a:p>
+        </p:txBody>
+      </p:sp>
+      <p:pic>
+        <p:nvPicPr>
+          <p:cNvPr id="4" name="内容占位符 3"/>
+          <p:cNvPicPr>
+            <a:picLocks noGrp="1" noChangeAspect="1"/>
+          </p:cNvPicPr>
+          <p:nvPr>
+            <p:ph idx="1"/>
+          </p:nvPr>
+        </p:nvPicPr>
+        <p:blipFill>
+          <a:blip r:embed="rId3"/>
+          <a:stretch>
+            <a:fillRect/>
+          </a:stretch>
+        </p:blipFill>
+        <p:spPr>
+          <a:xfrm>
+            <a:off x="958516" y="1707212"/>
+            <a:ext cx="7162800" cy="1206500"/>
+          </a:xfrm>
+          <a:prstGeom prst="rect">
+            <a:avLst/>
+          </a:prstGeom>
+        </p:spPr>
+      </p:pic>
+      <p:pic>
+        <p:nvPicPr>
+          <p:cNvPr id="5" name="图片 4"/>
+          <p:cNvPicPr>
+            <a:picLocks noChangeAspect="1"/>
+          </p:cNvPicPr>
+          <p:nvPr/>
+        </p:nvPicPr>
+        <p:blipFill>
+          <a:blip r:embed="rId4"/>
+          <a:stretch>
+            <a:fillRect/>
+          </a:stretch>
+        </p:blipFill>
+        <p:spPr>
+          <a:xfrm>
+            <a:off x="958516" y="3241774"/>
+            <a:ext cx="7175500" cy="1016000"/>
+          </a:xfrm>
+          <a:prstGeom prst="rect">
+            <a:avLst/>
+          </a:prstGeom>
+        </p:spPr>
+      </p:pic>
+      <p:pic>
+        <p:nvPicPr>
+          <p:cNvPr id="7" name="图片 6"/>
+          <p:cNvPicPr>
+            <a:picLocks noChangeAspect="1"/>
+          </p:cNvPicPr>
+          <p:nvPr/>
+        </p:nvPicPr>
+        <p:blipFill>
+          <a:blip r:embed="rId5"/>
+          <a:stretch>
+            <a:fillRect/>
+          </a:stretch>
+        </p:blipFill>
+        <p:spPr>
+          <a:xfrm>
+            <a:off x="958516" y="4549925"/>
+            <a:ext cx="7035800" cy="711200"/>
+          </a:xfrm>
+          <a:prstGeom prst="rect">
+            <a:avLst/>
+          </a:prstGeom>
+        </p:spPr>
+      </p:pic>
+      <p:pic>
+        <p:nvPicPr>
+          <p:cNvPr id="8" name="图片 7"/>
+          <p:cNvPicPr>
+            <a:picLocks noChangeAspect="1"/>
+          </p:cNvPicPr>
+          <p:nvPr/>
+        </p:nvPicPr>
+        <p:blipFill>
+          <a:blip r:embed="rId6"/>
+          <a:stretch>
+            <a:fillRect/>
+          </a:stretch>
+        </p:blipFill>
+        <p:spPr>
+          <a:xfrm>
+            <a:off x="958516" y="5518785"/>
+            <a:ext cx="5130800" cy="279400"/>
+          </a:xfrm>
+          <a:prstGeom prst="rect">
+            <a:avLst/>
+          </a:prstGeom>
+        </p:spPr>
+      </p:pic>
+    </p:spTree>
+    <p:extLst>
+      <p:ext uri="{BB962C8B-B14F-4D97-AF65-F5344CB8AC3E}">
+        <p14:creationId xmlns:p14="http://schemas.microsoft.com/office/powerpoint/2010/main" val="1632474422"/>
+      </p:ext>
+    </p:extLst>
+  </p:cSld>
+  <p:clrMapOvr>
+    <a:masterClrMapping/>
+  </p:clrMapOvr>
+</p:sld>
+</file>
+
+<file path=ppt/slides/slide6.xml><?xml version="1.0" encoding="utf-8"?>
+<p:sld xmlns:a="http://schemas.openxmlformats.org/drawingml/2006/main" xmlns:r="http://schemas.openxmlformats.org/officeDocument/2006/relationships" xmlns:p="http://schemas.openxmlformats.org/presentationml/2006/main">
+  <p:cSld>
+    <p:spTree>
+      <p:nvGrpSpPr>
+        <p:cNvPr id="1" name=""/>
+        <p:cNvGrpSpPr/>
+        <p:nvPr/>
+      </p:nvGrpSpPr>
+      <p:grpSpPr>
+        <a:xfrm>
+          <a:off x="0" y="0"/>
+          <a:ext cx="0" cy="0"/>
+          <a:chOff x="0" y="0"/>
+          <a:chExt cx="0" cy="0"/>
+        </a:xfrm>
+      </p:grpSpPr>
+      <p:sp>
+        <p:nvSpPr>
+          <p:cNvPr id="2" name="标题 1">
+            <a:extLst>
+              <a:ext uri="{FF2B5EF4-FFF2-40B4-BE49-F238E27FC236}">
+                <a16:creationId xmlns:a16="http://schemas.microsoft.com/office/drawing/2014/main" id="{82E05135-0013-4D02-A3BB-16E3B1CEF187}"/>
+              </a:ext>
+            </a:extLst>
+          </p:cNvPr>
+          <p:cNvSpPr>
+            <a:spLocks noGrp="1"/>
+          </p:cNvSpPr>
+          <p:nvPr>
+            <p:ph type="title"/>
+          </p:nvPr>
+        </p:nvSpPr>
+        <p:spPr/>
+        <p:txBody>
+          <a:bodyPr/>
+          <a:lstStyle/>
+          <a:p>
+            <a:r>
+              <a:rPr lang="en-US" altLang="zh-CN" dirty="0"/>
+              <a:t>2</a:t>
+            </a:r>
+            <a:r>
+              <a:rPr lang="zh-CN" altLang="en-US" dirty="0"/>
+              <a:t>、生命周期</a:t>
+            </a:r>
+          </a:p>
+        </p:txBody>
+      </p:sp>
+      <p:sp>
+        <p:nvSpPr>
+          <p:cNvPr id="3" name="内容占位符 2">
+            <a:extLst>
+              <a:ext uri="{FF2B5EF4-FFF2-40B4-BE49-F238E27FC236}">
+                <a16:creationId xmlns:a16="http://schemas.microsoft.com/office/drawing/2014/main" id="{2FF9BB56-A878-45A1-8169-597B0601FA9D}"/>
+              </a:ext>
+            </a:extLst>
+          </p:cNvPr>
+          <p:cNvSpPr>
+            <a:spLocks noGrp="1"/>
+          </p:cNvSpPr>
+          <p:nvPr>
+            <p:ph idx="1"/>
+          </p:nvPr>
+        </p:nvSpPr>
+        <p:spPr/>
+        <p:txBody>
+          <a:bodyPr/>
+          <a:lstStyle/>
+          <a:p>
+            <a:r>
+              <a:rPr lang="en-US" altLang="zh-CN" dirty="0" err="1"/>
+              <a:t>beforeCreate</a:t>
+            </a:r>
+            <a:endParaRPr lang="en-US" altLang="zh-CN" dirty="0"/>
+          </a:p>
+          <a:p>
+            <a:r>
+              <a:rPr lang="en-US" altLang="zh-CN" dirty="0"/>
+              <a:t>created</a:t>
+            </a:r>
+          </a:p>
+          <a:p>
+            <a:r>
+              <a:rPr lang="en-US" altLang="zh-CN" dirty="0" err="1"/>
+              <a:t>beforeMount</a:t>
+            </a:r>
+            <a:endParaRPr lang="en-US" altLang="zh-CN" dirty="0"/>
+          </a:p>
+          <a:p>
+            <a:r>
+              <a:rPr lang="en-US" altLang="zh-CN" dirty="0"/>
+              <a:t>mounted</a:t>
+            </a:r>
+          </a:p>
+          <a:p>
+            <a:r>
+              <a:rPr lang="en-US" altLang="zh-CN" dirty="0" err="1"/>
+              <a:t>beforeUpdate</a:t>
+            </a:r>
+            <a:endParaRPr lang="en-US" altLang="zh-CN" dirty="0"/>
+          </a:p>
+          <a:p>
+            <a:r>
+              <a:rPr lang="en-US" altLang="zh-CN" dirty="0"/>
+              <a:t>updated</a:t>
+            </a:r>
+          </a:p>
+          <a:p>
+            <a:r>
+              <a:rPr lang="en-US" altLang="zh-CN" dirty="0" err="1"/>
+              <a:t>beforeDestory</a:t>
+            </a:r>
+            <a:endParaRPr lang="en-US" altLang="zh-CN" dirty="0"/>
+          </a:p>
+          <a:p>
+            <a:r>
+              <a:rPr lang="en-US" altLang="zh-CN" dirty="0"/>
+              <a:t>destroyed</a:t>
+            </a:r>
+            <a:endParaRPr lang="zh-CN" altLang="en-US" dirty="0"/>
+          </a:p>
+        </p:txBody>
+      </p:sp>
+    </p:spTree>
+    <p:extLst>
+      <p:ext uri="{BB962C8B-B14F-4D97-AF65-F5344CB8AC3E}">
+        <p14:creationId xmlns:p14="http://schemas.microsoft.com/office/powerpoint/2010/main" val="3220914998"/>
+      </p:ext>
+    </p:extLst>
+  </p:cSld>
+  <p:clrMapOvr>
+    <a:masterClrMapping/>
+  </p:clrMapOvr>
+</p:sld>
+</file>
+
+<file path=ppt/slides/slide7.xml><?xml version="1.0" encoding="utf-8"?>
+<p:sld xmlns:a="http://schemas.openxmlformats.org/drawingml/2006/main" xmlns:r="http://schemas.openxmlformats.org/officeDocument/2006/relationships" xmlns:p="http://schemas.openxmlformats.org/presentationml/2006/main">
+  <p:cSld>
+    <p:spTree>
+      <p:nvGrpSpPr>
+        <p:cNvPr id="1" name=""/>
+        <p:cNvGrpSpPr/>
+        <p:nvPr/>
+      </p:nvGrpSpPr>
+      <p:grpSpPr>
+        <a:xfrm>
+          <a:off x="0" y="0"/>
+          <a:ext cx="0" cy="0"/>
+          <a:chOff x="0" y="0"/>
+          <a:chExt cx="0" cy="0"/>
+        </a:xfrm>
+      </p:grpSpPr>
+      <p:sp>
+        <p:nvSpPr>
+          <p:cNvPr id="2" name="标题 1">
+            <a:extLst>
+              <a:ext uri="{FF2B5EF4-FFF2-40B4-BE49-F238E27FC236}">
+                <a16:creationId xmlns:a16="http://schemas.microsoft.com/office/drawing/2014/main" id="{8F4830D9-46F0-4921-94C6-EDF45DFB9C47}"/>
+              </a:ext>
+            </a:extLst>
+          </p:cNvPr>
+          <p:cNvSpPr>
+            <a:spLocks noGrp="1"/>
+          </p:cNvSpPr>
+          <p:nvPr>
+            <p:ph type="title"/>
+          </p:nvPr>
+        </p:nvSpPr>
+        <p:spPr/>
+        <p:txBody>
+          <a:bodyPr/>
+          <a:lstStyle/>
+          <a:p>
+            <a:r>
+              <a:rPr lang="en-US" altLang="zh-CN" dirty="0"/>
+              <a:t>3</a:t>
+            </a:r>
+            <a:r>
+              <a:rPr lang="zh-CN" altLang="en-US" dirty="0"/>
+              <a:t>、双向绑定</a:t>
+            </a:r>
+          </a:p>
+        </p:txBody>
+      </p:sp>
+      <p:sp>
+        <p:nvSpPr>
+          <p:cNvPr id="3" name="内容占位符 2">
+            <a:extLst>
+              <a:ext uri="{FF2B5EF4-FFF2-40B4-BE49-F238E27FC236}">
+                <a16:creationId xmlns:a16="http://schemas.microsoft.com/office/drawing/2014/main" id="{613DD9ED-8A01-4143-BAF0-188B7EC16C9C}"/>
+              </a:ext>
+            </a:extLst>
+          </p:cNvPr>
+          <p:cNvSpPr>
+            <a:spLocks noGrp="1"/>
+          </p:cNvSpPr>
+          <p:nvPr>
+            <p:ph idx="1"/>
+          </p:nvPr>
+        </p:nvSpPr>
+        <p:spPr/>
+        <p:txBody>
+          <a:bodyPr/>
+          <a:lstStyle/>
+          <a:p>
+            <a:endParaRPr lang="zh-CN" altLang="en-US"/>
+          </a:p>
+        </p:txBody>
+      </p:sp>
+    </p:spTree>
+    <p:extLst>
+      <p:ext uri="{BB962C8B-B14F-4D97-AF65-F5344CB8AC3E}">
+        <p14:creationId xmlns:p14="http://schemas.microsoft.com/office/powerpoint/2010/main" val="4167932103"/>
+      </p:ext>
+    </p:extLst>
+  </p:cSld>
+  <p:clrMapOvr>
+    <a:masterClrMapping/>
+  </p:clrMapOvr>
+</p:sld>
+</file>
+
+<file path=ppt/slides/slide8.xml><?xml version="1.0" encoding="utf-8"?>
+<p:sld xmlns:a="http://schemas.openxmlformats.org/drawingml/2006/main" xmlns:r="http://schemas.openxmlformats.org/officeDocument/2006/relationships" xmlns:p="http://schemas.openxmlformats.org/presentationml/2006/main">
+  <p:cSld>
+    <p:spTree>
+      <p:nvGrpSpPr>
+        <p:cNvPr id="1" name=""/>
+        <p:cNvGrpSpPr/>
+        <p:nvPr/>
+      </p:nvGrpSpPr>
+      <p:grpSpPr>
+        <a:xfrm>
+          <a:off x="0" y="0"/>
+          <a:ext cx="0" cy="0"/>
+          <a:chOff x="0" y="0"/>
+          <a:chExt cx="0" cy="0"/>
+        </a:xfrm>
+      </p:grpSpPr>
+      <p:sp>
+        <p:nvSpPr>
+          <p:cNvPr id="2" name="标题 1"/>
+          <p:cNvSpPr>
+            <a:spLocks noGrp="1"/>
+          </p:cNvSpPr>
+          <p:nvPr>
+            <p:ph type="title"/>
+          </p:nvPr>
+        </p:nvSpPr>
+        <p:spPr/>
+        <p:txBody>
+          <a:bodyPr/>
+          <a:lstStyle/>
+          <a:p>
+            <a:r>
+              <a:rPr lang="en-US" altLang="zh-CN" dirty="0"/>
+              <a:t>4</a:t>
+            </a:r>
+            <a:r>
+              <a:rPr lang="zh-CN" altLang="en-US" dirty="0"/>
+              <a:t>、资源</a:t>
+            </a:r>
+            <a:r>
+              <a:rPr lang="en-US" altLang="zh-CN" dirty="0"/>
+              <a:t>alias</a:t>
+            </a:r>
+            <a:r>
+              <a:rPr lang="zh-CN" altLang="en-US" dirty="0"/>
+              <a:t>别名和全局组件</a:t>
+            </a:r>
+            <a:endParaRPr kumimoji="1" lang="zh-CN" altLang="en-US" dirty="0"/>
+          </a:p>
+        </p:txBody>
+      </p:sp>
+      <p:pic>
+        <p:nvPicPr>
+          <p:cNvPr id="4" name="内容占位符 3">
+            <a:extLst>
+              <a:ext uri="{FF2B5EF4-FFF2-40B4-BE49-F238E27FC236}">
+                <a16:creationId xmlns:a16="http://schemas.microsoft.com/office/drawing/2014/main" id="{F8792C88-E79E-4A94-926C-332D2D796C80}"/>
+              </a:ext>
+            </a:extLst>
+          </p:cNvPr>
+          <p:cNvPicPr>
+            <a:picLocks noGrp="1" noChangeAspect="1"/>
+          </p:cNvPicPr>
+          <p:nvPr>
+            <p:ph idx="1"/>
+          </p:nvPr>
+        </p:nvPicPr>
+        <p:blipFill>
+          <a:blip r:embed="rId2"/>
+          <a:stretch>
+            <a:fillRect/>
+          </a:stretch>
+        </p:blipFill>
+        <p:spPr>
+          <a:xfrm>
+            <a:off x="927538" y="1417419"/>
+            <a:ext cx="4724400" cy="1171575"/>
+          </a:xfrm>
+          <a:prstGeom prst="rect">
+            <a:avLst/>
+          </a:prstGeom>
+        </p:spPr>
+      </p:pic>
+      <p:pic>
+        <p:nvPicPr>
+          <p:cNvPr id="5" name="图片 4">
+            <a:extLst>
+              <a:ext uri="{FF2B5EF4-FFF2-40B4-BE49-F238E27FC236}">
+                <a16:creationId xmlns:a16="http://schemas.microsoft.com/office/drawing/2014/main" id="{D6FC1EC9-5728-4F74-AFA9-4556119AE99D}"/>
+              </a:ext>
+            </a:extLst>
+          </p:cNvPr>
+          <p:cNvPicPr>
+            <a:picLocks noChangeAspect="1"/>
+          </p:cNvPicPr>
+          <p:nvPr/>
+        </p:nvPicPr>
+        <p:blipFill>
+          <a:blip r:embed="rId3"/>
+          <a:stretch>
+            <a:fillRect/>
+          </a:stretch>
+        </p:blipFill>
+        <p:spPr>
+          <a:xfrm>
+            <a:off x="927538" y="5170490"/>
+            <a:ext cx="4476750" cy="1257300"/>
+          </a:xfrm>
+          <a:prstGeom prst="rect">
+            <a:avLst/>
+          </a:prstGeom>
+        </p:spPr>
+      </p:pic>
+      <p:pic>
+        <p:nvPicPr>
+          <p:cNvPr id="6" name="内容占位符 3">
+            <a:extLst>
+              <a:ext uri="{FF2B5EF4-FFF2-40B4-BE49-F238E27FC236}">
+                <a16:creationId xmlns:a16="http://schemas.microsoft.com/office/drawing/2014/main" id="{15F2150D-EB48-440E-8028-3969D63E2D5A}"/>
+              </a:ext>
+            </a:extLst>
+          </p:cNvPr>
+          <p:cNvPicPr>
+            <a:picLocks noChangeAspect="1"/>
+          </p:cNvPicPr>
+          <p:nvPr/>
+        </p:nvPicPr>
+        <p:blipFill>
+          <a:blip r:embed="rId4"/>
+          <a:stretch>
+            <a:fillRect/>
+          </a:stretch>
+        </p:blipFill>
+        <p:spPr>
+          <a:xfrm>
+            <a:off x="927538" y="2721962"/>
+            <a:ext cx="6696075" cy="2305050"/>
+          </a:xfrm>
+          <a:prstGeom prst="rect">
+            <a:avLst/>
+          </a:prstGeom>
+        </p:spPr>
+      </p:pic>
+    </p:spTree>
+    <p:extLst>
+      <p:ext uri="{BB962C8B-B14F-4D97-AF65-F5344CB8AC3E}">
+        <p14:creationId xmlns:p14="http://schemas.microsoft.com/office/powerpoint/2010/main" val="306101447"/>
+      </p:ext>
+    </p:extLst>
+  </p:cSld>
+  <p:clrMapOvr>
+    <a:masterClrMapping/>
+  </p:clrMapOvr>
+</p:sld>
+</file>
+
+<file path=ppt/slides/slide9.xml><?xml version="1.0" encoding="utf-8"?>
+<p:sld xmlns:a="http://schemas.openxmlformats.org/drawingml/2006/main" xmlns:r="http://schemas.openxmlformats.org/officeDocument/2006/relationships" xmlns:p="http://schemas.openxmlformats.org/presentationml/2006/main">
+  <p:cSld>
+    <p:spTree>
+      <p:nvGrpSpPr>
+        <p:cNvPr id="1" name=""/>
+        <p:cNvGrpSpPr/>
+        <p:nvPr/>
+      </p:nvGrpSpPr>
+      <p:grpSpPr>
+        <a:xfrm>
+          <a:off x="0" y="0"/>
+          <a:ext cx="0" cy="0"/>
+          <a:chOff x="0" y="0"/>
+          <a:chExt cx="0" cy="0"/>
+        </a:xfrm>
+      </p:grpSpPr>
+      <p:sp>
+        <p:nvSpPr>
+          <p:cNvPr id="2" name="标题 1"/>
+          <p:cNvSpPr>
+            <a:spLocks noGrp="1"/>
+          </p:cNvSpPr>
+          <p:nvPr>
+            <p:ph type="title"/>
+          </p:nvPr>
+        </p:nvSpPr>
+        <p:spPr/>
+        <p:txBody>
+          <a:bodyPr/>
+          <a:lstStyle/>
+          <a:p>
+            <a:r>
+              <a:rPr kumimoji="1" lang="en-US" altLang="zh-CN" dirty="0"/>
+              <a:t>4</a:t>
+            </a:r>
+            <a:r>
+              <a:rPr kumimoji="1" lang="zh-CN" altLang="en-US" dirty="0"/>
+              <a:t>、</a:t>
+            </a:r>
+            <a:r>
+              <a:rPr kumimoji="1" lang="en-US" altLang="zh-CN" dirty="0" err="1"/>
+              <a:t>svg</a:t>
+            </a:r>
+            <a:r>
+              <a:rPr kumimoji="1" lang="en-US" altLang="zh-CN" dirty="0"/>
+              <a:t>-icon</a:t>
+            </a:r>
+            <a:r>
+              <a:rPr kumimoji="1" lang="zh-CN" altLang="en-US" dirty="0"/>
+              <a:t>组件使用</a:t>
+            </a:r>
+          </a:p>
+        </p:txBody>
+      </p:sp>
+      <p:pic>
+        <p:nvPicPr>
+          <p:cNvPr id="6" name="内容占位符 5">
+            <a:extLst>
+              <a:ext uri="{FF2B5EF4-FFF2-40B4-BE49-F238E27FC236}">
+                <a16:creationId xmlns:a16="http://schemas.microsoft.com/office/drawing/2014/main" id="{238922FC-5EC4-49AB-8CEF-CA0BDEF4970D}"/>
+              </a:ext>
+            </a:extLst>
+          </p:cNvPr>
+          <p:cNvPicPr>
+            <a:picLocks noGrp="1" noChangeAspect="1"/>
+          </p:cNvPicPr>
+          <p:nvPr>
+            <p:ph idx="1"/>
+          </p:nvPr>
+        </p:nvPicPr>
+        <p:blipFill>
+          <a:blip r:embed="rId3"/>
+          <a:stretch>
+            <a:fillRect/>
+          </a:stretch>
+        </p:blipFill>
+        <p:spPr>
+          <a:xfrm>
+            <a:off x="838200" y="1774768"/>
+            <a:ext cx="7696200" cy="2514600"/>
+          </a:xfrm>
+          <a:prstGeom prst="rect">
+            <a:avLst/>
+          </a:prstGeom>
+        </p:spPr>
+      </p:pic>
+      <p:pic>
+        <p:nvPicPr>
+          <p:cNvPr id="7" name="图片 6">
+            <a:extLst>
+              <a:ext uri="{FF2B5EF4-FFF2-40B4-BE49-F238E27FC236}">
+                <a16:creationId xmlns:a16="http://schemas.microsoft.com/office/drawing/2014/main" id="{E97495AC-31E9-4E4A-A75B-11713BB964F3}"/>
+              </a:ext>
+            </a:extLst>
+          </p:cNvPr>
+          <p:cNvPicPr>
+            <a:picLocks noChangeAspect="1"/>
+          </p:cNvPicPr>
+          <p:nvPr/>
+        </p:nvPicPr>
+        <p:blipFill>
+          <a:blip r:embed="rId4"/>
+          <a:stretch>
+            <a:fillRect/>
+          </a:stretch>
+        </p:blipFill>
+        <p:spPr>
+          <a:xfrm>
+            <a:off x="838200" y="4381825"/>
+            <a:ext cx="2362200" cy="676275"/>
+          </a:xfrm>
+          <a:prstGeom prst="rect">
+            <a:avLst/>
+          </a:prstGeom>
+        </p:spPr>
+      </p:pic>
+      <p:pic>
+        <p:nvPicPr>
+          <p:cNvPr id="8" name="图片 7">
+            <a:extLst>
+              <a:ext uri="{FF2B5EF4-FFF2-40B4-BE49-F238E27FC236}">
+                <a16:creationId xmlns:a16="http://schemas.microsoft.com/office/drawing/2014/main" id="{69FB918F-23E0-43AE-9E83-6E7BCF05C0DF}"/>
+              </a:ext>
+            </a:extLst>
+          </p:cNvPr>
+          <p:cNvPicPr>
+            <a:picLocks noChangeAspect="1"/>
+          </p:cNvPicPr>
+          <p:nvPr/>
+        </p:nvPicPr>
+        <p:blipFill>
+          <a:blip r:embed="rId5"/>
+          <a:stretch>
+            <a:fillRect/>
+          </a:stretch>
+        </p:blipFill>
+        <p:spPr>
+          <a:xfrm>
+            <a:off x="838200" y="5731584"/>
+            <a:ext cx="4724400" cy="523875"/>
+          </a:xfrm>
+          <a:prstGeom prst="rect">
+            <a:avLst/>
+          </a:prstGeom>
+        </p:spPr>
+      </p:pic>
+      <p:sp>
+        <p:nvSpPr>
+          <p:cNvPr id="9" name="矩形: 圆角 8">
+            <a:extLst>
+              <a:ext uri="{FF2B5EF4-FFF2-40B4-BE49-F238E27FC236}">
+                <a16:creationId xmlns:a16="http://schemas.microsoft.com/office/drawing/2014/main" id="{6947E7DA-C0D0-4A5E-B7BA-31EB85674354}"/>
+              </a:ext>
+            </a:extLst>
+          </p:cNvPr>
+          <p:cNvSpPr/>
+          <p:nvPr/>
+        </p:nvSpPr>
+        <p:spPr>
+          <a:xfrm>
+            <a:off x="838200" y="5318232"/>
+            <a:ext cx="2362200" cy="286189"/>
+          </a:xfrm>
+          <a:prstGeom prst="roundRect">
+            <a:avLst/>
+          </a:prstGeom>
+          <a:noFill/>
+        </p:spPr>
+        <p:style>
+          <a:lnRef idx="2">
+            <a:schemeClr val="accent1">
+              <a:shade val="50000"/>
+            </a:schemeClr>
+          </a:lnRef>
+          <a:fillRef idx="1">
+            <a:schemeClr val="accent1"/>
+          </a:fillRef>
+          <a:effectRef idx="0">
+            <a:schemeClr val="accent1"/>
+          </a:effectRef>
+          <a:fontRef idx="minor">
+            <a:schemeClr val="lt1"/>
+          </a:fontRef>
+        </p:style>
+        <p:txBody>
+          <a:bodyPr rtlCol="0" anchor="ctr"/>
+          <a:lstStyle/>
+          <a:p>
+            <a:r>
+              <a:rPr lang="zh-CN" altLang="en-US" dirty="0">
+                <a:solidFill>
+                  <a:schemeClr val="tx1"/>
+                </a:solidFill>
+              </a:rPr>
+              <a:t>第二种方式</a:t>
+            </a:r>
+          </a:p>
+        </p:txBody>
+      </p:sp>
+      <p:sp>
+        <p:nvSpPr>
+          <p:cNvPr id="11" name="矩形: 圆角 10">
+            <a:extLst>
+              <a:ext uri="{FF2B5EF4-FFF2-40B4-BE49-F238E27FC236}">
+                <a16:creationId xmlns:a16="http://schemas.microsoft.com/office/drawing/2014/main" id="{6A449CD4-4281-40C8-851B-3AA8A42E7A19}"/>
+              </a:ext>
+            </a:extLst>
+          </p:cNvPr>
+          <p:cNvSpPr/>
+          <p:nvPr/>
+        </p:nvSpPr>
+        <p:spPr>
+          <a:xfrm>
+            <a:off x="838200" y="1411944"/>
+            <a:ext cx="2362200" cy="286189"/>
+          </a:xfrm>
+          <a:prstGeom prst="roundRect">
+            <a:avLst/>
+          </a:prstGeom>
+          <a:noFill/>
+        </p:spPr>
+        <p:style>
+          <a:lnRef idx="2">
+            <a:schemeClr val="accent1">
+              <a:shade val="50000"/>
+            </a:schemeClr>
+          </a:lnRef>
+          <a:fillRef idx="1">
+            <a:schemeClr val="accent1"/>
+          </a:fillRef>
+          <a:effectRef idx="0">
+            <a:schemeClr val="accent1"/>
+          </a:effectRef>
+          <a:fontRef idx="minor">
+            <a:schemeClr val="lt1"/>
+          </a:fontRef>
+        </p:style>
+        <p:txBody>
+          <a:bodyPr rtlCol="0" anchor="ctr"/>
+          <a:lstStyle/>
+          <a:p>
+            <a:r>
+              <a:rPr lang="zh-CN" altLang="en-US" dirty="0">
+                <a:solidFill>
+                  <a:schemeClr val="tx1"/>
+                </a:solidFill>
+              </a:rPr>
+              <a:t>第一种方式</a:t>
+            </a:r>
+          </a:p>
+        </p:txBody>
+      </p:sp>
+      <p:pic>
+        <p:nvPicPr>
+          <p:cNvPr id="12" name="图片 11">
+            <a:extLst>
+              <a:ext uri="{FF2B5EF4-FFF2-40B4-BE49-F238E27FC236}">
+                <a16:creationId xmlns:a16="http://schemas.microsoft.com/office/drawing/2014/main" id="{20EA6791-01FD-41E2-B214-C0F3866C8C9D}"/>
+              </a:ext>
+            </a:extLst>
+          </p:cNvPr>
+          <p:cNvPicPr>
+            <a:picLocks noChangeAspect="1"/>
+          </p:cNvPicPr>
+          <p:nvPr/>
+        </p:nvPicPr>
+        <p:blipFill>
+          <a:blip r:embed="rId6"/>
+          <a:stretch>
+            <a:fillRect/>
+          </a:stretch>
+        </p:blipFill>
+        <p:spPr>
+          <a:xfrm>
+            <a:off x="5949840" y="5283909"/>
+            <a:ext cx="4895850" cy="971550"/>
+          </a:xfrm>
+          <a:prstGeom prst="rect">
+            <a:avLst/>
+          </a:prstGeom>
+        </p:spPr>
+      </p:pic>
+    </p:spTree>
+    <p:extLst>
+      <p:ext uri="{BB962C8B-B14F-4D97-AF65-F5344CB8AC3E}">
+        <p14:creationId xmlns:p14="http://schemas.microsoft.com/office/powerpoint/2010/main" val="613756474"/>
       </p:ext>
     </p:extLst>
   </p:cSld>
